--- a/Commande.pptx
+++ b/Commande.pptx
@@ -11,7 +11,8 @@
     <p:sldId id="259" r:id="rId5"/>
     <p:sldId id="260" r:id="rId6"/>
     <p:sldId id="261" r:id="rId7"/>
-    <p:sldId id="262" r:id="rId8"/>
+    <p:sldId id="263" r:id="rId8"/>
+    <p:sldId id="262" r:id="rId9"/>
   </p:sldIdLst>
   <p:sldSz cx="12192000" cy="6858000"/>
   <p:notesSz cx="6858000" cy="9144000"/>
@@ -110,6 +111,11 @@
       </a:defRPr>
     </a:lvl9pPr>
   </p:defaultTextStyle>
+  <p:extLst>
+    <p:ext uri="{EFAFB233-063F-42B5-8137-9DF3F51BA10A}">
+      <p15:sldGuideLst xmlns:p15="http://schemas.microsoft.com/office/powerpoint/2012/main"/>
+    </p:ext>
+  </p:extLst>
 </p:presentation>
 </file>
 
@@ -4255,6 +4261,143 @@
           <a:p>
             <a:r>
               <a:rPr lang="fr-CH" dirty="0" smtClean="0"/>
+              <a:t>C++ &amp; </a:t>
+            </a:r>
+            <a:r>
+              <a:rPr lang="fr-CH" dirty="0" err="1" smtClean="0"/>
+              <a:t>template</a:t>
+            </a:r>
+            <a:endParaRPr lang="fr-CH" dirty="0"/>
+          </a:p>
+        </p:txBody>
+      </p:sp>
+      <p:pic>
+        <p:nvPicPr>
+          <p:cNvPr id="4" name="Espace réservé du contenu 3"/>
+          <p:cNvPicPr>
+            <a:picLocks noGrp="1" noChangeAspect="1"/>
+          </p:cNvPicPr>
+          <p:nvPr>
+            <p:ph idx="1"/>
+          </p:nvPr>
+        </p:nvPicPr>
+        <p:blipFill>
+          <a:blip r:embed="rId2">
+            <a:extLst>
+              <a:ext uri="{28A0092B-C50C-407E-A947-70E740481C1C}">
+                <a14:useLocalDpi xmlns:a14="http://schemas.microsoft.com/office/drawing/2010/main" val="0"/>
+              </a:ext>
+            </a:extLst>
+          </a:blip>
+          <a:stretch>
+            <a:fillRect/>
+          </a:stretch>
+        </p:blipFill>
+        <p:spPr>
+          <a:xfrm>
+            <a:off x="1202919" y="2252908"/>
+            <a:ext cx="6517420" cy="4206875"/>
+          </a:xfrm>
+          <a:prstGeom prst="rect">
+            <a:avLst/>
+          </a:prstGeom>
+          <a:ln>
+            <a:noFill/>
+          </a:ln>
+          <a:effectLst>
+            <a:outerShdw blurRad="292100" dist="139700" dir="2700000" algn="tl" rotWithShape="0">
+              <a:srgbClr val="333333">
+                <a:alpha val="65000"/>
+              </a:srgbClr>
+            </a:outerShdw>
+          </a:effectLst>
+        </p:spPr>
+      </p:pic>
+      <p:sp>
+        <p:nvSpPr>
+          <p:cNvPr id="5" name="ZoneTexte 4"/>
+          <p:cNvSpPr txBox="1"/>
+          <p:nvPr/>
+        </p:nvSpPr>
+        <p:spPr>
+          <a:xfrm>
+            <a:off x="8379120" y="3496911"/>
+            <a:ext cx="2838095" cy="1477328"/>
+          </a:xfrm>
+          <a:prstGeom prst="rect">
+            <a:avLst/>
+          </a:prstGeom>
+          <a:noFill/>
+        </p:spPr>
+        <p:txBody>
+          <a:bodyPr wrap="square" rtlCol="0">
+            <a:spAutoFit/>
+          </a:bodyPr>
+          <a:lstStyle/>
+          <a:p>
+            <a:r>
+              <a:rPr lang="fr-CH" dirty="0" smtClean="0"/>
+              <a:t>Les </a:t>
+            </a:r>
+            <a:r>
+              <a:rPr lang="fr-CH" dirty="0" err="1" smtClean="0"/>
+              <a:t>templates</a:t>
+            </a:r>
+            <a:r>
+              <a:rPr lang="fr-CH" dirty="0" smtClean="0"/>
+              <a:t> du C++ permettent de facilement créer des commandes simples sans devoir créer une nouvelle classe</a:t>
+            </a:r>
+            <a:endParaRPr lang="fr-CH" dirty="0"/>
+          </a:p>
+        </p:txBody>
+      </p:sp>
+    </p:spTree>
+    <p:extLst>
+      <p:ext uri="{BB962C8B-B14F-4D97-AF65-F5344CB8AC3E}">
+        <p14:creationId xmlns:p14="http://schemas.microsoft.com/office/powerpoint/2010/main" val="2623962394"/>
+      </p:ext>
+    </p:extLst>
+  </p:cSld>
+  <p:clrMapOvr>
+    <a:masterClrMapping/>
+  </p:clrMapOvr>
+</p:sld>
+</file>
+
+<file path=ppt/slides/slide8.xml><?xml version="1.0" encoding="utf-8"?>
+<p:sld xmlns:a="http://schemas.openxmlformats.org/drawingml/2006/main" xmlns:r="http://schemas.openxmlformats.org/officeDocument/2006/relationships" xmlns:p="http://schemas.openxmlformats.org/presentationml/2006/main">
+  <p:cSld>
+    <p:spTree>
+      <p:nvGrpSpPr>
+        <p:cNvPr id="1" name=""/>
+        <p:cNvGrpSpPr/>
+        <p:nvPr/>
+      </p:nvGrpSpPr>
+      <p:grpSpPr>
+        <a:xfrm>
+          <a:off x="0" y="0"/>
+          <a:ext cx="0" cy="0"/>
+          <a:chOff x="0" y="0"/>
+          <a:chExt cx="0" cy="0"/>
+        </a:xfrm>
+      </p:grpSpPr>
+      <p:sp>
+        <p:nvSpPr>
+          <p:cNvPr id="2" name="Titre 1"/>
+          <p:cNvSpPr>
+            <a:spLocks noGrp="1"/>
+          </p:cNvSpPr>
+          <p:nvPr>
+            <p:ph type="title"/>
+          </p:nvPr>
+        </p:nvSpPr>
+        <p:spPr/>
+        <p:txBody>
+          <a:bodyPr/>
+          <a:lstStyle/>
+          <a:p>
+            <a:r>
+              <a:rPr lang="fr-CH" dirty="0" smtClean="0"/>
               <a:t>Commande</a:t>
             </a:r>
             <a:endParaRPr lang="fr-CH" dirty="0"/>

--- a/Commande.pptx
+++ b/Commande.pptx
@@ -1,6 +1,6 @@
 
 <file path=ppt/presentation.xml><?xml version="1.0" encoding="utf-8"?>
-<p:presentation xmlns:a="http://schemas.openxmlformats.org/drawingml/2006/main" xmlns:r="http://schemas.openxmlformats.org/officeDocument/2006/relationships" xmlns:p="http://schemas.openxmlformats.org/presentationml/2006/main" autoCompressPictures="0">
+<p:presentation xmlns:a="http://schemas.openxmlformats.org/drawingml/2006/main" xmlns:r="http://schemas.openxmlformats.org/officeDocument/2006/relationships" xmlns:p="http://schemas.openxmlformats.org/presentationml/2006/main" saveSubsetFonts="1" autoCompressPictures="0">
   <p:sldMasterIdLst>
     <p:sldMasterId id="2147483648" r:id="rId1"/>
   </p:sldMasterIdLst>
@@ -11,8 +11,12 @@
     <p:sldId id="259" r:id="rId5"/>
     <p:sldId id="260" r:id="rId6"/>
     <p:sldId id="261" r:id="rId7"/>
-    <p:sldId id="263" r:id="rId8"/>
-    <p:sldId id="262" r:id="rId9"/>
+    <p:sldId id="264" r:id="rId8"/>
+    <p:sldId id="265" r:id="rId9"/>
+    <p:sldId id="267" r:id="rId10"/>
+    <p:sldId id="266" r:id="rId11"/>
+    <p:sldId id="263" r:id="rId12"/>
+    <p:sldId id="262" r:id="rId13"/>
   </p:sldIdLst>
   <p:sldSz cx="12192000" cy="6858000"/>
   <p:notesSz cx="6858000" cy="9144000"/>
@@ -295,7 +299,7 @@
           <a:p>
             <a:fld id="{96DFF08F-DC6B-4601-B491-B0F83F6DD2DA}" type="datetimeFigureOut">
               <a:rPr lang="en-US" dirty="0"/>
-              <a:t>5/16/2016</a:t>
+              <a:t>5/17/16</a:t>
             </a:fld>
             <a:endParaRPr lang="en-US" dirty="0"/>
           </a:p>
@@ -337,7 +341,7 @@
           <a:p>
             <a:fld id="{4FAB73BC-B049-4115-A692-8D63A059BFB8}" type="slidenum">
               <a:rPr lang="en-US" dirty="0"/>
-              <a:t>‹N°›</a:t>
+              <a:t>‹#›</a:t>
             </a:fld>
             <a:endParaRPr lang="en-US" dirty="0"/>
           </a:p>
@@ -460,7 +464,7 @@
           <a:p>
             <a:fld id="{96DFF08F-DC6B-4601-B491-B0F83F6DD2DA}" type="datetimeFigureOut">
               <a:rPr lang="en-US" dirty="0"/>
-              <a:t>5/16/2016</a:t>
+              <a:t>5/17/16</a:t>
             </a:fld>
             <a:endParaRPr lang="en-US" dirty="0"/>
           </a:p>
@@ -502,7 +506,7 @@
           <a:p>
             <a:fld id="{4FAB73BC-B049-4115-A692-8D63A059BFB8}" type="slidenum">
               <a:rPr lang="en-US" dirty="0"/>
-              <a:t>‹N°›</a:t>
+              <a:t>‹#›</a:t>
             </a:fld>
             <a:endParaRPr lang="en-US" dirty="0"/>
           </a:p>
@@ -678,7 +682,7 @@
           <a:p>
             <a:fld id="{96DFF08F-DC6B-4601-B491-B0F83F6DD2DA}" type="datetimeFigureOut">
               <a:rPr lang="en-US" dirty="0"/>
-              <a:t>5/16/2016</a:t>
+              <a:t>5/17/16</a:t>
             </a:fld>
             <a:endParaRPr lang="en-US" dirty="0"/>
           </a:p>
@@ -730,7 +734,7 @@
           <a:p>
             <a:fld id="{4FAB73BC-B049-4115-A692-8D63A059BFB8}" type="slidenum">
               <a:rPr lang="en-US" dirty="0"/>
-              <a:t>‹N°›</a:t>
+              <a:t>‹#›</a:t>
             </a:fld>
             <a:endParaRPr lang="en-US" dirty="0"/>
           </a:p>
@@ -853,7 +857,7 @@
           <a:p>
             <a:fld id="{96DFF08F-DC6B-4601-B491-B0F83F6DD2DA}" type="datetimeFigureOut">
               <a:rPr lang="en-US" dirty="0"/>
-              <a:t>5/16/2016</a:t>
+              <a:t>5/17/16</a:t>
             </a:fld>
             <a:endParaRPr lang="en-US" dirty="0"/>
           </a:p>
@@ -895,7 +899,7 @@
           <a:p>
             <a:fld id="{4FAB73BC-B049-4115-A692-8D63A059BFB8}" type="slidenum">
               <a:rPr lang="en-US" dirty="0"/>
-              <a:t>‹N°›</a:t>
+              <a:t>‹#›</a:t>
             </a:fld>
             <a:endParaRPr lang="en-US" dirty="0"/>
           </a:p>
@@ -1155,7 +1159,7 @@
             <a:fld id="{96DFF08F-DC6B-4601-B491-B0F83F6DD2DA}" type="datetimeFigureOut">
               <a:rPr lang="en-US" dirty="0"/>
               <a:pPr/>
-              <a:t>5/16/2016</a:t>
+              <a:t>5/17/16</a:t>
             </a:fld>
             <a:endParaRPr lang="en-US" dirty="0"/>
           </a:p>
@@ -1214,7 +1218,7 @@
             <a:fld id="{4FAB73BC-B049-4115-A692-8D63A059BFB8}" type="slidenum">
               <a:rPr lang="en-US" dirty="0"/>
               <a:pPr/>
-              <a:t>‹N°›</a:t>
+              <a:t>‹#›</a:t>
             </a:fld>
             <a:endParaRPr lang="en-US" dirty="0"/>
           </a:p>
@@ -1455,7 +1459,7 @@
           <a:p>
             <a:fld id="{96DFF08F-DC6B-4601-B491-B0F83F6DD2DA}" type="datetimeFigureOut">
               <a:rPr lang="en-US" dirty="0"/>
-              <a:t>5/16/2016</a:t>
+              <a:t>5/17/16</a:t>
             </a:fld>
             <a:endParaRPr lang="en-US" dirty="0"/>
           </a:p>
@@ -1497,7 +1501,7 @@
           <a:p>
             <a:fld id="{4FAB73BC-B049-4115-A692-8D63A059BFB8}" type="slidenum">
               <a:rPr lang="en-US" dirty="0"/>
-              <a:t>‹N°›</a:t>
+              <a:t>‹#›</a:t>
             </a:fld>
             <a:endParaRPr lang="en-US" dirty="0"/>
           </a:p>
@@ -1872,7 +1876,7 @@
           <a:p>
             <a:fld id="{96DFF08F-DC6B-4601-B491-B0F83F6DD2DA}" type="datetimeFigureOut">
               <a:rPr lang="en-US" dirty="0"/>
-              <a:t>5/16/2016</a:t>
+              <a:t>5/17/16</a:t>
             </a:fld>
             <a:endParaRPr lang="en-US" dirty="0"/>
           </a:p>
@@ -1914,7 +1918,7 @@
           <a:p>
             <a:fld id="{4FAB73BC-B049-4115-A692-8D63A059BFB8}" type="slidenum">
               <a:rPr lang="en-US" dirty="0"/>
-              <a:t>‹N°›</a:t>
+              <a:t>‹#›</a:t>
             </a:fld>
             <a:endParaRPr lang="en-US" dirty="0"/>
           </a:p>
@@ -1985,7 +1989,7 @@
           <a:p>
             <a:fld id="{96DFF08F-DC6B-4601-B491-B0F83F6DD2DA}" type="datetimeFigureOut">
               <a:rPr lang="en-US" dirty="0"/>
-              <a:t>5/16/2016</a:t>
+              <a:t>5/17/16</a:t>
             </a:fld>
             <a:endParaRPr lang="en-US" dirty="0"/>
           </a:p>
@@ -2027,7 +2031,7 @@
           <a:p>
             <a:fld id="{4FAB73BC-B049-4115-A692-8D63A059BFB8}" type="slidenum">
               <a:rPr lang="en-US" dirty="0"/>
-              <a:t>‹N°›</a:t>
+              <a:t>‹#›</a:t>
             </a:fld>
             <a:endParaRPr lang="en-US" dirty="0"/>
           </a:p>
@@ -2075,7 +2079,7 @@
           <a:p>
             <a:fld id="{96DFF08F-DC6B-4601-B491-B0F83F6DD2DA}" type="datetimeFigureOut">
               <a:rPr lang="en-US" dirty="0"/>
-              <a:t>5/16/2016</a:t>
+              <a:t>5/17/16</a:t>
             </a:fld>
             <a:endParaRPr lang="en-US" dirty="0"/>
           </a:p>
@@ -2117,7 +2121,7 @@
           <a:p>
             <a:fld id="{4FAB73BC-B049-4115-A692-8D63A059BFB8}" type="slidenum">
               <a:rPr lang="en-US" dirty="0"/>
-              <a:t>‹N°›</a:t>
+              <a:t>‹#›</a:t>
             </a:fld>
             <a:endParaRPr lang="en-US" dirty="0"/>
           </a:p>
@@ -2343,7 +2347,7 @@
           <a:p>
             <a:fld id="{96DFF08F-DC6B-4601-B491-B0F83F6DD2DA}" type="datetimeFigureOut">
               <a:rPr lang="en-US" dirty="0"/>
-              <a:t>5/16/2016</a:t>
+              <a:t>5/17/16</a:t>
             </a:fld>
             <a:endParaRPr lang="en-US" dirty="0"/>
           </a:p>
@@ -2385,7 +2389,7 @@
           <a:p>
             <a:fld id="{4FAB73BC-B049-4115-A692-8D63A059BFB8}" type="slidenum">
               <a:rPr lang="en-US" dirty="0"/>
-              <a:t>‹N°›</a:t>
+              <a:t>‹#›</a:t>
             </a:fld>
             <a:endParaRPr lang="en-US" dirty="0"/>
           </a:p>
@@ -2603,7 +2607,7 @@
           <a:p>
             <a:fld id="{96DFF08F-DC6B-4601-B491-B0F83F6DD2DA}" type="datetimeFigureOut">
               <a:rPr lang="en-US" dirty="0"/>
-              <a:t>5/16/2016</a:t>
+              <a:t>5/17/16</a:t>
             </a:fld>
             <a:endParaRPr lang="en-US" dirty="0"/>
           </a:p>
@@ -2645,7 +2649,7 @@
           <a:p>
             <a:fld id="{4FAB73BC-B049-4115-A692-8D63A059BFB8}" type="slidenum">
               <a:rPr lang="en-US" dirty="0"/>
-              <a:t>‹N°›</a:t>
+              <a:t>‹#›</a:t>
             </a:fld>
             <a:endParaRPr lang="en-US" dirty="0"/>
           </a:p>
@@ -2848,7 +2852,7 @@
             <a:fld id="{96DFF08F-DC6B-4601-B491-B0F83F6DD2DA}" type="datetimeFigureOut">
               <a:rPr lang="en-US" dirty="0"/>
               <a:pPr/>
-              <a:t>5/16/2016</a:t>
+              <a:t>5/17/16</a:t>
             </a:fld>
             <a:endParaRPr lang="en-US" dirty="0"/>
           </a:p>
@@ -2923,7 +2927,7 @@
             <a:fld id="{4FAB73BC-B049-4115-A692-8D63A059BFB8}" type="slidenum">
               <a:rPr lang="en-US" dirty="0"/>
               <a:pPr/>
-              <a:t>‹N°›</a:t>
+              <a:t>‹#›</a:t>
             </a:fld>
             <a:endParaRPr lang="en-US" dirty="0"/>
           </a:p>
@@ -3358,6 +3362,347 @@
 </p:sld>
 </file>
 
+<file path=ppt/slides/slide10.xml><?xml version="1.0" encoding="utf-8"?>
+<p:sld xmlns:a="http://schemas.openxmlformats.org/drawingml/2006/main" xmlns:r="http://schemas.openxmlformats.org/officeDocument/2006/relationships" xmlns:p="http://schemas.openxmlformats.org/presentationml/2006/main">
+  <p:cSld>
+    <p:spTree>
+      <p:nvGrpSpPr>
+        <p:cNvPr id="1" name=""/>
+        <p:cNvGrpSpPr/>
+        <p:nvPr/>
+      </p:nvGrpSpPr>
+      <p:grpSpPr>
+        <a:xfrm>
+          <a:off x="0" y="0"/>
+          <a:ext cx="0" cy="0"/>
+          <a:chOff x="0" y="0"/>
+          <a:chExt cx="0" cy="0"/>
+        </a:xfrm>
+      </p:grpSpPr>
+      <p:pic>
+        <p:nvPicPr>
+          <p:cNvPr id="5" name="Picture 4"/>
+          <p:cNvPicPr>
+            <a:picLocks noChangeAspect="1"/>
+          </p:cNvPicPr>
+          <p:nvPr/>
+        </p:nvPicPr>
+        <p:blipFill>
+          <a:blip r:embed="rId2">
+            <a:extLst>
+              <a:ext uri="{28A0092B-C50C-407E-A947-70E740481C1C}">
+                <a14:useLocalDpi xmlns:a14="http://schemas.microsoft.com/office/drawing/2010/main" val="0"/>
+              </a:ext>
+            </a:extLst>
+          </a:blip>
+          <a:stretch>
+            <a:fillRect/>
+          </a:stretch>
+        </p:blipFill>
+        <p:spPr>
+          <a:xfrm>
+            <a:off x="2832100" y="609600"/>
+            <a:ext cx="6515100" cy="5638800"/>
+          </a:xfrm>
+          <a:prstGeom prst="rect">
+            <a:avLst/>
+          </a:prstGeom>
+        </p:spPr>
+      </p:pic>
+    </p:spTree>
+    <p:extLst>
+      <p:ext uri="{BB962C8B-B14F-4D97-AF65-F5344CB8AC3E}">
+        <p14:creationId xmlns:p14="http://schemas.microsoft.com/office/powerpoint/2010/main" val="768892976"/>
+      </p:ext>
+    </p:extLst>
+  </p:cSld>
+  <p:clrMapOvr>
+    <a:masterClrMapping/>
+  </p:clrMapOvr>
+</p:sld>
+</file>
+
+<file path=ppt/slides/slide11.xml><?xml version="1.0" encoding="utf-8"?>
+<p:sld xmlns:a="http://schemas.openxmlformats.org/drawingml/2006/main" xmlns:r="http://schemas.openxmlformats.org/officeDocument/2006/relationships" xmlns:p="http://schemas.openxmlformats.org/presentationml/2006/main">
+  <p:cSld>
+    <p:spTree>
+      <p:nvGrpSpPr>
+        <p:cNvPr id="1" name=""/>
+        <p:cNvGrpSpPr/>
+        <p:nvPr/>
+      </p:nvGrpSpPr>
+      <p:grpSpPr>
+        <a:xfrm>
+          <a:off x="0" y="0"/>
+          <a:ext cx="0" cy="0"/>
+          <a:chOff x="0" y="0"/>
+          <a:chExt cx="0" cy="0"/>
+        </a:xfrm>
+      </p:grpSpPr>
+      <p:sp>
+        <p:nvSpPr>
+          <p:cNvPr id="2" name="Titre 1"/>
+          <p:cNvSpPr>
+            <a:spLocks noGrp="1"/>
+          </p:cNvSpPr>
+          <p:nvPr>
+            <p:ph type="title"/>
+          </p:nvPr>
+        </p:nvSpPr>
+        <p:spPr/>
+        <p:txBody>
+          <a:bodyPr/>
+          <a:lstStyle/>
+          <a:p>
+            <a:r>
+              <a:rPr lang="fr-CH" dirty="0" smtClean="0"/>
+              <a:t>C++ &amp; </a:t>
+            </a:r>
+            <a:r>
+              <a:rPr lang="fr-CH" dirty="0" err="1" smtClean="0"/>
+              <a:t>template</a:t>
+            </a:r>
+            <a:endParaRPr lang="fr-CH" dirty="0"/>
+          </a:p>
+        </p:txBody>
+      </p:sp>
+      <p:pic>
+        <p:nvPicPr>
+          <p:cNvPr id="4" name="Espace réservé du contenu 3"/>
+          <p:cNvPicPr>
+            <a:picLocks noGrp="1" noChangeAspect="1"/>
+          </p:cNvPicPr>
+          <p:nvPr>
+            <p:ph idx="1"/>
+          </p:nvPr>
+        </p:nvPicPr>
+        <p:blipFill>
+          <a:blip r:embed="rId2">
+            <a:extLst>
+              <a:ext uri="{28A0092B-C50C-407E-A947-70E740481C1C}">
+                <a14:useLocalDpi xmlns:a14="http://schemas.microsoft.com/office/drawing/2010/main" val="0"/>
+              </a:ext>
+            </a:extLst>
+          </a:blip>
+          <a:stretch>
+            <a:fillRect/>
+          </a:stretch>
+        </p:blipFill>
+        <p:spPr>
+          <a:xfrm>
+            <a:off x="1202919" y="2252908"/>
+            <a:ext cx="6517420" cy="4206875"/>
+          </a:xfrm>
+          <a:prstGeom prst="rect">
+            <a:avLst/>
+          </a:prstGeom>
+          <a:ln>
+            <a:noFill/>
+          </a:ln>
+          <a:effectLst>
+            <a:outerShdw blurRad="292100" dist="139700" dir="2700000" algn="tl" rotWithShape="0">
+              <a:srgbClr val="333333">
+                <a:alpha val="65000"/>
+              </a:srgbClr>
+            </a:outerShdw>
+          </a:effectLst>
+        </p:spPr>
+      </p:pic>
+      <p:sp>
+        <p:nvSpPr>
+          <p:cNvPr id="5" name="ZoneTexte 4"/>
+          <p:cNvSpPr txBox="1"/>
+          <p:nvPr/>
+        </p:nvSpPr>
+        <p:spPr>
+          <a:xfrm>
+            <a:off x="8379120" y="3496911"/>
+            <a:ext cx="2838095" cy="1477328"/>
+          </a:xfrm>
+          <a:prstGeom prst="rect">
+            <a:avLst/>
+          </a:prstGeom>
+          <a:noFill/>
+        </p:spPr>
+        <p:txBody>
+          <a:bodyPr wrap="square" rtlCol="0">
+            <a:spAutoFit/>
+          </a:bodyPr>
+          <a:lstStyle/>
+          <a:p>
+            <a:r>
+              <a:rPr lang="fr-CH" dirty="0" smtClean="0"/>
+              <a:t>Les </a:t>
+            </a:r>
+            <a:r>
+              <a:rPr lang="fr-CH" dirty="0" err="1" smtClean="0"/>
+              <a:t>templates</a:t>
+            </a:r>
+            <a:r>
+              <a:rPr lang="fr-CH" dirty="0" smtClean="0"/>
+              <a:t> du C++ permettent de facilement créer des commandes simples sans devoir créer une nouvelle classe</a:t>
+            </a:r>
+            <a:endParaRPr lang="fr-CH" dirty="0"/>
+          </a:p>
+        </p:txBody>
+      </p:sp>
+    </p:spTree>
+    <p:extLst>
+      <p:ext uri="{BB962C8B-B14F-4D97-AF65-F5344CB8AC3E}">
+        <p14:creationId xmlns:p14="http://schemas.microsoft.com/office/powerpoint/2010/main" val="2623962394"/>
+      </p:ext>
+    </p:extLst>
+  </p:cSld>
+  <p:clrMapOvr>
+    <a:masterClrMapping/>
+  </p:clrMapOvr>
+</p:sld>
+</file>
+
+<file path=ppt/slides/slide12.xml><?xml version="1.0" encoding="utf-8"?>
+<p:sld xmlns:a="http://schemas.openxmlformats.org/drawingml/2006/main" xmlns:r="http://schemas.openxmlformats.org/officeDocument/2006/relationships" xmlns:p="http://schemas.openxmlformats.org/presentationml/2006/main">
+  <p:cSld>
+    <p:spTree>
+      <p:nvGrpSpPr>
+        <p:cNvPr id="1" name=""/>
+        <p:cNvGrpSpPr/>
+        <p:nvPr/>
+      </p:nvGrpSpPr>
+      <p:grpSpPr>
+        <a:xfrm>
+          <a:off x="0" y="0"/>
+          <a:ext cx="0" cy="0"/>
+          <a:chOff x="0" y="0"/>
+          <a:chExt cx="0" cy="0"/>
+        </a:xfrm>
+      </p:grpSpPr>
+      <p:sp>
+        <p:nvSpPr>
+          <p:cNvPr id="2" name="Titre 1"/>
+          <p:cNvSpPr>
+            <a:spLocks noGrp="1"/>
+          </p:cNvSpPr>
+          <p:nvPr>
+            <p:ph type="title"/>
+          </p:nvPr>
+        </p:nvSpPr>
+        <p:spPr/>
+        <p:txBody>
+          <a:bodyPr/>
+          <a:lstStyle/>
+          <a:p>
+            <a:r>
+              <a:rPr lang="fr-CH" dirty="0" smtClean="0"/>
+              <a:t>Commande</a:t>
+            </a:r>
+            <a:endParaRPr lang="fr-CH" dirty="0"/>
+          </a:p>
+        </p:txBody>
+      </p:sp>
+      <p:sp>
+        <p:nvSpPr>
+          <p:cNvPr id="3" name="Espace réservé du contenu 2"/>
+          <p:cNvSpPr>
+            <a:spLocks noGrp="1"/>
+          </p:cNvSpPr>
+          <p:nvPr>
+            <p:ph idx="1"/>
+          </p:nvPr>
+        </p:nvSpPr>
+        <p:spPr/>
+        <p:txBody>
+          <a:bodyPr/>
+          <a:lstStyle/>
+          <a:p>
+            <a:r>
+              <a:rPr lang="fr-CH" dirty="0" smtClean="0"/>
+              <a:t>Utilisations populaires</a:t>
+            </a:r>
+          </a:p>
+          <a:p>
+            <a:pPr lvl="1"/>
+            <a:r>
+              <a:rPr lang="fr-CH" dirty="0" smtClean="0"/>
+              <a:t>Gestion des menus d’une application </a:t>
+            </a:r>
+          </a:p>
+          <a:p>
+            <a:pPr lvl="1"/>
+            <a:r>
+              <a:rPr lang="fr-CH" dirty="0" smtClean="0"/>
+              <a:t>BLA </a:t>
+            </a:r>
+            <a:r>
+              <a:rPr lang="fr-CH" dirty="0" err="1" smtClean="0"/>
+              <a:t>BLA</a:t>
+            </a:r>
+            <a:r>
+              <a:rPr lang="fr-CH" dirty="0" smtClean="0"/>
+              <a:t> TODO</a:t>
+            </a:r>
+          </a:p>
+          <a:p>
+            <a:r>
+              <a:rPr lang="fr-CH" dirty="0" smtClean="0"/>
+              <a:t>Modèles associés</a:t>
+            </a:r>
+          </a:p>
+          <a:p>
+            <a:pPr lvl="1"/>
+            <a:r>
+              <a:rPr lang="fr-CH" dirty="0" smtClean="0"/>
+              <a:t>Composite </a:t>
+            </a:r>
+            <a:r>
+              <a:rPr lang="fr-CH" dirty="0" smtClean="0">
+                <a:sym typeface="Wingdings" panose="05000000000000000000" pitchFamily="2" charset="2"/>
+              </a:rPr>
+              <a:t> Création de macro-commande</a:t>
+            </a:r>
+          </a:p>
+          <a:p>
+            <a:pPr lvl="1"/>
+            <a:r>
+              <a:rPr lang="fr-CH" dirty="0" smtClean="0">
+                <a:sym typeface="Wingdings" panose="05000000000000000000" pitchFamily="2" charset="2"/>
+              </a:rPr>
+              <a:t>Memento  Garde l’état qu’une commande a besoin pour faire son </a:t>
+            </a:r>
+            <a:r>
+              <a:rPr lang="fr-CH" i="1" dirty="0" smtClean="0">
+                <a:sym typeface="Wingdings" panose="05000000000000000000" pitchFamily="2" charset="2"/>
+              </a:rPr>
+              <a:t>undo</a:t>
+            </a:r>
+            <a:endParaRPr lang="fr-CH" dirty="0" smtClean="0">
+              <a:sym typeface="Wingdings" panose="05000000000000000000" pitchFamily="2" charset="2"/>
+            </a:endParaRPr>
+          </a:p>
+          <a:p>
+            <a:pPr lvl="1"/>
+            <a:r>
+              <a:rPr lang="fr-CH" dirty="0" smtClean="0">
+                <a:sym typeface="Wingdings" panose="05000000000000000000" pitchFamily="2" charset="2"/>
+              </a:rPr>
+              <a:t>Prototype  Copie de commande (constructeur virtuel)</a:t>
+            </a:r>
+            <a:endParaRPr lang="fr-CH" dirty="0"/>
+          </a:p>
+        </p:txBody>
+      </p:sp>
+    </p:spTree>
+    <p:extLst>
+      <p:ext uri="{BB962C8B-B14F-4D97-AF65-F5344CB8AC3E}">
+        <p14:creationId xmlns:p14="http://schemas.microsoft.com/office/powerpoint/2010/main" val="1989094414"/>
+      </p:ext>
+    </p:extLst>
+  </p:cSld>
+  <p:clrMapOvr>
+    <a:masterClrMapping/>
+  </p:clrMapOvr>
+</p:sld>
+</file>
+
 <file path=ppt/slides/slide2.xml><?xml version="1.0" encoding="utf-8"?>
 <p:sld xmlns:a="http://schemas.openxmlformats.org/drawingml/2006/main" xmlns:r="http://schemas.openxmlformats.org/officeDocument/2006/relationships" xmlns:p="http://schemas.openxmlformats.org/presentationml/2006/main">
   <p:cSld>
@@ -4191,29 +4536,66 @@
           </a:p>
         </p:txBody>
       </p:sp>
-      <p:sp>
-        <p:nvSpPr>
-          <p:cNvPr id="3" name="Espace réservé du contenu 2"/>
-          <p:cNvSpPr>
-            <a:spLocks noGrp="1"/>
-          </p:cNvSpPr>
-          <p:nvPr>
-            <p:ph idx="1"/>
-          </p:nvPr>
-        </p:nvSpPr>
-        <p:spPr/>
-        <p:txBody>
-          <a:bodyPr/>
-          <a:lstStyle/>
-          <a:p>
-            <a:r>
-              <a:rPr lang="fr-CH" dirty="0" smtClean="0"/>
-              <a:t>TODO</a:t>
-            </a:r>
-            <a:endParaRPr lang="fr-CH" dirty="0"/>
-          </a:p>
-        </p:txBody>
-      </p:sp>
+      <p:pic>
+        <p:nvPicPr>
+          <p:cNvPr id="4" name="Picture 3"/>
+          <p:cNvPicPr>
+            <a:picLocks noChangeAspect="1"/>
+          </p:cNvPicPr>
+          <p:nvPr/>
+        </p:nvPicPr>
+        <p:blipFill>
+          <a:blip r:embed="rId2">
+            <a:extLst>
+              <a:ext uri="{28A0092B-C50C-407E-A947-70E740481C1C}">
+                <a14:useLocalDpi xmlns:a14="http://schemas.microsoft.com/office/drawing/2010/main" val="0"/>
+              </a:ext>
+            </a:extLst>
+          </a:blip>
+          <a:stretch>
+            <a:fillRect/>
+          </a:stretch>
+        </p:blipFill>
+        <p:spPr>
+          <a:xfrm>
+            <a:off x="7391399" y="2671081"/>
+            <a:ext cx="4357599" cy="2887438"/>
+          </a:xfrm>
+          <a:prstGeom prst="rect">
+            <a:avLst/>
+          </a:prstGeom>
+        </p:spPr>
+      </p:pic>
+      <p:pic>
+        <p:nvPicPr>
+          <p:cNvPr id="7" name="Picture 6"/>
+          <p:cNvPicPr>
+            <a:picLocks noChangeAspect="1"/>
+          </p:cNvPicPr>
+          <p:nvPr/>
+        </p:nvPicPr>
+        <p:blipFill>
+          <a:blip r:embed="rId3">
+            <a:extLst>
+              <a:ext uri="{28A0092B-C50C-407E-A947-70E740481C1C}">
+                <a14:useLocalDpi xmlns:a14="http://schemas.microsoft.com/office/drawing/2010/main" val="0"/>
+              </a:ext>
+            </a:extLst>
+          </a:blip>
+          <a:stretch>
+            <a:fillRect/>
+          </a:stretch>
+        </p:blipFill>
+        <p:spPr>
+          <a:xfrm>
+            <a:off x="393700" y="2163156"/>
+            <a:ext cx="6870700" cy="3903288"/>
+          </a:xfrm>
+          <a:prstGeom prst="rect">
+            <a:avLst/>
+          </a:prstGeom>
+        </p:spPr>
+      </p:pic>
     </p:spTree>
     <p:extLst>
       <p:ext uri="{BB962C8B-B14F-4D97-AF65-F5344CB8AC3E}">
@@ -4244,41 +4626,14 @@
           <a:chExt cx="0" cy="0"/>
         </a:xfrm>
       </p:grpSpPr>
-      <p:sp>
-        <p:nvSpPr>
-          <p:cNvPr id="2" name="Titre 1"/>
-          <p:cNvSpPr>
-            <a:spLocks noGrp="1"/>
-          </p:cNvSpPr>
-          <p:nvPr>
-            <p:ph type="title"/>
-          </p:nvPr>
-        </p:nvSpPr>
-        <p:spPr/>
-        <p:txBody>
-          <a:bodyPr/>
-          <a:lstStyle/>
-          <a:p>
-            <a:r>
-              <a:rPr lang="fr-CH" dirty="0" smtClean="0"/>
-              <a:t>C++ &amp; </a:t>
-            </a:r>
-            <a:r>
-              <a:rPr lang="fr-CH" dirty="0" err="1" smtClean="0"/>
-              <a:t>template</a:t>
-            </a:r>
-            <a:endParaRPr lang="fr-CH" dirty="0"/>
-          </a:p>
-        </p:txBody>
-      </p:sp>
       <p:pic>
         <p:nvPicPr>
-          <p:cNvPr id="4" name="Espace réservé du contenu 3"/>
+          <p:cNvPr id="4" name="Content Placeholder 3"/>
           <p:cNvPicPr>
             <a:picLocks noGrp="1" noChangeAspect="1"/>
           </p:cNvPicPr>
           <p:nvPr>
-            <p:ph idx="1"/>
+            <p:ph idx="4294967295"/>
           </p:nvPr>
         </p:nvPicPr>
         <p:blipFill>
@@ -4295,66 +4650,15 @@
         </p:blipFill>
         <p:spPr>
           <a:xfrm>
-            <a:off x="1202919" y="2252908"/>
-            <a:ext cx="6517420" cy="4206875"/>
+            <a:off x="2533650" y="2006600"/>
+            <a:ext cx="7124700" cy="2844800"/>
           </a:xfrm>
-          <a:prstGeom prst="rect">
-            <a:avLst/>
-          </a:prstGeom>
-          <a:ln>
-            <a:noFill/>
-          </a:ln>
-          <a:effectLst>
-            <a:outerShdw blurRad="292100" dist="139700" dir="2700000" algn="tl" rotWithShape="0">
-              <a:srgbClr val="333333">
-                <a:alpha val="65000"/>
-              </a:srgbClr>
-            </a:outerShdw>
-          </a:effectLst>
         </p:spPr>
       </p:pic>
-      <p:sp>
-        <p:nvSpPr>
-          <p:cNvPr id="5" name="ZoneTexte 4"/>
-          <p:cNvSpPr txBox="1"/>
-          <p:nvPr/>
-        </p:nvSpPr>
-        <p:spPr>
-          <a:xfrm>
-            <a:off x="8379120" y="3496911"/>
-            <a:ext cx="2838095" cy="1477328"/>
-          </a:xfrm>
-          <a:prstGeom prst="rect">
-            <a:avLst/>
-          </a:prstGeom>
-          <a:noFill/>
-        </p:spPr>
-        <p:txBody>
-          <a:bodyPr wrap="square" rtlCol="0">
-            <a:spAutoFit/>
-          </a:bodyPr>
-          <a:lstStyle/>
-          <a:p>
-            <a:r>
-              <a:rPr lang="fr-CH" dirty="0" smtClean="0"/>
-              <a:t>Les </a:t>
-            </a:r>
-            <a:r>
-              <a:rPr lang="fr-CH" dirty="0" err="1" smtClean="0"/>
-              <a:t>templates</a:t>
-            </a:r>
-            <a:r>
-              <a:rPr lang="fr-CH" dirty="0" smtClean="0"/>
-              <a:t> du C++ permettent de facilement créer des commandes simples sans devoir créer une nouvelle classe</a:t>
-            </a:r>
-            <a:endParaRPr lang="fr-CH" dirty="0"/>
-          </a:p>
-        </p:txBody>
-      </p:sp>
     </p:spTree>
     <p:extLst>
       <p:ext uri="{BB962C8B-B14F-4D97-AF65-F5344CB8AC3E}">
-        <p14:creationId xmlns:p14="http://schemas.microsoft.com/office/powerpoint/2010/main" val="2623962394"/>
+        <p14:creationId xmlns:p14="http://schemas.microsoft.com/office/powerpoint/2010/main" val="1842980125"/>
       </p:ext>
     </p:extLst>
   </p:cSld>
@@ -4381,124 +4685,99 @@
           <a:chExt cx="0" cy="0"/>
         </a:xfrm>
       </p:grpSpPr>
-      <p:sp>
-        <p:nvSpPr>
-          <p:cNvPr id="2" name="Titre 1"/>
-          <p:cNvSpPr>
-            <a:spLocks noGrp="1"/>
-          </p:cNvSpPr>
-          <p:nvPr>
-            <p:ph type="title"/>
-          </p:nvPr>
-        </p:nvSpPr>
-        <p:spPr/>
-        <p:txBody>
-          <a:bodyPr/>
-          <a:lstStyle/>
-          <a:p>
-            <a:r>
-              <a:rPr lang="fr-CH" dirty="0" smtClean="0"/>
-              <a:t>Commande</a:t>
-            </a:r>
-            <a:endParaRPr lang="fr-CH" dirty="0"/>
-          </a:p>
-        </p:txBody>
-      </p:sp>
-      <p:sp>
-        <p:nvSpPr>
-          <p:cNvPr id="3" name="Espace réservé du contenu 2"/>
-          <p:cNvSpPr>
-            <a:spLocks noGrp="1"/>
-          </p:cNvSpPr>
-          <p:nvPr>
-            <p:ph idx="1"/>
-          </p:nvPr>
-        </p:nvSpPr>
-        <p:spPr/>
-        <p:txBody>
-          <a:bodyPr/>
-          <a:lstStyle/>
-          <a:p>
-            <a:r>
-              <a:rPr lang="fr-CH" dirty="0" smtClean="0"/>
-              <a:t>Utilisations populaires</a:t>
-            </a:r>
-          </a:p>
-          <a:p>
-            <a:pPr lvl="1"/>
-            <a:r>
-              <a:rPr lang="fr-CH" dirty="0" smtClean="0"/>
-              <a:t>Gestion des menus d’une application </a:t>
-            </a:r>
-          </a:p>
-          <a:p>
-            <a:pPr lvl="1"/>
-            <a:r>
-              <a:rPr lang="fr-CH" dirty="0" smtClean="0"/>
-              <a:t>BLA </a:t>
-            </a:r>
-            <a:r>
-              <a:rPr lang="fr-CH" dirty="0" err="1" smtClean="0"/>
-              <a:t>BLA</a:t>
-            </a:r>
-            <a:r>
-              <a:rPr lang="fr-CH" dirty="0" smtClean="0"/>
-              <a:t> TODO</a:t>
-            </a:r>
-          </a:p>
-          <a:p>
-            <a:r>
-              <a:rPr lang="fr-CH" dirty="0" smtClean="0"/>
-              <a:t>Modèles associés</a:t>
-            </a:r>
-          </a:p>
-          <a:p>
-            <a:pPr lvl="1"/>
-            <a:r>
-              <a:rPr lang="fr-CH" dirty="0" smtClean="0"/>
-              <a:t>Composite </a:t>
-            </a:r>
-            <a:r>
-              <a:rPr lang="fr-CH" dirty="0" smtClean="0">
-                <a:sym typeface="Wingdings" panose="05000000000000000000" pitchFamily="2" charset="2"/>
-              </a:rPr>
-              <a:t> Création de macro-commande</a:t>
-            </a:r>
-          </a:p>
-          <a:p>
-            <a:pPr lvl="1"/>
-            <a:r>
-              <a:rPr lang="fr-CH" dirty="0" smtClean="0">
-                <a:sym typeface="Wingdings" panose="05000000000000000000" pitchFamily="2" charset="2"/>
-              </a:rPr>
-              <a:t>Memento  Garde l’état qu’une commande a besoin pour faire son </a:t>
-            </a:r>
-            <a:r>
-              <a:rPr lang="fr-CH" i="1" dirty="0" smtClean="0">
-                <a:sym typeface="Wingdings" panose="05000000000000000000" pitchFamily="2" charset="2"/>
-              </a:rPr>
-              <a:t>undo</a:t>
-            </a:r>
-            <a:endParaRPr lang="fr-CH" dirty="0" smtClean="0">
-              <a:sym typeface="Wingdings" panose="05000000000000000000" pitchFamily="2" charset="2"/>
-            </a:endParaRPr>
-          </a:p>
-          <a:p>
-            <a:pPr lvl="1"/>
-            <a:r>
-              <a:rPr lang="fr-CH" dirty="0" smtClean="0">
-                <a:sym typeface="Wingdings" panose="05000000000000000000" pitchFamily="2" charset="2"/>
-              </a:rPr>
-              <a:t>Prototype  Copie de commande (constructeur virtuel)</a:t>
-            </a:r>
-            <a:endParaRPr lang="fr-CH" dirty="0"/>
-          </a:p>
-        </p:txBody>
-      </p:sp>
+      <p:pic>
+        <p:nvPicPr>
+          <p:cNvPr id="4" name="Content Placeholder 3"/>
+          <p:cNvPicPr>
+            <a:picLocks noGrp="1" noChangeAspect="1"/>
+          </p:cNvPicPr>
+          <p:nvPr>
+            <p:ph idx="4294967295"/>
+          </p:nvPr>
+        </p:nvPicPr>
+        <p:blipFill>
+          <a:blip r:embed="rId2">
+            <a:extLst>
+              <a:ext uri="{28A0092B-C50C-407E-A947-70E740481C1C}">
+                <a14:useLocalDpi xmlns:a14="http://schemas.microsoft.com/office/drawing/2010/main" val="0"/>
+              </a:ext>
+            </a:extLst>
+          </a:blip>
+          <a:stretch>
+            <a:fillRect/>
+          </a:stretch>
+        </p:blipFill>
+        <p:spPr>
+          <a:xfrm>
+            <a:off x="2603500" y="1746250"/>
+            <a:ext cx="6985000" cy="3365500"/>
+          </a:xfrm>
+        </p:spPr>
+      </p:pic>
     </p:spTree>
     <p:extLst>
       <p:ext uri="{BB962C8B-B14F-4D97-AF65-F5344CB8AC3E}">
-        <p14:creationId xmlns:p14="http://schemas.microsoft.com/office/powerpoint/2010/main" val="1989094414"/>
+        <p14:creationId xmlns:p14="http://schemas.microsoft.com/office/powerpoint/2010/main" val="321408748"/>
+      </p:ext>
+    </p:extLst>
+  </p:cSld>
+  <p:clrMapOvr>
+    <a:masterClrMapping/>
+  </p:clrMapOvr>
+</p:sld>
+</file>
+
+<file path=ppt/slides/slide9.xml><?xml version="1.0" encoding="utf-8"?>
+<p:sld xmlns:a="http://schemas.openxmlformats.org/drawingml/2006/main" xmlns:r="http://schemas.openxmlformats.org/officeDocument/2006/relationships" xmlns:p="http://schemas.openxmlformats.org/presentationml/2006/main">
+  <p:cSld>
+    <p:spTree>
+      <p:nvGrpSpPr>
+        <p:cNvPr id="1" name=""/>
+        <p:cNvGrpSpPr/>
+        <p:nvPr/>
+      </p:nvGrpSpPr>
+      <p:grpSpPr>
+        <a:xfrm>
+          <a:off x="0" y="0"/>
+          <a:ext cx="0" cy="0"/>
+          <a:chOff x="0" y="0"/>
+          <a:chExt cx="0" cy="0"/>
+        </a:xfrm>
+      </p:grpSpPr>
+      <p:pic>
+        <p:nvPicPr>
+          <p:cNvPr id="2" name="Picture 1"/>
+          <p:cNvPicPr>
+            <a:picLocks noChangeAspect="1"/>
+          </p:cNvPicPr>
+          <p:nvPr/>
+        </p:nvPicPr>
+        <p:blipFill>
+          <a:blip r:embed="rId2">
+            <a:extLst>
+              <a:ext uri="{28A0092B-C50C-407E-A947-70E740481C1C}">
+                <a14:useLocalDpi xmlns:a14="http://schemas.microsoft.com/office/drawing/2010/main" val="0"/>
+              </a:ext>
+            </a:extLst>
+          </a:blip>
+          <a:stretch>
+            <a:fillRect/>
+          </a:stretch>
+        </p:blipFill>
+        <p:spPr>
+          <a:xfrm>
+            <a:off x="1638300" y="977900"/>
+            <a:ext cx="8915400" cy="4889500"/>
+          </a:xfrm>
+          <a:prstGeom prst="rect">
+            <a:avLst/>
+          </a:prstGeom>
+        </p:spPr>
+      </p:pic>
+    </p:spTree>
+    <p:extLst>
+      <p:ext uri="{BB962C8B-B14F-4D97-AF65-F5344CB8AC3E}">
+        <p14:creationId xmlns:p14="http://schemas.microsoft.com/office/powerpoint/2010/main" val="1884231200"/>
       </p:ext>
     </p:extLst>
   </p:cSld>

--- a/Commande.pptx
+++ b/Commande.pptx
@@ -4,6 +4,9 @@
   <p:sldMasterIdLst>
     <p:sldMasterId id="2147483648" r:id="rId1"/>
   </p:sldMasterIdLst>
+  <p:notesMasterIdLst>
+    <p:notesMasterId r:id="rId14"/>
+  </p:notesMasterIdLst>
   <p:sldIdLst>
     <p:sldId id="256" r:id="rId2"/>
     <p:sldId id="257" r:id="rId3"/>
@@ -123,6 +126,440 @@
 </p:presentation>
 </file>
 
+<file path=ppt/notesMasters/notesMaster1.xml><?xml version="1.0" encoding="utf-8"?>
+<p:notesMaster xmlns:a="http://schemas.openxmlformats.org/drawingml/2006/main" xmlns:r="http://schemas.openxmlformats.org/officeDocument/2006/relationships" xmlns:p="http://schemas.openxmlformats.org/presentationml/2006/main">
+  <p:cSld>
+    <p:bg>
+      <p:bgRef idx="1001">
+        <a:schemeClr val="bg1"/>
+      </p:bgRef>
+    </p:bg>
+    <p:spTree>
+      <p:nvGrpSpPr>
+        <p:cNvPr id="1" name=""/>
+        <p:cNvGrpSpPr/>
+        <p:nvPr/>
+      </p:nvGrpSpPr>
+      <p:grpSpPr>
+        <a:xfrm>
+          <a:off x="0" y="0"/>
+          <a:ext cx="0" cy="0"/>
+          <a:chOff x="0" y="0"/>
+          <a:chExt cx="0" cy="0"/>
+        </a:xfrm>
+      </p:grpSpPr>
+      <p:sp>
+        <p:nvSpPr>
+          <p:cNvPr id="2" name="Header Placeholder 1"/>
+          <p:cNvSpPr>
+            <a:spLocks noGrp="1"/>
+          </p:cNvSpPr>
+          <p:nvPr>
+            <p:ph type="hdr" sz="quarter"/>
+          </p:nvPr>
+        </p:nvSpPr>
+        <p:spPr>
+          <a:xfrm>
+            <a:off x="0" y="0"/>
+            <a:ext cx="2971800" cy="458788"/>
+          </a:xfrm>
+          <a:prstGeom prst="rect">
+            <a:avLst/>
+          </a:prstGeom>
+        </p:spPr>
+        <p:txBody>
+          <a:bodyPr vert="horz" lIns="91440" tIns="45720" rIns="91440" bIns="45720" rtlCol="0"/>
+          <a:lstStyle>
+            <a:lvl1pPr algn="l">
+              <a:defRPr sz="1200"/>
+            </a:lvl1pPr>
+          </a:lstStyle>
+          <a:p>
+            <a:endParaRPr lang="fr-FR"/>
+          </a:p>
+        </p:txBody>
+      </p:sp>
+      <p:sp>
+        <p:nvSpPr>
+          <p:cNvPr id="3" name="Date Placeholder 2"/>
+          <p:cNvSpPr>
+            <a:spLocks noGrp="1"/>
+          </p:cNvSpPr>
+          <p:nvPr>
+            <p:ph type="dt" idx="1"/>
+          </p:nvPr>
+        </p:nvSpPr>
+        <p:spPr>
+          <a:xfrm>
+            <a:off x="3884613" y="0"/>
+            <a:ext cx="2971800" cy="458788"/>
+          </a:xfrm>
+          <a:prstGeom prst="rect">
+            <a:avLst/>
+          </a:prstGeom>
+        </p:spPr>
+        <p:txBody>
+          <a:bodyPr vert="horz" lIns="91440" tIns="45720" rIns="91440" bIns="45720" rtlCol="0"/>
+          <a:lstStyle>
+            <a:lvl1pPr algn="r">
+              <a:defRPr sz="1200"/>
+            </a:lvl1pPr>
+          </a:lstStyle>
+          <a:p>
+            <a:fld id="{3A1FFE22-A8C3-4D21-92EA-18C1D24DFBE0}" type="datetimeFigureOut">
+              <a:rPr lang="fr-FR" smtClean="0"/>
+              <a:t>17/05/2016</a:t>
+            </a:fld>
+            <a:endParaRPr lang="fr-FR"/>
+          </a:p>
+        </p:txBody>
+      </p:sp>
+      <p:sp>
+        <p:nvSpPr>
+          <p:cNvPr id="4" name="Slide Image Placeholder 3"/>
+          <p:cNvSpPr>
+            <a:spLocks noGrp="1" noRot="1" noChangeAspect="1"/>
+          </p:cNvSpPr>
+          <p:nvPr>
+            <p:ph type="sldImg" idx="2"/>
+          </p:nvPr>
+        </p:nvSpPr>
+        <p:spPr>
+          <a:xfrm>
+            <a:off x="685800" y="1143000"/>
+            <a:ext cx="5486400" cy="3086100"/>
+          </a:xfrm>
+          <a:prstGeom prst="rect">
+            <a:avLst/>
+          </a:prstGeom>
+          <a:noFill/>
+          <a:ln w="12700">
+            <a:solidFill>
+              <a:prstClr val="black"/>
+            </a:solidFill>
+          </a:ln>
+        </p:spPr>
+        <p:txBody>
+          <a:bodyPr vert="horz" lIns="91440" tIns="45720" rIns="91440" bIns="45720" rtlCol="0" anchor="ctr"/>
+          <a:lstStyle/>
+          <a:p>
+            <a:endParaRPr lang="fr-FR"/>
+          </a:p>
+        </p:txBody>
+      </p:sp>
+      <p:sp>
+        <p:nvSpPr>
+          <p:cNvPr id="5" name="Notes Placeholder 4"/>
+          <p:cNvSpPr>
+            <a:spLocks noGrp="1"/>
+          </p:cNvSpPr>
+          <p:nvPr>
+            <p:ph type="body" sz="quarter" idx="3"/>
+          </p:nvPr>
+        </p:nvSpPr>
+        <p:spPr>
+          <a:xfrm>
+            <a:off x="685800" y="4400550"/>
+            <a:ext cx="5486400" cy="3600450"/>
+          </a:xfrm>
+          <a:prstGeom prst="rect">
+            <a:avLst/>
+          </a:prstGeom>
+        </p:spPr>
+        <p:txBody>
+          <a:bodyPr vert="horz" lIns="91440" tIns="45720" rIns="91440" bIns="45720" rtlCol="0"/>
+          <a:lstStyle/>
+          <a:p>
+            <a:pPr lvl="0"/>
+            <a:r>
+              <a:rPr lang="en-US" smtClean="0"/>
+              <a:t>Click to edit Master text styles</a:t>
+            </a:r>
+          </a:p>
+          <a:p>
+            <a:pPr lvl="1"/>
+            <a:r>
+              <a:rPr lang="en-US" smtClean="0"/>
+              <a:t>Second level</a:t>
+            </a:r>
+          </a:p>
+          <a:p>
+            <a:pPr lvl="2"/>
+            <a:r>
+              <a:rPr lang="en-US" smtClean="0"/>
+              <a:t>Third level</a:t>
+            </a:r>
+          </a:p>
+          <a:p>
+            <a:pPr lvl="3"/>
+            <a:r>
+              <a:rPr lang="en-US" smtClean="0"/>
+              <a:t>Fourth level</a:t>
+            </a:r>
+          </a:p>
+          <a:p>
+            <a:pPr lvl="4"/>
+            <a:r>
+              <a:rPr lang="en-US" smtClean="0"/>
+              <a:t>Fifth level</a:t>
+            </a:r>
+            <a:endParaRPr lang="fr-FR"/>
+          </a:p>
+        </p:txBody>
+      </p:sp>
+      <p:sp>
+        <p:nvSpPr>
+          <p:cNvPr id="6" name="Footer Placeholder 5"/>
+          <p:cNvSpPr>
+            <a:spLocks noGrp="1"/>
+          </p:cNvSpPr>
+          <p:nvPr>
+            <p:ph type="ftr" sz="quarter" idx="4"/>
+          </p:nvPr>
+        </p:nvSpPr>
+        <p:spPr>
+          <a:xfrm>
+            <a:off x="0" y="8685213"/>
+            <a:ext cx="2971800" cy="458787"/>
+          </a:xfrm>
+          <a:prstGeom prst="rect">
+            <a:avLst/>
+          </a:prstGeom>
+        </p:spPr>
+        <p:txBody>
+          <a:bodyPr vert="horz" lIns="91440" tIns="45720" rIns="91440" bIns="45720" rtlCol="0" anchor="b"/>
+          <a:lstStyle>
+            <a:lvl1pPr algn="l">
+              <a:defRPr sz="1200"/>
+            </a:lvl1pPr>
+          </a:lstStyle>
+          <a:p>
+            <a:endParaRPr lang="fr-FR"/>
+          </a:p>
+        </p:txBody>
+      </p:sp>
+      <p:sp>
+        <p:nvSpPr>
+          <p:cNvPr id="7" name="Slide Number Placeholder 6"/>
+          <p:cNvSpPr>
+            <a:spLocks noGrp="1"/>
+          </p:cNvSpPr>
+          <p:nvPr>
+            <p:ph type="sldNum" sz="quarter" idx="5"/>
+          </p:nvPr>
+        </p:nvSpPr>
+        <p:spPr>
+          <a:xfrm>
+            <a:off x="3884613" y="8685213"/>
+            <a:ext cx="2971800" cy="458787"/>
+          </a:xfrm>
+          <a:prstGeom prst="rect">
+            <a:avLst/>
+          </a:prstGeom>
+        </p:spPr>
+        <p:txBody>
+          <a:bodyPr vert="horz" lIns="91440" tIns="45720" rIns="91440" bIns="45720" rtlCol="0" anchor="b"/>
+          <a:lstStyle>
+            <a:lvl1pPr algn="r">
+              <a:defRPr sz="1200"/>
+            </a:lvl1pPr>
+          </a:lstStyle>
+          <a:p>
+            <a:fld id="{D869498B-7C11-4B4C-9229-E4995DF7015C}" type="slidenum">
+              <a:rPr lang="fr-FR" smtClean="0"/>
+              <a:t>‹#›</a:t>
+            </a:fld>
+            <a:endParaRPr lang="fr-FR"/>
+          </a:p>
+        </p:txBody>
+      </p:sp>
+    </p:spTree>
+    <p:extLst>
+      <p:ext uri="{BB962C8B-B14F-4D97-AF65-F5344CB8AC3E}">
+        <p14:creationId xmlns:p14="http://schemas.microsoft.com/office/powerpoint/2010/main" val="1410170782"/>
+      </p:ext>
+    </p:extLst>
+  </p:cSld>
+  <p:clrMap bg1="lt1" tx1="dk1" bg2="lt2" tx2="dk2" accent1="accent1" accent2="accent2" accent3="accent3" accent4="accent4" accent5="accent5" accent6="accent6" hlink="hlink" folHlink="folHlink"/>
+  <p:notesStyle>
+    <a:lvl1pPr marL="0" algn="l" defTabSz="914400" rtl="0" eaLnBrk="1" latinLnBrk="0" hangingPunct="1">
+      <a:defRPr sz="1200" kern="1200">
+        <a:solidFill>
+          <a:schemeClr val="tx1"/>
+        </a:solidFill>
+        <a:latin typeface="+mn-lt"/>
+        <a:ea typeface="+mn-ea"/>
+        <a:cs typeface="+mn-cs"/>
+      </a:defRPr>
+    </a:lvl1pPr>
+    <a:lvl2pPr marL="457200" algn="l" defTabSz="914400" rtl="0" eaLnBrk="1" latinLnBrk="0" hangingPunct="1">
+      <a:defRPr sz="1200" kern="1200">
+        <a:solidFill>
+          <a:schemeClr val="tx1"/>
+        </a:solidFill>
+        <a:latin typeface="+mn-lt"/>
+        <a:ea typeface="+mn-ea"/>
+        <a:cs typeface="+mn-cs"/>
+      </a:defRPr>
+    </a:lvl2pPr>
+    <a:lvl3pPr marL="914400" algn="l" defTabSz="914400" rtl="0" eaLnBrk="1" latinLnBrk="0" hangingPunct="1">
+      <a:defRPr sz="1200" kern="1200">
+        <a:solidFill>
+          <a:schemeClr val="tx1"/>
+        </a:solidFill>
+        <a:latin typeface="+mn-lt"/>
+        <a:ea typeface="+mn-ea"/>
+        <a:cs typeface="+mn-cs"/>
+      </a:defRPr>
+    </a:lvl3pPr>
+    <a:lvl4pPr marL="1371600" algn="l" defTabSz="914400" rtl="0" eaLnBrk="1" latinLnBrk="0" hangingPunct="1">
+      <a:defRPr sz="1200" kern="1200">
+        <a:solidFill>
+          <a:schemeClr val="tx1"/>
+        </a:solidFill>
+        <a:latin typeface="+mn-lt"/>
+        <a:ea typeface="+mn-ea"/>
+        <a:cs typeface="+mn-cs"/>
+      </a:defRPr>
+    </a:lvl4pPr>
+    <a:lvl5pPr marL="1828800" algn="l" defTabSz="914400" rtl="0" eaLnBrk="1" latinLnBrk="0" hangingPunct="1">
+      <a:defRPr sz="1200" kern="1200">
+        <a:solidFill>
+          <a:schemeClr val="tx1"/>
+        </a:solidFill>
+        <a:latin typeface="+mn-lt"/>
+        <a:ea typeface="+mn-ea"/>
+        <a:cs typeface="+mn-cs"/>
+      </a:defRPr>
+    </a:lvl5pPr>
+    <a:lvl6pPr marL="2286000" algn="l" defTabSz="914400" rtl="0" eaLnBrk="1" latinLnBrk="0" hangingPunct="1">
+      <a:defRPr sz="1200" kern="1200">
+        <a:solidFill>
+          <a:schemeClr val="tx1"/>
+        </a:solidFill>
+        <a:latin typeface="+mn-lt"/>
+        <a:ea typeface="+mn-ea"/>
+        <a:cs typeface="+mn-cs"/>
+      </a:defRPr>
+    </a:lvl6pPr>
+    <a:lvl7pPr marL="2743200" algn="l" defTabSz="914400" rtl="0" eaLnBrk="1" latinLnBrk="0" hangingPunct="1">
+      <a:defRPr sz="1200" kern="1200">
+        <a:solidFill>
+          <a:schemeClr val="tx1"/>
+        </a:solidFill>
+        <a:latin typeface="+mn-lt"/>
+        <a:ea typeface="+mn-ea"/>
+        <a:cs typeface="+mn-cs"/>
+      </a:defRPr>
+    </a:lvl7pPr>
+    <a:lvl8pPr marL="3200400" algn="l" defTabSz="914400" rtl="0" eaLnBrk="1" latinLnBrk="0" hangingPunct="1">
+      <a:defRPr sz="1200" kern="1200">
+        <a:solidFill>
+          <a:schemeClr val="tx1"/>
+        </a:solidFill>
+        <a:latin typeface="+mn-lt"/>
+        <a:ea typeface="+mn-ea"/>
+        <a:cs typeface="+mn-cs"/>
+      </a:defRPr>
+    </a:lvl8pPr>
+    <a:lvl9pPr marL="3657600" algn="l" defTabSz="914400" rtl="0" eaLnBrk="1" latinLnBrk="0" hangingPunct="1">
+      <a:defRPr sz="1200" kern="1200">
+        <a:solidFill>
+          <a:schemeClr val="tx1"/>
+        </a:solidFill>
+        <a:latin typeface="+mn-lt"/>
+        <a:ea typeface="+mn-ea"/>
+        <a:cs typeface="+mn-cs"/>
+      </a:defRPr>
+    </a:lvl9pPr>
+  </p:notesStyle>
+</p:notesMaster>
+</file>
+
+<file path=ppt/notesSlides/notesSlide1.xml><?xml version="1.0" encoding="utf-8"?>
+<p:notes xmlns:a="http://schemas.openxmlformats.org/drawingml/2006/main" xmlns:r="http://schemas.openxmlformats.org/officeDocument/2006/relationships" xmlns:p="http://schemas.openxmlformats.org/presentationml/2006/main">
+  <p:cSld>
+    <p:spTree>
+      <p:nvGrpSpPr>
+        <p:cNvPr id="1" name=""/>
+        <p:cNvGrpSpPr/>
+        <p:nvPr/>
+      </p:nvGrpSpPr>
+      <p:grpSpPr>
+        <a:xfrm>
+          <a:off x="0" y="0"/>
+          <a:ext cx="0" cy="0"/>
+          <a:chOff x="0" y="0"/>
+          <a:chExt cx="0" cy="0"/>
+        </a:xfrm>
+      </p:grpSpPr>
+      <p:sp>
+        <p:nvSpPr>
+          <p:cNvPr id="2" name="Slide Image Placeholder 1"/>
+          <p:cNvSpPr>
+            <a:spLocks noGrp="1" noRot="1" noChangeAspect="1"/>
+          </p:cNvSpPr>
+          <p:nvPr>
+            <p:ph type="sldImg"/>
+          </p:nvPr>
+        </p:nvSpPr>
+        <p:spPr/>
+      </p:sp>
+      <p:sp>
+        <p:nvSpPr>
+          <p:cNvPr id="3" name="Notes Placeholder 2"/>
+          <p:cNvSpPr>
+            <a:spLocks noGrp="1"/>
+          </p:cNvSpPr>
+          <p:nvPr>
+            <p:ph type="body" idx="1"/>
+          </p:nvPr>
+        </p:nvSpPr>
+        <p:spPr/>
+        <p:txBody>
+          <a:bodyPr/>
+          <a:lstStyle/>
+          <a:p>
+            <a:endParaRPr lang="fr-FR"/>
+          </a:p>
+        </p:txBody>
+      </p:sp>
+      <p:sp>
+        <p:nvSpPr>
+          <p:cNvPr id="4" name="Slide Number Placeholder 3"/>
+          <p:cNvSpPr>
+            <a:spLocks noGrp="1"/>
+          </p:cNvSpPr>
+          <p:nvPr>
+            <p:ph type="sldNum" sz="quarter" idx="10"/>
+          </p:nvPr>
+        </p:nvSpPr>
+        <p:spPr/>
+        <p:txBody>
+          <a:bodyPr/>
+          <a:lstStyle/>
+          <a:p>
+            <a:fld id="{D869498B-7C11-4B4C-9229-E4995DF7015C}" type="slidenum">
+              <a:rPr lang="fr-FR" smtClean="0"/>
+              <a:t>1</a:t>
+            </a:fld>
+            <a:endParaRPr lang="fr-FR"/>
+          </a:p>
+        </p:txBody>
+      </p:sp>
+    </p:spTree>
+    <p:extLst>
+      <p:ext uri="{BB962C8B-B14F-4D97-AF65-F5344CB8AC3E}">
+        <p14:creationId xmlns:p14="http://schemas.microsoft.com/office/powerpoint/2010/main" val="1092176160"/>
+      </p:ext>
+    </p:extLst>
+  </p:cSld>
+  <p:clrMapOvr>
+    <a:masterClrMapping/>
+  </p:clrMapOvr>
+</p:notes>
+</file>
+
 <file path=ppt/slideLayouts/slideLayout1.xml><?xml version="1.0" encoding="utf-8"?>
 <p:sldLayout xmlns:a="http://schemas.openxmlformats.org/drawingml/2006/main" xmlns:r="http://schemas.openxmlformats.org/officeDocument/2006/relationships" xmlns:p="http://schemas.openxmlformats.org/presentationml/2006/main" showMasterSp="0" type="title" preserve="1">
   <p:cSld name="Diapositive de titre">
@@ -297,9 +734,9 @@
           <a:bodyPr/>
           <a:lstStyle/>
           <a:p>
-            <a:fld id="{96DFF08F-DC6B-4601-B491-B0F83F6DD2DA}" type="datetimeFigureOut">
-              <a:rPr lang="en-US" dirty="0"/>
-              <a:t>5/17/16</a:t>
+            <a:fld id="{66418C40-4AF9-4CAD-816E-5C51AF2A0F80}" type="datetime1">
+              <a:rPr lang="en-US" smtClean="0"/>
+              <a:t>5/17/2016</a:t>
             </a:fld>
             <a:endParaRPr lang="en-US" dirty="0"/>
           </a:p>
@@ -462,9 +899,9 @@
           <a:bodyPr/>
           <a:lstStyle/>
           <a:p>
-            <a:fld id="{96DFF08F-DC6B-4601-B491-B0F83F6DD2DA}" type="datetimeFigureOut">
-              <a:rPr lang="en-US" dirty="0"/>
-              <a:t>5/17/16</a:t>
+            <a:fld id="{7F6C7E03-7CCC-4FBD-A14B-47A86C6BAD68}" type="datetime1">
+              <a:rPr lang="en-US" smtClean="0"/>
+              <a:t>5/17/2016</a:t>
             </a:fld>
             <a:endParaRPr lang="en-US" dirty="0"/>
           </a:p>
@@ -680,9 +1117,9 @@
           <a:bodyPr/>
           <a:lstStyle/>
           <a:p>
-            <a:fld id="{96DFF08F-DC6B-4601-B491-B0F83F6DD2DA}" type="datetimeFigureOut">
-              <a:rPr lang="en-US" dirty="0"/>
-              <a:t>5/17/16</a:t>
+            <a:fld id="{F76F17C0-3801-42EE-8C11-31ED1280ACEC}" type="datetime1">
+              <a:rPr lang="en-US" smtClean="0"/>
+              <a:t>5/17/2016</a:t>
             </a:fld>
             <a:endParaRPr lang="en-US" dirty="0"/>
           </a:p>
@@ -855,9 +1292,9 @@
           <a:bodyPr/>
           <a:lstStyle/>
           <a:p>
-            <a:fld id="{96DFF08F-DC6B-4601-B491-B0F83F6DD2DA}" type="datetimeFigureOut">
-              <a:rPr lang="en-US" dirty="0"/>
-              <a:t>5/17/16</a:t>
+            <a:fld id="{E8BC6CA9-CDD0-4AFD-BC80-3501E29B25C0}" type="datetime1">
+              <a:rPr lang="en-US" smtClean="0"/>
+              <a:t>5/17/2016</a:t>
             </a:fld>
             <a:endParaRPr lang="en-US" dirty="0"/>
           </a:p>
@@ -1156,10 +1593,9 @@
             </a:lvl1pPr>
           </a:lstStyle>
           <a:p>
-            <a:fld id="{96DFF08F-DC6B-4601-B491-B0F83F6DD2DA}" type="datetimeFigureOut">
-              <a:rPr lang="en-US" dirty="0"/>
-              <a:pPr/>
-              <a:t>5/17/16</a:t>
+            <a:fld id="{3F26EAFA-4AA4-4AE8-BDB1-CCFA53DB1572}" type="datetime1">
+              <a:rPr lang="en-US" smtClean="0"/>
+              <a:t>5/17/2016</a:t>
             </a:fld>
             <a:endParaRPr lang="en-US" dirty="0"/>
           </a:p>
@@ -1457,9 +1893,9 @@
           <a:bodyPr/>
           <a:lstStyle/>
           <a:p>
-            <a:fld id="{96DFF08F-DC6B-4601-B491-B0F83F6DD2DA}" type="datetimeFigureOut">
-              <a:rPr lang="en-US" dirty="0"/>
-              <a:t>5/17/16</a:t>
+            <a:fld id="{663EF84F-7EDF-4ABC-A05B-26B9DC28BF55}" type="datetime1">
+              <a:rPr lang="en-US" smtClean="0"/>
+              <a:t>5/17/2016</a:t>
             </a:fld>
             <a:endParaRPr lang="en-US" dirty="0"/>
           </a:p>
@@ -1874,9 +2310,9 @@
           <a:bodyPr/>
           <a:lstStyle/>
           <a:p>
-            <a:fld id="{96DFF08F-DC6B-4601-B491-B0F83F6DD2DA}" type="datetimeFigureOut">
-              <a:rPr lang="en-US" dirty="0"/>
-              <a:t>5/17/16</a:t>
+            <a:fld id="{171949A6-A7F4-480B-B01D-E04C81BC74C6}" type="datetime1">
+              <a:rPr lang="en-US" smtClean="0"/>
+              <a:t>5/17/2016</a:t>
             </a:fld>
             <a:endParaRPr lang="en-US" dirty="0"/>
           </a:p>
@@ -1987,9 +2423,9 @@
           <a:bodyPr/>
           <a:lstStyle/>
           <a:p>
-            <a:fld id="{96DFF08F-DC6B-4601-B491-B0F83F6DD2DA}" type="datetimeFigureOut">
-              <a:rPr lang="en-US" dirty="0"/>
-              <a:t>5/17/16</a:t>
+            <a:fld id="{9933DC3B-C7BC-4FAA-88AD-D7FDF3E5AB96}" type="datetime1">
+              <a:rPr lang="en-US" smtClean="0"/>
+              <a:t>5/17/2016</a:t>
             </a:fld>
             <a:endParaRPr lang="en-US" dirty="0"/>
           </a:p>
@@ -2077,9 +2513,9 @@
           <a:bodyPr/>
           <a:lstStyle/>
           <a:p>
-            <a:fld id="{96DFF08F-DC6B-4601-B491-B0F83F6DD2DA}" type="datetimeFigureOut">
-              <a:rPr lang="en-US" dirty="0"/>
-              <a:t>5/17/16</a:t>
+            <a:fld id="{BAD1E911-8EA3-4BE4-8F83-97E49710B943}" type="datetime1">
+              <a:rPr lang="en-US" smtClean="0"/>
+              <a:t>5/17/2016</a:t>
             </a:fld>
             <a:endParaRPr lang="en-US" dirty="0"/>
           </a:p>
@@ -2345,9 +2781,9 @@
           <a:bodyPr/>
           <a:lstStyle/>
           <a:p>
-            <a:fld id="{96DFF08F-DC6B-4601-B491-B0F83F6DD2DA}" type="datetimeFigureOut">
-              <a:rPr lang="en-US" dirty="0"/>
-              <a:t>5/17/16</a:t>
+            <a:fld id="{DCB41303-3E44-4B4D-B09A-59D8F7C295B9}" type="datetime1">
+              <a:rPr lang="en-US" smtClean="0"/>
+              <a:t>5/17/2016</a:t>
             </a:fld>
             <a:endParaRPr lang="en-US" dirty="0"/>
           </a:p>
@@ -2605,9 +3041,9 @@
           <a:bodyPr/>
           <a:lstStyle/>
           <a:p>
-            <a:fld id="{96DFF08F-DC6B-4601-B491-B0F83F6DD2DA}" type="datetimeFigureOut">
-              <a:rPr lang="en-US" dirty="0"/>
-              <a:t>5/17/16</a:t>
+            <a:fld id="{2AFE4F53-73D4-4CD6-9C71-E2BCC4701EEB}" type="datetime1">
+              <a:rPr lang="en-US" smtClean="0"/>
+              <a:t>5/17/2016</a:t>
             </a:fld>
             <a:endParaRPr lang="en-US" dirty="0"/>
           </a:p>
@@ -2849,10 +3285,9 @@
             </a:lvl1pPr>
           </a:lstStyle>
           <a:p>
-            <a:fld id="{96DFF08F-DC6B-4601-B491-B0F83F6DD2DA}" type="datetimeFigureOut">
-              <a:rPr lang="en-US" dirty="0"/>
-              <a:pPr/>
-              <a:t>5/17/16</a:t>
+            <a:fld id="{39072F28-69E3-4472-A1E0-78EC7FE8DDF2}" type="datetime1">
+              <a:rPr lang="en-US" smtClean="0"/>
+              <a:t>5/17/2016</a:t>
             </a:fld>
             <a:endParaRPr lang="en-US" dirty="0"/>
           </a:p>
@@ -2949,6 +3384,7 @@
     <p:sldLayoutId id="2147483658" r:id="rId10"/>
     <p:sldLayoutId id="2147483659" r:id="rId11"/>
   </p:sldLayoutIdLst>
+  <p:hf hdr="0" ftr="0" dt="0"/>
   <p:txStyles>
     <p:titleStyle>
       <a:lvl1pPr algn="l" defTabSz="914400" rtl="0" eaLnBrk="1" latinLnBrk="0" hangingPunct="1">
@@ -3349,6 +3785,47 @@
           </a:p>
         </p:txBody>
       </p:sp>
+      <p:sp>
+        <p:nvSpPr>
+          <p:cNvPr id="5" name="TextBox 4"/>
+          <p:cNvSpPr txBox="1"/>
+          <p:nvPr/>
+        </p:nvSpPr>
+        <p:spPr>
+          <a:xfrm>
+            <a:off x="690113" y="5805577"/>
+            <a:ext cx="3603422" cy="646331"/>
+          </a:xfrm>
+          <a:prstGeom prst="rect">
+            <a:avLst/>
+          </a:prstGeom>
+          <a:noFill/>
+        </p:spPr>
+        <p:txBody>
+          <a:bodyPr wrap="none" rtlCol="0">
+            <a:spAutoFit/>
+          </a:bodyPr>
+          <a:lstStyle/>
+          <a:p>
+            <a:r>
+              <a:rPr lang="fr-FR" dirty="0" smtClean="0"/>
+              <a:t>Prof. P. </a:t>
+            </a:r>
+            <a:r>
+              <a:rPr lang="fr-FR" dirty="0" err="1" smtClean="0"/>
+              <a:t>Donini</a:t>
+            </a:r>
+            <a:endParaRPr lang="fr-FR" dirty="0" smtClean="0"/>
+          </a:p>
+          <a:p>
+            <a:r>
+              <a:rPr lang="fr-FR" dirty="0" smtClean="0"/>
+              <a:t>Browne, Champion, Clément, Hardy</a:t>
+            </a:r>
+            <a:endParaRPr lang="fr-FR" dirty="0"/>
+          </a:p>
+        </p:txBody>
+      </p:sp>
     </p:spTree>
     <p:extLst>
       <p:ext uri="{BB962C8B-B14F-4D97-AF65-F5344CB8AC3E}">
@@ -3359,6 +3836,13 @@
   <p:clrMapOvr>
     <a:masterClrMapping/>
   </p:clrMapOvr>
+  <p:timing>
+    <p:tnLst>
+      <p:par>
+        <p:cTn id="1" dur="indefinite" restart="never" nodeType="tmRoot"/>
+      </p:par>
+    </p:tnLst>
+  </p:timing>
 </p:sld>
 </file>
 
@@ -3407,8 +3891,41 @@
           <a:prstGeom prst="rect">
             <a:avLst/>
           </a:prstGeom>
+          <a:ln>
+            <a:noFill/>
+          </a:ln>
+          <a:effectLst>
+            <a:outerShdw blurRad="292100" dist="139700" dir="2700000" algn="tl" rotWithShape="0">
+              <a:srgbClr val="333333">
+                <a:alpha val="65000"/>
+              </a:srgbClr>
+            </a:outerShdw>
+          </a:effectLst>
         </p:spPr>
       </p:pic>
+      <p:sp>
+        <p:nvSpPr>
+          <p:cNvPr id="2" name="Slide Number Placeholder 1"/>
+          <p:cNvSpPr>
+            <a:spLocks noGrp="1"/>
+          </p:cNvSpPr>
+          <p:nvPr>
+            <p:ph type="sldNum" sz="quarter" idx="12"/>
+          </p:nvPr>
+        </p:nvSpPr>
+        <p:spPr/>
+        <p:txBody>
+          <a:bodyPr/>
+          <a:lstStyle/>
+          <a:p>
+            <a:fld id="{4FAB73BC-B049-4115-A692-8D63A059BFB8}" type="slidenum">
+              <a:rPr lang="en-US" smtClean="0"/>
+              <a:t>10</a:t>
+            </a:fld>
+            <a:endParaRPr lang="en-US" dirty="0"/>
+          </a:p>
+        </p:txBody>
+      </p:sp>
     </p:spTree>
     <p:extLst>
       <p:ext uri="{BB962C8B-B14F-4D97-AF65-F5344CB8AC3E}">
@@ -3419,6 +3936,13 @@
   <p:clrMapOvr>
     <a:masterClrMapping/>
   </p:clrMapOvr>
+  <p:timing>
+    <p:tnLst>
+      <p:par>
+        <p:cTn id="1" dur="indefinite" restart="never" nodeType="tmRoot"/>
+      </p:par>
+    </p:tnLst>
+  </p:timing>
 </p:sld>
 </file>
 
@@ -3546,6 +4070,29 @@
           </a:p>
         </p:txBody>
       </p:sp>
+      <p:sp>
+        <p:nvSpPr>
+          <p:cNvPr id="3" name="Slide Number Placeholder 2"/>
+          <p:cNvSpPr>
+            <a:spLocks noGrp="1"/>
+          </p:cNvSpPr>
+          <p:nvPr>
+            <p:ph type="sldNum" sz="quarter" idx="12"/>
+          </p:nvPr>
+        </p:nvSpPr>
+        <p:spPr/>
+        <p:txBody>
+          <a:bodyPr/>
+          <a:lstStyle/>
+          <a:p>
+            <a:fld id="{4FAB73BC-B049-4115-A692-8D63A059BFB8}" type="slidenum">
+              <a:rPr lang="en-US" smtClean="0"/>
+              <a:t>11</a:t>
+            </a:fld>
+            <a:endParaRPr lang="en-US" dirty="0"/>
+          </a:p>
+        </p:txBody>
+      </p:sp>
     </p:spTree>
     <p:extLst>
       <p:ext uri="{BB962C8B-B14F-4D97-AF65-F5344CB8AC3E}">
@@ -3556,6 +4103,13 @@
   <p:clrMapOvr>
     <a:masterClrMapping/>
   </p:clrMapOvr>
+  <p:timing>
+    <p:tnLst>
+      <p:par>
+        <p:cTn id="1" dur="indefinite" restart="never" nodeType="tmRoot"/>
+      </p:par>
+    </p:tnLst>
+  </p:timing>
 </p:sld>
 </file>
 
@@ -3630,16 +4184,9 @@
             <a:pPr lvl="1"/>
             <a:r>
               <a:rPr lang="fr-CH" dirty="0" smtClean="0"/>
-              <a:t>BLA </a:t>
-            </a:r>
-            <a:r>
-              <a:rPr lang="fr-CH" dirty="0" err="1" smtClean="0"/>
-              <a:t>BLA</a:t>
-            </a:r>
-            <a:r>
-              <a:rPr lang="fr-CH" dirty="0" smtClean="0"/>
-              <a:t> TODO</a:t>
-            </a:r>
+              <a:t>Restauration d’un état après un crash</a:t>
+            </a:r>
+            <a:endParaRPr lang="fr-CH" dirty="0" smtClean="0"/>
           </a:p>
           <a:p>
             <a:r>
@@ -3687,6 +4234,29 @@
               <a:t>Prototype  Copie de commande (constructeur virtuel)</a:t>
             </a:r>
             <a:endParaRPr lang="fr-CH" dirty="0"/>
+          </a:p>
+        </p:txBody>
+      </p:sp>
+      <p:sp>
+        <p:nvSpPr>
+          <p:cNvPr id="4" name="Slide Number Placeholder 3"/>
+          <p:cNvSpPr>
+            <a:spLocks noGrp="1"/>
+          </p:cNvSpPr>
+          <p:nvPr>
+            <p:ph type="sldNum" sz="quarter" idx="12"/>
+          </p:nvPr>
+        </p:nvSpPr>
+        <p:spPr/>
+        <p:txBody>
+          <a:bodyPr/>
+          <a:lstStyle/>
+          <a:p>
+            <a:fld id="{4FAB73BC-B049-4115-A692-8D63A059BFB8}" type="slidenum">
+              <a:rPr lang="en-US" smtClean="0"/>
+              <a:t>12</a:t>
+            </a:fld>
+            <a:endParaRPr lang="en-US" dirty="0"/>
           </a:p>
         </p:txBody>
       </p:sp>
@@ -3700,6 +4270,13 @@
   <p:clrMapOvr>
     <a:masterClrMapping/>
   </p:clrMapOvr>
+  <p:timing>
+    <p:tnLst>
+      <p:par>
+        <p:cTn id="1" dur="indefinite" restart="never" nodeType="tmRoot"/>
+      </p:par>
+    </p:tnLst>
+  </p:timing>
 </p:sld>
 </file>
 
@@ -3834,6 +4411,29 @@
           </a:p>
         </p:txBody>
       </p:sp>
+      <p:sp>
+        <p:nvSpPr>
+          <p:cNvPr id="4" name="Slide Number Placeholder 3"/>
+          <p:cNvSpPr>
+            <a:spLocks noGrp="1"/>
+          </p:cNvSpPr>
+          <p:nvPr>
+            <p:ph type="sldNum" sz="quarter" idx="12"/>
+          </p:nvPr>
+        </p:nvSpPr>
+        <p:spPr/>
+        <p:txBody>
+          <a:bodyPr/>
+          <a:lstStyle/>
+          <a:p>
+            <a:fld id="{4FAB73BC-B049-4115-A692-8D63A059BFB8}" type="slidenum">
+              <a:rPr lang="en-US" smtClean="0"/>
+              <a:t>2</a:t>
+            </a:fld>
+            <a:endParaRPr lang="en-US" dirty="0"/>
+          </a:p>
+        </p:txBody>
+      </p:sp>
     </p:spTree>
     <p:extLst>
       <p:ext uri="{BB962C8B-B14F-4D97-AF65-F5344CB8AC3E}">
@@ -3844,6 +4444,13 @@
   <p:clrMapOvr>
     <a:masterClrMapping/>
   </p:clrMapOvr>
+  <p:timing>
+    <p:tnLst>
+      <p:par>
+        <p:cTn id="1" dur="indefinite" restart="never" nodeType="tmRoot"/>
+      </p:par>
+    </p:tnLst>
+  </p:timing>
 </p:sld>
 </file>
 
@@ -4052,6 +4659,29 @@
           </a:p>
         </p:txBody>
       </p:sp>
+      <p:sp>
+        <p:nvSpPr>
+          <p:cNvPr id="3" name="Slide Number Placeholder 2"/>
+          <p:cNvSpPr>
+            <a:spLocks noGrp="1"/>
+          </p:cNvSpPr>
+          <p:nvPr>
+            <p:ph type="sldNum" sz="quarter" idx="12"/>
+          </p:nvPr>
+        </p:nvSpPr>
+        <p:spPr/>
+        <p:txBody>
+          <a:bodyPr/>
+          <a:lstStyle/>
+          <a:p>
+            <a:fld id="{4FAB73BC-B049-4115-A692-8D63A059BFB8}" type="slidenum">
+              <a:rPr lang="en-US" smtClean="0"/>
+              <a:t>3</a:t>
+            </a:fld>
+            <a:endParaRPr lang="en-US" dirty="0"/>
+          </a:p>
+        </p:txBody>
+      </p:sp>
     </p:spTree>
     <p:extLst>
       <p:ext uri="{BB962C8B-B14F-4D97-AF65-F5344CB8AC3E}">
@@ -4062,6 +4692,13 @@
   <p:clrMapOvr>
     <a:masterClrMapping/>
   </p:clrMapOvr>
+  <p:timing>
+    <p:tnLst>
+      <p:par>
+        <p:cTn id="1" dur="indefinite" restart="never" nodeType="tmRoot"/>
+      </p:par>
+    </p:tnLst>
+  </p:timing>
 </p:sld>
 </file>
 
@@ -4293,6 +4930,29 @@
           </a:p>
         </p:txBody>
       </p:sp>
+      <p:sp>
+        <p:nvSpPr>
+          <p:cNvPr id="3" name="Slide Number Placeholder 2"/>
+          <p:cNvSpPr>
+            <a:spLocks noGrp="1"/>
+          </p:cNvSpPr>
+          <p:nvPr>
+            <p:ph type="sldNum" sz="quarter" idx="12"/>
+          </p:nvPr>
+        </p:nvSpPr>
+        <p:spPr/>
+        <p:txBody>
+          <a:bodyPr/>
+          <a:lstStyle/>
+          <a:p>
+            <a:fld id="{4FAB73BC-B049-4115-A692-8D63A059BFB8}" type="slidenum">
+              <a:rPr lang="en-US" smtClean="0"/>
+              <a:t>4</a:t>
+            </a:fld>
+            <a:endParaRPr lang="en-US" dirty="0"/>
+          </a:p>
+        </p:txBody>
+      </p:sp>
     </p:spTree>
     <p:extLst>
       <p:ext uri="{BB962C8B-B14F-4D97-AF65-F5344CB8AC3E}">
@@ -4303,6 +4963,13 @@
   <p:clrMapOvr>
     <a:masterClrMapping/>
   </p:clrMapOvr>
+  <p:timing>
+    <p:tnLst>
+      <p:par>
+        <p:cTn id="1" dur="indefinite" restart="never" nodeType="tmRoot"/>
+      </p:par>
+    </p:tnLst>
+  </p:timing>
 </p:sld>
 </file>
 
@@ -4483,6 +5150,29 @@
           </a:p>
         </p:txBody>
       </p:sp>
+      <p:sp>
+        <p:nvSpPr>
+          <p:cNvPr id="2" name="Slide Number Placeholder 1"/>
+          <p:cNvSpPr>
+            <a:spLocks noGrp="1"/>
+          </p:cNvSpPr>
+          <p:nvPr>
+            <p:ph type="sldNum" sz="quarter" idx="12"/>
+          </p:nvPr>
+        </p:nvSpPr>
+        <p:spPr/>
+        <p:txBody>
+          <a:bodyPr/>
+          <a:lstStyle/>
+          <a:p>
+            <a:fld id="{4FAB73BC-B049-4115-A692-8D63A059BFB8}" type="slidenum">
+              <a:rPr lang="en-US" smtClean="0"/>
+              <a:t>5</a:t>
+            </a:fld>
+            <a:endParaRPr lang="en-US" dirty="0"/>
+          </a:p>
+        </p:txBody>
+      </p:sp>
     </p:spTree>
     <p:extLst>
       <p:ext uri="{BB962C8B-B14F-4D97-AF65-F5344CB8AC3E}">
@@ -4493,6 +5183,13 @@
   <p:clrMapOvr>
     <a:masterClrMapping/>
   </p:clrMapOvr>
+  <p:timing>
+    <p:tnLst>
+      <p:par>
+        <p:cTn id="1" dur="indefinite" restart="never" nodeType="tmRoot"/>
+      </p:par>
+    </p:tnLst>
+  </p:timing>
 </p:sld>
 </file>
 
@@ -4538,7 +5235,7 @@
       </p:sp>
       <p:pic>
         <p:nvPicPr>
-          <p:cNvPr id="4" name="Picture 3"/>
+          <p:cNvPr id="7" name="Picture 6"/>
           <p:cNvPicPr>
             <a:picLocks noChangeAspect="1"/>
           </p:cNvPicPr>
@@ -4558,17 +5255,50 @@
         </p:blipFill>
         <p:spPr>
           <a:xfrm>
-            <a:off x="7391399" y="2671081"/>
-            <a:ext cx="4357599" cy="2887438"/>
+            <a:off x="393700" y="2163156"/>
+            <a:ext cx="6870700" cy="3903288"/>
           </a:xfrm>
           <a:prstGeom prst="rect">
             <a:avLst/>
           </a:prstGeom>
+          <a:ln>
+            <a:noFill/>
+          </a:ln>
+          <a:effectLst>
+            <a:outerShdw blurRad="292100" dist="139700" dir="2700000" algn="tl" rotWithShape="0">
+              <a:srgbClr val="333333">
+                <a:alpha val="65000"/>
+              </a:srgbClr>
+            </a:outerShdw>
+          </a:effectLst>
         </p:spPr>
       </p:pic>
+      <p:sp>
+        <p:nvSpPr>
+          <p:cNvPr id="3" name="Slide Number Placeholder 2"/>
+          <p:cNvSpPr>
+            <a:spLocks noGrp="1"/>
+          </p:cNvSpPr>
+          <p:nvPr>
+            <p:ph type="sldNum" sz="quarter" idx="12"/>
+          </p:nvPr>
+        </p:nvSpPr>
+        <p:spPr/>
+        <p:txBody>
+          <a:bodyPr/>
+          <a:lstStyle/>
+          <a:p>
+            <a:fld id="{4FAB73BC-B049-4115-A692-8D63A059BFB8}" type="slidenum">
+              <a:rPr lang="en-US" smtClean="0"/>
+              <a:t>6</a:t>
+            </a:fld>
+            <a:endParaRPr lang="en-US" dirty="0"/>
+          </a:p>
+        </p:txBody>
+      </p:sp>
       <p:pic>
         <p:nvPicPr>
-          <p:cNvPr id="7" name="Picture 6"/>
+          <p:cNvPr id="4" name="Picture 3"/>
           <p:cNvPicPr>
             <a:picLocks noChangeAspect="1"/>
           </p:cNvPicPr>
@@ -4588,12 +5318,22 @@
         </p:blipFill>
         <p:spPr>
           <a:xfrm>
-            <a:off x="393700" y="2163156"/>
-            <a:ext cx="6870700" cy="3903288"/>
+            <a:off x="7417278" y="2584817"/>
+            <a:ext cx="4357599" cy="2887438"/>
           </a:xfrm>
           <a:prstGeom prst="rect">
             <a:avLst/>
           </a:prstGeom>
+          <a:ln>
+            <a:noFill/>
+          </a:ln>
+          <a:effectLst>
+            <a:outerShdw blurRad="292100" dist="139700" dir="2700000" algn="tl" rotWithShape="0">
+              <a:srgbClr val="333333">
+                <a:alpha val="65000"/>
+              </a:srgbClr>
+            </a:outerShdw>
+          </a:effectLst>
         </p:spPr>
       </p:pic>
     </p:spTree>
@@ -4606,6 +5346,13 @@
   <p:clrMapOvr>
     <a:masterClrMapping/>
   </p:clrMapOvr>
+  <p:timing>
+    <p:tnLst>
+      <p:par>
+        <p:cTn id="1" dur="indefinite" restart="never" nodeType="tmRoot"/>
+      </p:par>
+    </p:tnLst>
+  </p:timing>
 </p:sld>
 </file>
 
@@ -4653,8 +5400,44 @@
             <a:off x="2533650" y="2006600"/>
             <a:ext cx="7124700" cy="2844800"/>
           </a:xfrm>
+          <a:prstGeom prst="rect">
+            <a:avLst/>
+          </a:prstGeom>
+          <a:ln>
+            <a:noFill/>
+          </a:ln>
+          <a:effectLst>
+            <a:outerShdw blurRad="292100" dist="139700" dir="2700000" algn="tl" rotWithShape="0">
+              <a:srgbClr val="333333">
+                <a:alpha val="65000"/>
+              </a:srgbClr>
+            </a:outerShdw>
+          </a:effectLst>
         </p:spPr>
       </p:pic>
+      <p:sp>
+        <p:nvSpPr>
+          <p:cNvPr id="2" name="Slide Number Placeholder 1"/>
+          <p:cNvSpPr>
+            <a:spLocks noGrp="1"/>
+          </p:cNvSpPr>
+          <p:nvPr>
+            <p:ph type="sldNum" sz="quarter" idx="12"/>
+          </p:nvPr>
+        </p:nvSpPr>
+        <p:spPr/>
+        <p:txBody>
+          <a:bodyPr/>
+          <a:lstStyle/>
+          <a:p>
+            <a:fld id="{4FAB73BC-B049-4115-A692-8D63A059BFB8}" type="slidenum">
+              <a:rPr lang="en-US" smtClean="0"/>
+              <a:t>7</a:t>
+            </a:fld>
+            <a:endParaRPr lang="en-US" dirty="0"/>
+          </a:p>
+        </p:txBody>
+      </p:sp>
     </p:spTree>
     <p:extLst>
       <p:ext uri="{BB962C8B-B14F-4D97-AF65-F5344CB8AC3E}">
@@ -4665,6 +5448,13 @@
   <p:clrMapOvr>
     <a:masterClrMapping/>
   </p:clrMapOvr>
+  <p:timing>
+    <p:tnLst>
+      <p:par>
+        <p:cTn id="1" dur="indefinite" restart="never" nodeType="tmRoot"/>
+      </p:par>
+    </p:tnLst>
+  </p:timing>
 </p:sld>
 </file>
 
@@ -4712,8 +5502,44 @@
             <a:off x="2603500" y="1746250"/>
             <a:ext cx="6985000" cy="3365500"/>
           </a:xfrm>
+          <a:prstGeom prst="rect">
+            <a:avLst/>
+          </a:prstGeom>
+          <a:ln>
+            <a:noFill/>
+          </a:ln>
+          <a:effectLst>
+            <a:outerShdw blurRad="292100" dist="139700" dir="2700000" algn="tl" rotWithShape="0">
+              <a:srgbClr val="333333">
+                <a:alpha val="65000"/>
+              </a:srgbClr>
+            </a:outerShdw>
+          </a:effectLst>
         </p:spPr>
       </p:pic>
+      <p:sp>
+        <p:nvSpPr>
+          <p:cNvPr id="2" name="Slide Number Placeholder 1"/>
+          <p:cNvSpPr>
+            <a:spLocks noGrp="1"/>
+          </p:cNvSpPr>
+          <p:nvPr>
+            <p:ph type="sldNum" sz="quarter" idx="12"/>
+          </p:nvPr>
+        </p:nvSpPr>
+        <p:spPr/>
+        <p:txBody>
+          <a:bodyPr/>
+          <a:lstStyle/>
+          <a:p>
+            <a:fld id="{4FAB73BC-B049-4115-A692-8D63A059BFB8}" type="slidenum">
+              <a:rPr lang="en-US" smtClean="0"/>
+              <a:t>8</a:t>
+            </a:fld>
+            <a:endParaRPr lang="en-US" dirty="0"/>
+          </a:p>
+        </p:txBody>
+      </p:sp>
     </p:spTree>
     <p:extLst>
       <p:ext uri="{BB962C8B-B14F-4D97-AF65-F5344CB8AC3E}">
@@ -4724,6 +5550,13 @@
   <p:clrMapOvr>
     <a:masterClrMapping/>
   </p:clrMapOvr>
+  <p:timing>
+    <p:tnLst>
+      <p:par>
+        <p:cTn id="1" dur="indefinite" restart="never" nodeType="tmRoot"/>
+      </p:par>
+    </p:tnLst>
+  </p:timing>
 </p:sld>
 </file>
 
@@ -4772,8 +5605,41 @@
           <a:prstGeom prst="rect">
             <a:avLst/>
           </a:prstGeom>
+          <a:ln>
+            <a:noFill/>
+          </a:ln>
+          <a:effectLst>
+            <a:outerShdw blurRad="292100" dist="139700" dir="2700000" algn="tl" rotWithShape="0">
+              <a:srgbClr val="333333">
+                <a:alpha val="65000"/>
+              </a:srgbClr>
+            </a:outerShdw>
+          </a:effectLst>
         </p:spPr>
       </p:pic>
+      <p:sp>
+        <p:nvSpPr>
+          <p:cNvPr id="3" name="Slide Number Placeholder 2"/>
+          <p:cNvSpPr>
+            <a:spLocks noGrp="1"/>
+          </p:cNvSpPr>
+          <p:nvPr>
+            <p:ph type="sldNum" sz="quarter" idx="12"/>
+          </p:nvPr>
+        </p:nvSpPr>
+        <p:spPr/>
+        <p:txBody>
+          <a:bodyPr/>
+          <a:lstStyle/>
+          <a:p>
+            <a:fld id="{4FAB73BC-B049-4115-A692-8D63A059BFB8}" type="slidenum">
+              <a:rPr lang="en-US" smtClean="0"/>
+              <a:t>9</a:t>
+            </a:fld>
+            <a:endParaRPr lang="en-US" dirty="0"/>
+          </a:p>
+        </p:txBody>
+      </p:sp>
     </p:spTree>
     <p:extLst>
       <p:ext uri="{BB962C8B-B14F-4D97-AF65-F5344CB8AC3E}">
@@ -4784,6 +5650,13 @@
   <p:clrMapOvr>
     <a:masterClrMapping/>
   </p:clrMapOvr>
+  <p:timing>
+    <p:tnLst>
+      <p:par>
+        <p:cTn id="1" dur="indefinite" restart="never" nodeType="tmRoot"/>
+      </p:par>
+    </p:tnLst>
+  </p:timing>
 </p:sld>
 </file>
 
@@ -5047,4 +5920,265 @@
     </a:ext>
   </a:extLst>
 </a:theme>
+</file>
+
+<file path=ppt/theme/theme2.xml><?xml version="1.0" encoding="utf-8"?>
+<a:theme xmlns:a="http://schemas.openxmlformats.org/drawingml/2006/main" name="Office Theme">
+  <a:themeElements>
+    <a:clrScheme name="Office">
+      <a:dk1>
+        <a:sysClr val="windowText" lastClr="000000"/>
+      </a:dk1>
+      <a:lt1>
+        <a:sysClr val="window" lastClr="FFFFFF"/>
+      </a:lt1>
+      <a:dk2>
+        <a:srgbClr val="44546A"/>
+      </a:dk2>
+      <a:lt2>
+        <a:srgbClr val="E7E6E6"/>
+      </a:lt2>
+      <a:accent1>
+        <a:srgbClr val="5B9BD5"/>
+      </a:accent1>
+      <a:accent2>
+        <a:srgbClr val="ED7D31"/>
+      </a:accent2>
+      <a:accent3>
+        <a:srgbClr val="A5A5A5"/>
+      </a:accent3>
+      <a:accent4>
+        <a:srgbClr val="FFC000"/>
+      </a:accent4>
+      <a:accent5>
+        <a:srgbClr val="4472C4"/>
+      </a:accent5>
+      <a:accent6>
+        <a:srgbClr val="70AD47"/>
+      </a:accent6>
+      <a:hlink>
+        <a:srgbClr val="0563C1"/>
+      </a:hlink>
+      <a:folHlink>
+        <a:srgbClr val="954F72"/>
+      </a:folHlink>
+    </a:clrScheme>
+    <a:fontScheme name="Office">
+      <a:majorFont>
+        <a:latin typeface="Calibri Light" panose="020F0302020204030204"/>
+        <a:ea typeface=""/>
+        <a:cs typeface=""/>
+        <a:font script="Jpan" typeface="ＭＳ Ｐゴシック"/>
+        <a:font script="Hang" typeface="맑은 고딕"/>
+        <a:font script="Hans" typeface="宋体"/>
+        <a:font script="Hant" typeface="新細明體"/>
+        <a:font script="Arab" typeface="Times New Roman"/>
+        <a:font script="Hebr" typeface="Times New Roman"/>
+        <a:font script="Thai" typeface="Angsana New"/>
+        <a:font script="Ethi" typeface="Nyala"/>
+        <a:font script="Beng" typeface="Vrinda"/>
+        <a:font script="Gujr" typeface="Shruti"/>
+        <a:font script="Khmr" typeface="MoolBoran"/>
+        <a:font script="Knda" typeface="Tunga"/>
+        <a:font script="Guru" typeface="Raavi"/>
+        <a:font script="Cans" typeface="Euphemia"/>
+        <a:font script="Cher" typeface="Plantagenet Cherokee"/>
+        <a:font script="Yiii" typeface="Microsoft Yi Baiti"/>
+        <a:font script="Tibt" typeface="Microsoft Himalaya"/>
+        <a:font script="Thaa" typeface="MV Boli"/>
+        <a:font script="Deva" typeface="Mangal"/>
+        <a:font script="Telu" typeface="Gautami"/>
+        <a:font script="Taml" typeface="Latha"/>
+        <a:font script="Syrc" typeface="Estrangelo Edessa"/>
+        <a:font script="Orya" typeface="Kalinga"/>
+        <a:font script="Mlym" typeface="Kartika"/>
+        <a:font script="Laoo" typeface="DokChampa"/>
+        <a:font script="Sinh" typeface="Iskoola Pota"/>
+        <a:font script="Mong" typeface="Mongolian Baiti"/>
+        <a:font script="Viet" typeface="Times New Roman"/>
+        <a:font script="Uigh" typeface="Microsoft Uighur"/>
+        <a:font script="Geor" typeface="Sylfaen"/>
+      </a:majorFont>
+      <a:minorFont>
+        <a:latin typeface="Calibri" panose="020F0502020204030204"/>
+        <a:ea typeface=""/>
+        <a:cs typeface=""/>
+        <a:font script="Jpan" typeface="ＭＳ Ｐゴシック"/>
+        <a:font script="Hang" typeface="맑은 고딕"/>
+        <a:font script="Hans" typeface="宋体"/>
+        <a:font script="Hant" typeface="新細明體"/>
+        <a:font script="Arab" typeface="Arial"/>
+        <a:font script="Hebr" typeface="Arial"/>
+        <a:font script="Thai" typeface="Cordia New"/>
+        <a:font script="Ethi" typeface="Nyala"/>
+        <a:font script="Beng" typeface="Vrinda"/>
+        <a:font script="Gujr" typeface="Shruti"/>
+        <a:font script="Khmr" typeface="DaunPenh"/>
+        <a:font script="Knda" typeface="Tunga"/>
+        <a:font script="Guru" typeface="Raavi"/>
+        <a:font script="Cans" typeface="Euphemia"/>
+        <a:font script="Cher" typeface="Plantagenet Cherokee"/>
+        <a:font script="Yiii" typeface="Microsoft Yi Baiti"/>
+        <a:font script="Tibt" typeface="Microsoft Himalaya"/>
+        <a:font script="Thaa" typeface="MV Boli"/>
+        <a:font script="Deva" typeface="Mangal"/>
+        <a:font script="Telu" typeface="Gautami"/>
+        <a:font script="Taml" typeface="Latha"/>
+        <a:font script="Syrc" typeface="Estrangelo Edessa"/>
+        <a:font script="Orya" typeface="Kalinga"/>
+        <a:font script="Mlym" typeface="Kartika"/>
+        <a:font script="Laoo" typeface="DokChampa"/>
+        <a:font script="Sinh" typeface="Iskoola Pota"/>
+        <a:font script="Mong" typeface="Mongolian Baiti"/>
+        <a:font script="Viet" typeface="Arial"/>
+        <a:font script="Uigh" typeface="Microsoft Uighur"/>
+        <a:font script="Geor" typeface="Sylfaen"/>
+      </a:minorFont>
+    </a:fontScheme>
+    <a:fmtScheme name="Office">
+      <a:fillStyleLst>
+        <a:solidFill>
+          <a:schemeClr val="phClr"/>
+        </a:solidFill>
+        <a:gradFill rotWithShape="1">
+          <a:gsLst>
+            <a:gs pos="0">
+              <a:schemeClr val="phClr">
+                <a:lumMod val="110000"/>
+                <a:satMod val="105000"/>
+                <a:tint val="67000"/>
+              </a:schemeClr>
+            </a:gs>
+            <a:gs pos="50000">
+              <a:schemeClr val="phClr">
+                <a:lumMod val="105000"/>
+                <a:satMod val="103000"/>
+                <a:tint val="73000"/>
+              </a:schemeClr>
+            </a:gs>
+            <a:gs pos="100000">
+              <a:schemeClr val="phClr">
+                <a:lumMod val="105000"/>
+                <a:satMod val="109000"/>
+                <a:tint val="81000"/>
+              </a:schemeClr>
+            </a:gs>
+          </a:gsLst>
+          <a:lin ang="5400000" scaled="0"/>
+        </a:gradFill>
+        <a:gradFill rotWithShape="1">
+          <a:gsLst>
+            <a:gs pos="0">
+              <a:schemeClr val="phClr">
+                <a:satMod val="103000"/>
+                <a:lumMod val="102000"/>
+                <a:tint val="94000"/>
+              </a:schemeClr>
+            </a:gs>
+            <a:gs pos="50000">
+              <a:schemeClr val="phClr">
+                <a:satMod val="110000"/>
+                <a:lumMod val="100000"/>
+                <a:shade val="100000"/>
+              </a:schemeClr>
+            </a:gs>
+            <a:gs pos="100000">
+              <a:schemeClr val="phClr">
+                <a:lumMod val="99000"/>
+                <a:satMod val="120000"/>
+                <a:shade val="78000"/>
+              </a:schemeClr>
+            </a:gs>
+          </a:gsLst>
+          <a:lin ang="5400000" scaled="0"/>
+        </a:gradFill>
+      </a:fillStyleLst>
+      <a:lnStyleLst>
+        <a:ln w="6350" cap="flat" cmpd="sng" algn="ctr">
+          <a:solidFill>
+            <a:schemeClr val="phClr"/>
+          </a:solidFill>
+          <a:prstDash val="solid"/>
+          <a:miter lim="800000"/>
+        </a:ln>
+        <a:ln w="12700" cap="flat" cmpd="sng" algn="ctr">
+          <a:solidFill>
+            <a:schemeClr val="phClr"/>
+          </a:solidFill>
+          <a:prstDash val="solid"/>
+          <a:miter lim="800000"/>
+        </a:ln>
+        <a:ln w="19050" cap="flat" cmpd="sng" algn="ctr">
+          <a:solidFill>
+            <a:schemeClr val="phClr"/>
+          </a:solidFill>
+          <a:prstDash val="solid"/>
+          <a:miter lim="800000"/>
+        </a:ln>
+      </a:lnStyleLst>
+      <a:effectStyleLst>
+        <a:effectStyle>
+          <a:effectLst/>
+        </a:effectStyle>
+        <a:effectStyle>
+          <a:effectLst/>
+        </a:effectStyle>
+        <a:effectStyle>
+          <a:effectLst>
+            <a:outerShdw blurRad="57150" dist="19050" dir="5400000" algn="ctr" rotWithShape="0">
+              <a:srgbClr val="000000">
+                <a:alpha val="63000"/>
+              </a:srgbClr>
+            </a:outerShdw>
+          </a:effectLst>
+        </a:effectStyle>
+      </a:effectStyleLst>
+      <a:bgFillStyleLst>
+        <a:solidFill>
+          <a:schemeClr val="phClr"/>
+        </a:solidFill>
+        <a:solidFill>
+          <a:schemeClr val="phClr">
+            <a:tint val="95000"/>
+            <a:satMod val="170000"/>
+          </a:schemeClr>
+        </a:solidFill>
+        <a:gradFill rotWithShape="1">
+          <a:gsLst>
+            <a:gs pos="0">
+              <a:schemeClr val="phClr">
+                <a:tint val="93000"/>
+                <a:satMod val="150000"/>
+                <a:shade val="98000"/>
+                <a:lumMod val="102000"/>
+              </a:schemeClr>
+            </a:gs>
+            <a:gs pos="50000">
+              <a:schemeClr val="phClr">
+                <a:tint val="98000"/>
+                <a:satMod val="130000"/>
+                <a:shade val="90000"/>
+                <a:lumMod val="103000"/>
+              </a:schemeClr>
+            </a:gs>
+            <a:gs pos="100000">
+              <a:schemeClr val="phClr">
+                <a:shade val="63000"/>
+                <a:satMod val="120000"/>
+              </a:schemeClr>
+            </a:gs>
+          </a:gsLst>
+          <a:lin ang="5400000" scaled="0"/>
+        </a:gradFill>
+      </a:bgFillStyleLst>
+    </a:fmtScheme>
+  </a:themeElements>
+  <a:objectDefaults/>
+  <a:extraClrSchemeLst/>
+  <a:extLst>
+    <a:ext uri="{05A4C25C-085E-4340-85A3-A5531E510DB2}">
+      <thm15:themeFamily xmlns:thm15="http://schemas.microsoft.com/office/thememl/2012/main" name="Office Theme" id="{62F939B6-93AF-4DB8-9C6B-D6C7DFDC589F}" vid="{4A3C46E8-61CC-4603-A589-7422A47A8E4A}"/>
+    </a:ext>
+  </a:extLst>
+</a:theme>
 </file>
--- a/Commande.pptx
+++ b/Commande.pptx
@@ -2,26 +2,28 @@
 <file path=ppt/presentation.xml><?xml version="1.0" encoding="utf-8"?>
 <p:presentation xmlns:a="http://schemas.openxmlformats.org/drawingml/2006/main" xmlns:r="http://schemas.openxmlformats.org/officeDocument/2006/relationships" xmlns:p="http://schemas.openxmlformats.org/presentationml/2006/main" saveSubsetFonts="1" autoCompressPictures="0">
   <p:sldMasterIdLst>
-    <p:sldMasterId id="2147483648" r:id="rId1"/>
+    <p:sldMasterId id="2147483660" r:id="rId1"/>
   </p:sldMasterIdLst>
   <p:notesMasterIdLst>
-    <p:notesMasterId r:id="rId14"/>
+    <p:notesMasterId r:id="rId16"/>
   </p:notesMasterIdLst>
   <p:sldIdLst>
     <p:sldId id="256" r:id="rId2"/>
-    <p:sldId id="257" r:id="rId3"/>
-    <p:sldId id="258" r:id="rId4"/>
-    <p:sldId id="259" r:id="rId5"/>
-    <p:sldId id="260" r:id="rId6"/>
-    <p:sldId id="261" r:id="rId7"/>
-    <p:sldId id="264" r:id="rId8"/>
-    <p:sldId id="265" r:id="rId9"/>
-    <p:sldId id="267" r:id="rId10"/>
-    <p:sldId id="266" r:id="rId11"/>
-    <p:sldId id="263" r:id="rId12"/>
-    <p:sldId id="262" r:id="rId13"/>
+    <p:sldId id="268" r:id="rId3"/>
+    <p:sldId id="257" r:id="rId4"/>
+    <p:sldId id="258" r:id="rId5"/>
+    <p:sldId id="259" r:id="rId6"/>
+    <p:sldId id="260" r:id="rId7"/>
+    <p:sldId id="261" r:id="rId8"/>
+    <p:sldId id="264" r:id="rId9"/>
+    <p:sldId id="265" r:id="rId10"/>
+    <p:sldId id="267" r:id="rId11"/>
+    <p:sldId id="266" r:id="rId12"/>
+    <p:sldId id="263" r:id="rId13"/>
+    <p:sldId id="262" r:id="rId14"/>
+    <p:sldId id="269" r:id="rId15"/>
   </p:sldIdLst>
-  <p:sldSz cx="12192000" cy="6858000"/>
+  <p:sldSz cx="9144000" cy="6858000" type="screen4x3"/>
   <p:notesSz cx="6858000" cy="9144000"/>
   <p:defaultTextStyle>
     <a:defPPr>
@@ -226,8 +228,8 @@
         </p:nvSpPr>
         <p:spPr>
           <a:xfrm>
-            <a:off x="685800" y="1143000"/>
-            <a:ext cx="5486400" cy="3086100"/>
+            <a:off x="1371600" y="1143000"/>
+            <a:ext cx="4114800" cy="3086100"/>
           </a:xfrm>
           <a:prstGeom prst="rect">
             <a:avLst/>
@@ -503,7 +505,12 @@
             <p:ph type="sldImg"/>
           </p:nvPr>
         </p:nvSpPr>
-        <p:spPr/>
+        <p:spPr>
+          <a:xfrm>
+            <a:off x="1371600" y="1143000"/>
+            <a:ext cx="4114800" cy="3086100"/>
+          </a:xfrm>
+        </p:spPr>
       </p:sp>
       <p:sp>
         <p:nvSpPr>
@@ -560,9 +567,9 @@
 </p:notes>
 </file>
 
-<file path=ppt/slideLayouts/slideLayout1.xml><?xml version="1.0" encoding="utf-8"?>
-<p:sldLayout xmlns:a="http://schemas.openxmlformats.org/drawingml/2006/main" xmlns:r="http://schemas.openxmlformats.org/officeDocument/2006/relationships" xmlns:p="http://schemas.openxmlformats.org/presentationml/2006/main" showMasterSp="0" type="title" preserve="1">
-  <p:cSld name="Diapositive de titre">
+<file path=ppt/notesSlides/notesSlide2.xml><?xml version="1.0" encoding="utf-8"?>
+<p:notes xmlns:a="http://schemas.openxmlformats.org/drawingml/2006/main" xmlns:r="http://schemas.openxmlformats.org/officeDocument/2006/relationships" xmlns:p="http://schemas.openxmlformats.org/presentationml/2006/main">
+  <p:cSld>
     <p:spTree>
       <p:nvGrpSpPr>
         <p:cNvPr id="1" name=""/>
@@ -579,14 +586,194 @@
       </p:grpSpPr>
       <p:sp>
         <p:nvSpPr>
+          <p:cNvPr id="2" name="Slide Image Placeholder 1"/>
+          <p:cNvSpPr>
+            <a:spLocks noGrp="1" noRot="1" noChangeAspect="1"/>
+          </p:cNvSpPr>
+          <p:nvPr>
+            <p:ph type="sldImg"/>
+          </p:nvPr>
+        </p:nvSpPr>
+        <p:spPr/>
+      </p:sp>
+      <p:sp>
+        <p:nvSpPr>
+          <p:cNvPr id="3" name="Notes Placeholder 2"/>
+          <p:cNvSpPr>
+            <a:spLocks noGrp="1"/>
+          </p:cNvSpPr>
+          <p:nvPr>
+            <p:ph type="body" idx="1"/>
+          </p:nvPr>
+        </p:nvSpPr>
+        <p:spPr/>
+        <p:txBody>
+          <a:bodyPr/>
+          <a:lstStyle/>
+          <a:p>
+            <a:r>
+              <a:rPr lang="fr-FR" dirty="0" err="1" smtClean="0"/>
+              <a:t>ActionListener</a:t>
+            </a:r>
+            <a:endParaRPr lang="fr-FR" dirty="0"/>
+          </a:p>
+        </p:txBody>
+      </p:sp>
+      <p:sp>
+        <p:nvSpPr>
+          <p:cNvPr id="4" name="Slide Number Placeholder 3"/>
+          <p:cNvSpPr>
+            <a:spLocks noGrp="1"/>
+          </p:cNvSpPr>
+          <p:nvPr>
+            <p:ph type="sldNum" sz="quarter" idx="10"/>
+          </p:nvPr>
+        </p:nvSpPr>
+        <p:spPr/>
+        <p:txBody>
+          <a:bodyPr/>
+          <a:lstStyle/>
+          <a:p>
+            <a:fld id="{D869498B-7C11-4B4C-9229-E4995DF7015C}" type="slidenum">
+              <a:rPr lang="fr-FR" smtClean="0"/>
+              <a:t>3</a:t>
+            </a:fld>
+            <a:endParaRPr lang="fr-FR"/>
+          </a:p>
+        </p:txBody>
+      </p:sp>
+    </p:spTree>
+    <p:extLst>
+      <p:ext uri="{BB962C8B-B14F-4D97-AF65-F5344CB8AC3E}">
+        <p14:creationId xmlns:p14="http://schemas.microsoft.com/office/powerpoint/2010/main" val="863445617"/>
+      </p:ext>
+    </p:extLst>
+  </p:cSld>
+  <p:clrMapOvr>
+    <a:masterClrMapping/>
+  </p:clrMapOvr>
+</p:notes>
+</file>
+
+<file path=ppt/notesSlides/notesSlide3.xml><?xml version="1.0" encoding="utf-8"?>
+<p:notes xmlns:a="http://schemas.openxmlformats.org/drawingml/2006/main" xmlns:r="http://schemas.openxmlformats.org/officeDocument/2006/relationships" xmlns:p="http://schemas.openxmlformats.org/presentationml/2006/main">
+  <p:cSld>
+    <p:spTree>
+      <p:nvGrpSpPr>
+        <p:cNvPr id="1" name=""/>
+        <p:cNvGrpSpPr/>
+        <p:nvPr/>
+      </p:nvGrpSpPr>
+      <p:grpSpPr>
+        <a:xfrm>
+          <a:off x="0" y="0"/>
+          <a:ext cx="0" cy="0"/>
+          <a:chOff x="0" y="0"/>
+          <a:chExt cx="0" cy="0"/>
+        </a:xfrm>
+      </p:grpSpPr>
+      <p:sp>
+        <p:nvSpPr>
+          <p:cNvPr id="2" name="Slide Image Placeholder 1"/>
+          <p:cNvSpPr>
+            <a:spLocks noGrp="1" noRot="1" noChangeAspect="1"/>
+          </p:cNvSpPr>
+          <p:nvPr>
+            <p:ph type="sldImg"/>
+          </p:nvPr>
+        </p:nvSpPr>
+        <p:spPr/>
+      </p:sp>
+      <p:sp>
+        <p:nvSpPr>
+          <p:cNvPr id="3" name="Notes Placeholder 2"/>
+          <p:cNvSpPr>
+            <a:spLocks noGrp="1"/>
+          </p:cNvSpPr>
+          <p:nvPr>
+            <p:ph type="body" idx="1"/>
+          </p:nvPr>
+        </p:nvSpPr>
+        <p:spPr/>
+        <p:txBody>
+          <a:bodyPr/>
+          <a:lstStyle/>
+          <a:p>
+            <a:r>
+              <a:rPr lang="fr-FR" dirty="0" smtClean="0"/>
+              <a:t>Version pure</a:t>
+            </a:r>
+            <a:r>
+              <a:rPr lang="fr-FR" baseline="0" dirty="0" smtClean="0"/>
+              <a:t> / basique</a:t>
+            </a:r>
+            <a:endParaRPr lang="fr-FR" dirty="0"/>
+          </a:p>
+        </p:txBody>
+      </p:sp>
+      <p:sp>
+        <p:nvSpPr>
+          <p:cNvPr id="4" name="Slide Number Placeholder 3"/>
+          <p:cNvSpPr>
+            <a:spLocks noGrp="1"/>
+          </p:cNvSpPr>
+          <p:nvPr>
+            <p:ph type="sldNum" sz="quarter" idx="10"/>
+          </p:nvPr>
+        </p:nvSpPr>
+        <p:spPr/>
+        <p:txBody>
+          <a:bodyPr/>
+          <a:lstStyle/>
+          <a:p>
+            <a:fld id="{D869498B-7C11-4B4C-9229-E4995DF7015C}" type="slidenum">
+              <a:rPr lang="fr-FR" smtClean="0"/>
+              <a:t>4</a:t>
+            </a:fld>
+            <a:endParaRPr lang="fr-FR"/>
+          </a:p>
+        </p:txBody>
+      </p:sp>
+    </p:spTree>
+    <p:extLst>
+      <p:ext uri="{BB962C8B-B14F-4D97-AF65-F5344CB8AC3E}">
+        <p14:creationId xmlns:p14="http://schemas.microsoft.com/office/powerpoint/2010/main" val="531785927"/>
+      </p:ext>
+    </p:extLst>
+  </p:cSld>
+  <p:clrMapOvr>
+    <a:masterClrMapping/>
+  </p:clrMapOvr>
+</p:notes>
+</file>
+
+<file path=ppt/slideLayouts/slideLayout1.xml><?xml version="1.0" encoding="utf-8"?>
+<p:sldLayout xmlns:a="http://schemas.openxmlformats.org/drawingml/2006/main" xmlns:r="http://schemas.openxmlformats.org/officeDocument/2006/relationships" xmlns:p="http://schemas.openxmlformats.org/presentationml/2006/main" showMasterSp="0" type="title" preserve="1">
+  <p:cSld name="Title Slide">
+    <p:spTree>
+      <p:nvGrpSpPr>
+        <p:cNvPr id="1" name=""/>
+        <p:cNvGrpSpPr/>
+        <p:nvPr/>
+      </p:nvGrpSpPr>
+      <p:grpSpPr>
+        <a:xfrm>
+          <a:off x="0" y="0"/>
+          <a:ext cx="0" cy="0"/>
+          <a:chOff x="0" y="0"/>
+          <a:chExt cx="0" cy="0"/>
+        </a:xfrm>
+      </p:grpSpPr>
+      <p:sp>
+        <p:nvSpPr>
           <p:cNvPr id="7" name="Rectangle 6"/>
           <p:cNvSpPr/>
           <p:nvPr/>
         </p:nvSpPr>
         <p:spPr>
           <a:xfrm>
-            <a:off x="-6843" y="2059012"/>
-            <a:ext cx="12195668" cy="1828800"/>
+            <a:off x="-5132" y="2059012"/>
+            <a:ext cx="9146751" cy="1828800"/>
           </a:xfrm>
           <a:prstGeom prst="rect">
             <a:avLst/>
@@ -627,8 +814,8 @@
         </p:nvSpPr>
         <p:spPr>
           <a:xfrm>
-            <a:off x="365759" y="2166364"/>
-            <a:ext cx="11471565" cy="1739347"/>
+            <a:off x="274319" y="2166365"/>
+            <a:ext cx="8603674" cy="1739347"/>
           </a:xfrm>
         </p:spPr>
         <p:txBody>
@@ -640,13 +827,13 @@
               <a:lnSpc>
                 <a:spcPct val="80000"/>
               </a:lnSpc>
-              <a:defRPr sz="6000" spc="150" baseline="0"/>
+              <a:defRPr sz="6000" spc="0" baseline="0"/>
             </a:lvl1pPr>
           </a:lstStyle>
           <a:p>
             <a:r>
-              <a:rPr lang="fr-FR" smtClean="0"/>
-              <a:t>Modifiez le style du titre</a:t>
+              <a:rPr lang="en-US" smtClean="0"/>
+              <a:t>Click to edit Master title style</a:t>
             </a:r>
             <a:endParaRPr lang="en-US" dirty="0"/>
           </a:p>
@@ -664,8 +851,8 @@
         </p:nvSpPr>
         <p:spPr>
           <a:xfrm>
-            <a:off x="1524000" y="3996250"/>
-            <a:ext cx="9144000" cy="1309255"/>
+            <a:off x="1143000" y="3970315"/>
+            <a:ext cx="6858000" cy="1309255"/>
           </a:xfrm>
         </p:spPr>
         <p:txBody>
@@ -712,8 +899,8 @@
           </a:lstStyle>
           <a:p>
             <a:r>
-              <a:rPr lang="fr-FR" smtClean="0"/>
-              <a:t>Modifiez le style des sous-titres du masque</a:t>
+              <a:rPr lang="en-US" smtClean="0"/>
+              <a:t>Click to edit Master subtitle style</a:t>
             </a:r>
             <a:endParaRPr lang="en-US" dirty="0"/>
           </a:p>
@@ -734,7 +921,7 @@
           <a:bodyPr/>
           <a:lstStyle/>
           <a:p>
-            <a:fld id="{66418C40-4AF9-4CAD-816E-5C51AF2A0F80}" type="datetime1">
+            <a:fld id="{39072F28-69E3-4472-A1E0-78EC7FE8DDF2}" type="datetime1">
               <a:rPr lang="en-US" smtClean="0"/>
               <a:t>5/17/2016</a:t>
             </a:fld>
@@ -777,7 +964,8 @@
           <a:lstStyle/>
           <a:p>
             <a:fld id="{4FAB73BC-B049-4115-A692-8D63A059BFB8}" type="slidenum">
-              <a:rPr lang="en-US" dirty="0"/>
+              <a:rPr lang="en-US" smtClean="0"/>
+              <a:pPr/>
               <a:t>‹#›</a:t>
             </a:fld>
             <a:endParaRPr lang="en-US" dirty="0"/>
@@ -785,16 +973,22 @@
         </p:txBody>
       </p:sp>
     </p:spTree>
+    <p:extLst>
+      <p:ext uri="{BB962C8B-B14F-4D97-AF65-F5344CB8AC3E}">
+        <p14:creationId xmlns:p14="http://schemas.microsoft.com/office/powerpoint/2010/main" val="2469807013"/>
+      </p:ext>
+    </p:extLst>
   </p:cSld>
   <p:clrMapOvr>
     <a:masterClrMapping/>
   </p:clrMapOvr>
+  <p:hf hdr="0" ftr="0" dt="0"/>
 </p:sldLayout>
 </file>
 
 <file path=ppt/slideLayouts/slideLayout10.xml><?xml version="1.0" encoding="utf-8"?>
 <p:sldLayout xmlns:a="http://schemas.openxmlformats.org/drawingml/2006/main" xmlns:r="http://schemas.openxmlformats.org/officeDocument/2006/relationships" xmlns:p="http://schemas.openxmlformats.org/presentationml/2006/main" type="vertTx" preserve="1">
-  <p:cSld name="Titre et texte vertical">
+  <p:cSld name="Title and Vertical Text">
     <p:spTree>
       <p:nvGrpSpPr>
         <p:cNvPr id="1" name=""/>
@@ -825,8 +1019,8 @@
           <a:lstStyle/>
           <a:p>
             <a:r>
-              <a:rPr lang="fr-FR" smtClean="0"/>
-              <a:t>Modifiez le style du titre</a:t>
+              <a:rPr lang="en-US" smtClean="0"/>
+              <a:t>Click to edit Master title style</a:t>
             </a:r>
             <a:endParaRPr lang="en-US" dirty="0"/>
           </a:p>
@@ -849,36 +1043,36 @@
           <a:p>
             <a:pPr lvl="0"/>
             <a:r>
-              <a:rPr lang="fr-FR" smtClean="0"/>
-              <a:t>Modifiez les styles du texte du masque</a:t>
+              <a:rPr lang="en-US" smtClean="0"/>
+              <a:t>Click to edit Master text styles</a:t>
             </a:r>
           </a:p>
           <a:p>
             <a:pPr lvl="1"/>
             <a:r>
-              <a:rPr lang="fr-FR" smtClean="0"/>
-              <a:t>Deuxième niveau</a:t>
+              <a:rPr lang="en-US" smtClean="0"/>
+              <a:t>Second level</a:t>
             </a:r>
           </a:p>
           <a:p>
             <a:pPr lvl="2"/>
             <a:r>
-              <a:rPr lang="fr-FR" smtClean="0"/>
-              <a:t>Troisième niveau</a:t>
+              <a:rPr lang="en-US" smtClean="0"/>
+              <a:t>Third level</a:t>
             </a:r>
           </a:p>
           <a:p>
             <a:pPr lvl="3"/>
             <a:r>
-              <a:rPr lang="fr-FR" smtClean="0"/>
-              <a:t>Quatrième niveau</a:t>
+              <a:rPr lang="en-US" smtClean="0"/>
+              <a:t>Fourth level</a:t>
             </a:r>
           </a:p>
           <a:p>
             <a:pPr lvl="4"/>
             <a:r>
-              <a:rPr lang="fr-FR" smtClean="0"/>
-              <a:t>Cinquième niveau</a:t>
+              <a:rPr lang="en-US" smtClean="0"/>
+              <a:t>Fifth level</a:t>
             </a:r>
             <a:endParaRPr lang="en-US" dirty="0"/>
           </a:p>
@@ -899,7 +1093,7 @@
           <a:bodyPr/>
           <a:lstStyle/>
           <a:p>
-            <a:fld id="{7F6C7E03-7CCC-4FBD-A14B-47A86C6BAD68}" type="datetime1">
+            <a:fld id="{39072F28-69E3-4472-A1E0-78EC7FE8DDF2}" type="datetime1">
               <a:rPr lang="en-US" smtClean="0"/>
               <a:t>5/17/2016</a:t>
             </a:fld>
@@ -942,7 +1136,8 @@
           <a:lstStyle/>
           <a:p>
             <a:fld id="{4FAB73BC-B049-4115-A692-8D63A059BFB8}" type="slidenum">
-              <a:rPr lang="en-US" dirty="0"/>
+              <a:rPr lang="en-US" smtClean="0"/>
+              <a:pPr/>
               <a:t>‹#›</a:t>
             </a:fld>
             <a:endParaRPr lang="en-US" dirty="0"/>
@@ -950,16 +1145,22 @@
         </p:txBody>
       </p:sp>
     </p:spTree>
+    <p:extLst>
+      <p:ext uri="{BB962C8B-B14F-4D97-AF65-F5344CB8AC3E}">
+        <p14:creationId xmlns:p14="http://schemas.microsoft.com/office/powerpoint/2010/main" val="2139027582"/>
+      </p:ext>
+    </p:extLst>
   </p:cSld>
   <p:clrMapOvr>
     <a:masterClrMapping/>
   </p:clrMapOvr>
+  <p:hf hdr="0" ftr="0" dt="0"/>
 </p:sldLayout>
 </file>
 
 <file path=ppt/slideLayouts/slideLayout11.xml><?xml version="1.0" encoding="utf-8"?>
 <p:sldLayout xmlns:a="http://schemas.openxmlformats.org/drawingml/2006/main" xmlns:r="http://schemas.openxmlformats.org/officeDocument/2006/relationships" xmlns:p="http://schemas.openxmlformats.org/presentationml/2006/main" showMasterSp="0" type="vertTitleAndTx" preserve="1">
-  <p:cSld name="Titre vertical et texte">
+  <p:cSld name="Vertical Title and Text">
     <p:spTree>
       <p:nvGrpSpPr>
         <p:cNvPr id="1" name=""/>
@@ -982,8 +1183,8 @@
         </p:nvSpPr>
         <p:spPr>
           <a:xfrm>
-            <a:off x="9019312" y="0"/>
-            <a:ext cx="2743200" cy="6858000"/>
+            <a:off x="6764484" y="0"/>
+            <a:ext cx="2057400" cy="6858000"/>
           </a:xfrm>
           <a:prstGeom prst="rect">
             <a:avLst/>
@@ -1024,8 +1225,8 @@
         </p:nvSpPr>
         <p:spPr>
           <a:xfrm>
-            <a:off x="9160624" y="274638"/>
-            <a:ext cx="2402380" cy="5897562"/>
+            <a:off x="6870468" y="609600"/>
+            <a:ext cx="1801785" cy="5638800"/>
           </a:xfrm>
         </p:spPr>
         <p:txBody>
@@ -1033,8 +1234,8 @@
           <a:lstStyle/>
           <a:p>
             <a:r>
-              <a:rPr lang="fr-FR" smtClean="0"/>
-              <a:t>Modifiez le style du titre</a:t>
+              <a:rPr lang="en-US" smtClean="0"/>
+              <a:t>Click to edit Master title style</a:t>
             </a:r>
             <a:endParaRPr lang="en-US" dirty="0"/>
           </a:p>
@@ -1052,8 +1253,8 @@
         </p:nvSpPr>
         <p:spPr>
           <a:xfrm>
-            <a:off x="838199" y="274638"/>
-            <a:ext cx="7973291" cy="5897562"/>
+            <a:off x="628650" y="609600"/>
+            <a:ext cx="5979968" cy="5638800"/>
           </a:xfrm>
         </p:spPr>
         <p:txBody>
@@ -1062,36 +1263,36 @@
           <a:p>
             <a:pPr lvl="0"/>
             <a:r>
-              <a:rPr lang="fr-FR" smtClean="0"/>
-              <a:t>Modifiez les styles du texte du masque</a:t>
+              <a:rPr lang="en-US" smtClean="0"/>
+              <a:t>Click to edit Master text styles</a:t>
             </a:r>
           </a:p>
           <a:p>
             <a:pPr lvl="1"/>
             <a:r>
-              <a:rPr lang="fr-FR" smtClean="0"/>
-              <a:t>Deuxième niveau</a:t>
+              <a:rPr lang="en-US" smtClean="0"/>
+              <a:t>Second level</a:t>
             </a:r>
           </a:p>
           <a:p>
             <a:pPr lvl="2"/>
             <a:r>
-              <a:rPr lang="fr-FR" smtClean="0"/>
-              <a:t>Troisième niveau</a:t>
+              <a:rPr lang="en-US" smtClean="0"/>
+              <a:t>Third level</a:t>
             </a:r>
           </a:p>
           <a:p>
             <a:pPr lvl="3"/>
             <a:r>
-              <a:rPr lang="fr-FR" smtClean="0"/>
-              <a:t>Quatrième niveau</a:t>
+              <a:rPr lang="en-US" smtClean="0"/>
+              <a:t>Fourth level</a:t>
             </a:r>
           </a:p>
           <a:p>
             <a:pPr lvl="4"/>
             <a:r>
-              <a:rPr lang="fr-FR" smtClean="0"/>
-              <a:t>Cinquième niveau</a:t>
+              <a:rPr lang="en-US" smtClean="0"/>
+              <a:t>Fifth level</a:t>
             </a:r>
             <a:endParaRPr lang="en-US" dirty="0"/>
           </a:p>
@@ -1109,15 +1310,15 @@
         </p:nvSpPr>
         <p:spPr>
           <a:xfrm>
-            <a:off x="838200" y="6422854"/>
-            <a:ext cx="2743196" cy="365125"/>
+            <a:off x="628650" y="6422855"/>
+            <a:ext cx="2057397" cy="365125"/>
           </a:xfrm>
         </p:spPr>
         <p:txBody>
           <a:bodyPr/>
           <a:lstStyle/>
           <a:p>
-            <a:fld id="{F76F17C0-3801-42EE-8C11-31ED1280ACEC}" type="datetime1">
+            <a:fld id="{39072F28-69E3-4472-A1E0-78EC7FE8DDF2}" type="datetime1">
               <a:rPr lang="en-US" smtClean="0"/>
               <a:t>5/17/2016</a:t>
             </a:fld>
@@ -1137,8 +1338,8 @@
         </p:nvSpPr>
         <p:spPr>
           <a:xfrm>
-            <a:off x="3776135" y="6422854"/>
-            <a:ext cx="4279669" cy="365125"/>
+            <a:off x="2832102" y="6422855"/>
+            <a:ext cx="3209752" cy="365125"/>
           </a:xfrm>
         </p:spPr>
         <p:txBody>
@@ -1161,8 +1362,8 @@
         </p:nvSpPr>
         <p:spPr>
           <a:xfrm>
-            <a:off x="8073048" y="6422854"/>
-            <a:ext cx="879759" cy="365125"/>
+            <a:off x="6054787" y="6422855"/>
+            <a:ext cx="659819" cy="365125"/>
           </a:xfrm>
         </p:spPr>
         <p:txBody>
@@ -1170,7 +1371,8 @@
           <a:lstStyle/>
           <a:p>
             <a:fld id="{4FAB73BC-B049-4115-A692-8D63A059BFB8}" type="slidenum">
-              <a:rPr lang="en-US" dirty="0"/>
+              <a:rPr lang="en-US" smtClean="0"/>
+              <a:pPr/>
               <a:t>‹#›</a:t>
             </a:fld>
             <a:endParaRPr lang="en-US" dirty="0"/>
@@ -1178,16 +1380,22 @@
         </p:txBody>
       </p:sp>
     </p:spTree>
+    <p:extLst>
+      <p:ext uri="{BB962C8B-B14F-4D97-AF65-F5344CB8AC3E}">
+        <p14:creationId xmlns:p14="http://schemas.microsoft.com/office/powerpoint/2010/main" val="1767276597"/>
+      </p:ext>
+    </p:extLst>
   </p:cSld>
   <p:clrMapOvr>
     <a:masterClrMapping/>
   </p:clrMapOvr>
+  <p:hf hdr="0" ftr="0" dt="0"/>
 </p:sldLayout>
 </file>
 
 <file path=ppt/slideLayouts/slideLayout2.xml><?xml version="1.0" encoding="utf-8"?>
 <p:sldLayout xmlns:a="http://schemas.openxmlformats.org/drawingml/2006/main" xmlns:r="http://schemas.openxmlformats.org/officeDocument/2006/relationships" xmlns:p="http://schemas.openxmlformats.org/presentationml/2006/main" type="obj" preserve="1">
-  <p:cSld name="Titre et contenu">
+  <p:cSld name="Title and Content">
     <p:spTree>
       <p:nvGrpSpPr>
         <p:cNvPr id="1" name=""/>
@@ -1218,8 +1426,8 @@
           <a:lstStyle/>
           <a:p>
             <a:r>
-              <a:rPr lang="fr-FR" smtClean="0"/>
-              <a:t>Modifiez le style du titre</a:t>
+              <a:rPr lang="en-US" smtClean="0"/>
+              <a:t>Click to edit Master title style</a:t>
             </a:r>
             <a:endParaRPr lang="en-US" dirty="0"/>
           </a:p>
@@ -1242,36 +1450,36 @@
           <a:p>
             <a:pPr lvl="0"/>
             <a:r>
-              <a:rPr lang="fr-FR" smtClean="0"/>
-              <a:t>Modifiez les styles du texte du masque</a:t>
+              <a:rPr lang="en-US" smtClean="0"/>
+              <a:t>Click to edit Master text styles</a:t>
             </a:r>
           </a:p>
           <a:p>
             <a:pPr lvl="1"/>
             <a:r>
-              <a:rPr lang="fr-FR" smtClean="0"/>
-              <a:t>Deuxième niveau</a:t>
+              <a:rPr lang="en-US" smtClean="0"/>
+              <a:t>Second level</a:t>
             </a:r>
           </a:p>
           <a:p>
             <a:pPr lvl="2"/>
             <a:r>
-              <a:rPr lang="fr-FR" smtClean="0"/>
-              <a:t>Troisième niveau</a:t>
+              <a:rPr lang="en-US" smtClean="0"/>
+              <a:t>Third level</a:t>
             </a:r>
           </a:p>
           <a:p>
             <a:pPr lvl="3"/>
             <a:r>
-              <a:rPr lang="fr-FR" smtClean="0"/>
-              <a:t>Quatrième niveau</a:t>
+              <a:rPr lang="en-US" smtClean="0"/>
+              <a:t>Fourth level</a:t>
             </a:r>
           </a:p>
           <a:p>
             <a:pPr lvl="4"/>
             <a:r>
-              <a:rPr lang="fr-FR" smtClean="0"/>
-              <a:t>Cinquième niveau</a:t>
+              <a:rPr lang="en-US" smtClean="0"/>
+              <a:t>Fifth level</a:t>
             </a:r>
             <a:endParaRPr lang="en-US" dirty="0"/>
           </a:p>
@@ -1292,7 +1500,7 @@
           <a:bodyPr/>
           <a:lstStyle/>
           <a:p>
-            <a:fld id="{E8BC6CA9-CDD0-4AFD-BC80-3501E29B25C0}" type="datetime1">
+            <a:fld id="{39072F28-69E3-4472-A1E0-78EC7FE8DDF2}" type="datetime1">
               <a:rPr lang="en-US" smtClean="0"/>
               <a:t>5/17/2016</a:t>
             </a:fld>
@@ -1335,7 +1543,8 @@
           <a:lstStyle/>
           <a:p>
             <a:fld id="{4FAB73BC-B049-4115-A692-8D63A059BFB8}" type="slidenum">
-              <a:rPr lang="en-US" dirty="0"/>
+              <a:rPr lang="en-US" smtClean="0"/>
+              <a:pPr/>
               <a:t>‹#›</a:t>
             </a:fld>
             <a:endParaRPr lang="en-US" dirty="0"/>
@@ -1343,16 +1552,22 @@
         </p:txBody>
       </p:sp>
     </p:spTree>
+    <p:extLst>
+      <p:ext uri="{BB962C8B-B14F-4D97-AF65-F5344CB8AC3E}">
+        <p14:creationId xmlns:p14="http://schemas.microsoft.com/office/powerpoint/2010/main" val="2366068166"/>
+      </p:ext>
+    </p:extLst>
   </p:cSld>
   <p:clrMapOvr>
     <a:masterClrMapping/>
   </p:clrMapOvr>
+  <p:hf hdr="0" ftr="0" dt="0"/>
 </p:sldLayout>
 </file>
 
 <file path=ppt/slideLayouts/slideLayout3.xml><?xml version="1.0" encoding="utf-8"?>
 <p:sldLayout xmlns:a="http://schemas.openxmlformats.org/drawingml/2006/main" xmlns:r="http://schemas.openxmlformats.org/officeDocument/2006/relationships" xmlns:p="http://schemas.openxmlformats.org/presentationml/2006/main" showMasterSp="0" type="secHead" preserve="1">
-  <p:cSld name="Titre de section">
+  <p:cSld name="Section Header">
     <p:bg>
       <p:bgRef idx="1001">
         <a:schemeClr val="bg1"/>
@@ -1380,8 +1595,8 @@
         </p:nvSpPr>
         <p:spPr>
           <a:xfrm>
-            <a:off x="-6843" y="2059012"/>
-            <a:ext cx="12195668" cy="1828800"/>
+            <a:off x="-5132" y="2059012"/>
+            <a:ext cx="9146751" cy="1828800"/>
           </a:xfrm>
           <a:prstGeom prst="rect">
             <a:avLst/>
@@ -1422,8 +1637,8 @@
         </p:nvSpPr>
         <p:spPr>
           <a:xfrm>
-            <a:off x="833191" y="2208879"/>
-            <a:ext cx="10515600" cy="1676400"/>
+            <a:off x="624893" y="2208879"/>
+            <a:ext cx="7886700" cy="1676400"/>
           </a:xfrm>
         </p:spPr>
         <p:txBody>
@@ -1435,7 +1650,7 @@
               <a:lnSpc>
                 <a:spcPct val="80000"/>
               </a:lnSpc>
-              <a:defRPr sz="6000" b="0" spc="150" baseline="0">
+              <a:defRPr sz="6000" b="0" spc="0" baseline="0">
                 <a:solidFill>
                   <a:schemeClr val="bg1"/>
                 </a:solidFill>
@@ -1444,8 +1659,8 @@
           </a:lstStyle>
           <a:p>
             <a:r>
-              <a:rPr lang="fr-FR" smtClean="0"/>
-              <a:t>Modifiez le style du titre</a:t>
+              <a:rPr lang="en-US" smtClean="0"/>
+              <a:t>Click to edit Master title style</a:t>
             </a:r>
             <a:endParaRPr lang="en-US" dirty="0"/>
           </a:p>
@@ -1463,8 +1678,8 @@
         </p:nvSpPr>
         <p:spPr>
           <a:xfrm>
-            <a:off x="833191" y="4010334"/>
-            <a:ext cx="10515600" cy="1174639"/>
+            <a:off x="624893" y="3984400"/>
+            <a:ext cx="7886700" cy="1174639"/>
           </a:xfrm>
         </p:spPr>
         <p:txBody>
@@ -1564,8 +1779,8 @@
           <a:p>
             <a:pPr lvl="0"/>
             <a:r>
-              <a:rPr lang="fr-FR" smtClean="0"/>
-              <a:t>Modifiez les styles du texte du masque</a:t>
+              <a:rPr lang="en-US" smtClean="0"/>
+              <a:t>Click to edit Master text styles</a:t>
             </a:r>
           </a:p>
         </p:txBody>
@@ -1593,7 +1808,7 @@
             </a:lvl1pPr>
           </a:lstStyle>
           <a:p>
-            <a:fld id="{3F26EAFA-4AA4-4AE8-BDB1-CCFA53DB1572}" type="datetime1">
+            <a:fld id="{39072F28-69E3-4472-A1E0-78EC7FE8DDF2}" type="datetime1">
               <a:rPr lang="en-US" smtClean="0"/>
               <a:t>5/17/2016</a:t>
             </a:fld>
@@ -1652,7 +1867,7 @@
           </a:lstStyle>
           <a:p>
             <a:fld id="{4FAB73BC-B049-4115-A692-8D63A059BFB8}" type="slidenum">
-              <a:rPr lang="en-US" dirty="0"/>
+              <a:rPr lang="en-US" smtClean="0"/>
               <a:pPr/>
               <a:t>‹#›</a:t>
             </a:fld>
@@ -1661,16 +1876,22 @@
         </p:txBody>
       </p:sp>
     </p:spTree>
+    <p:extLst>
+      <p:ext uri="{BB962C8B-B14F-4D97-AF65-F5344CB8AC3E}">
+        <p14:creationId xmlns:p14="http://schemas.microsoft.com/office/powerpoint/2010/main" val="2943531910"/>
+      </p:ext>
+    </p:extLst>
   </p:cSld>
   <p:clrMapOvr>
     <a:overrideClrMapping bg1="lt1" tx1="dk1" bg2="lt2" tx2="dk2" accent1="accent1" accent2="accent2" accent3="accent3" accent4="accent4" accent5="accent5" accent6="accent6" hlink="hlink" folHlink="folHlink"/>
   </p:clrMapOvr>
+  <p:hf hdr="0" ftr="0" dt="0"/>
 </p:sldLayout>
 </file>
 
 <file path=ppt/slideLayouts/slideLayout4.xml><?xml version="1.0" encoding="utf-8"?>
 <p:sldLayout xmlns:a="http://schemas.openxmlformats.org/drawingml/2006/main" xmlns:r="http://schemas.openxmlformats.org/officeDocument/2006/relationships" xmlns:p="http://schemas.openxmlformats.org/presentationml/2006/main" type="twoObj" preserve="1">
-  <p:cSld name="Deux contenus">
+  <p:cSld name="Two Content">
     <p:spTree>
       <p:nvGrpSpPr>
         <p:cNvPr id="1" name=""/>
@@ -1701,8 +1922,8 @@
           <a:lstStyle/>
           <a:p>
             <a:r>
-              <a:rPr lang="fr-FR" smtClean="0"/>
-              <a:t>Modifiez le style du titre</a:t>
+              <a:rPr lang="en-US" smtClean="0"/>
+              <a:t>Click to edit Master title style</a:t>
             </a:r>
             <a:endParaRPr lang="en-US" dirty="0"/>
           </a:p>
@@ -1720,8 +1941,8 @@
         </p:nvSpPr>
         <p:spPr>
           <a:xfrm>
-            <a:off x="1205344" y="2011680"/>
-            <a:ext cx="4754880" cy="4206240"/>
+            <a:off x="685797" y="2011680"/>
+            <a:ext cx="3657600" cy="4206240"/>
           </a:xfrm>
         </p:spPr>
         <p:txBody>
@@ -1758,36 +1979,36 @@
           <a:p>
             <a:pPr lvl="0"/>
             <a:r>
-              <a:rPr lang="fr-FR" smtClean="0"/>
-              <a:t>Modifiez les styles du texte du masque</a:t>
+              <a:rPr lang="en-US" smtClean="0"/>
+              <a:t>Click to edit Master text styles</a:t>
             </a:r>
           </a:p>
           <a:p>
             <a:pPr lvl="1"/>
             <a:r>
-              <a:rPr lang="fr-FR" smtClean="0"/>
-              <a:t>Deuxième niveau</a:t>
+              <a:rPr lang="en-US" smtClean="0"/>
+              <a:t>Second level</a:t>
             </a:r>
           </a:p>
           <a:p>
             <a:pPr lvl="2"/>
             <a:r>
-              <a:rPr lang="fr-FR" smtClean="0"/>
-              <a:t>Troisième niveau</a:t>
+              <a:rPr lang="en-US" smtClean="0"/>
+              <a:t>Third level</a:t>
             </a:r>
           </a:p>
           <a:p>
             <a:pPr lvl="3"/>
             <a:r>
-              <a:rPr lang="fr-FR" smtClean="0"/>
-              <a:t>Quatrième niveau</a:t>
+              <a:rPr lang="en-US" smtClean="0"/>
+              <a:t>Fourth level</a:t>
             </a:r>
           </a:p>
           <a:p>
             <a:pPr lvl="4"/>
             <a:r>
-              <a:rPr lang="fr-FR" smtClean="0"/>
-              <a:t>Cinquième niveau</a:t>
+              <a:rPr lang="en-US" smtClean="0"/>
+              <a:t>Fifth level</a:t>
             </a:r>
             <a:endParaRPr lang="en-US" dirty="0"/>
           </a:p>
@@ -1805,8 +2026,8 @@
         </p:nvSpPr>
         <p:spPr>
           <a:xfrm>
-            <a:off x="6230391" y="2011680"/>
-            <a:ext cx="4754880" cy="4206240"/>
+            <a:off x="4800600" y="2011680"/>
+            <a:ext cx="3657600" cy="4206240"/>
           </a:xfrm>
         </p:spPr>
         <p:txBody>
@@ -1843,36 +2064,36 @@
           <a:p>
             <a:pPr lvl="0"/>
             <a:r>
-              <a:rPr lang="fr-FR" smtClean="0"/>
-              <a:t>Modifiez les styles du texte du masque</a:t>
+              <a:rPr lang="en-US" smtClean="0"/>
+              <a:t>Click to edit Master text styles</a:t>
             </a:r>
           </a:p>
           <a:p>
             <a:pPr lvl="1"/>
             <a:r>
-              <a:rPr lang="fr-FR" smtClean="0"/>
-              <a:t>Deuxième niveau</a:t>
+              <a:rPr lang="en-US" smtClean="0"/>
+              <a:t>Second level</a:t>
             </a:r>
           </a:p>
           <a:p>
             <a:pPr lvl="2"/>
             <a:r>
-              <a:rPr lang="fr-FR" smtClean="0"/>
-              <a:t>Troisième niveau</a:t>
+              <a:rPr lang="en-US" smtClean="0"/>
+              <a:t>Third level</a:t>
             </a:r>
           </a:p>
           <a:p>
             <a:pPr lvl="3"/>
             <a:r>
-              <a:rPr lang="fr-FR" smtClean="0"/>
-              <a:t>Quatrième niveau</a:t>
+              <a:rPr lang="en-US" smtClean="0"/>
+              <a:t>Fourth level</a:t>
             </a:r>
           </a:p>
           <a:p>
             <a:pPr lvl="4"/>
             <a:r>
-              <a:rPr lang="fr-FR" smtClean="0"/>
-              <a:t>Cinquième niveau</a:t>
+              <a:rPr lang="en-US" smtClean="0"/>
+              <a:t>Fifth level</a:t>
             </a:r>
             <a:endParaRPr lang="en-US" dirty="0"/>
           </a:p>
@@ -1893,7 +2114,7 @@
           <a:bodyPr/>
           <a:lstStyle/>
           <a:p>
-            <a:fld id="{663EF84F-7EDF-4ABC-A05B-26B9DC28BF55}" type="datetime1">
+            <a:fld id="{39072F28-69E3-4472-A1E0-78EC7FE8DDF2}" type="datetime1">
               <a:rPr lang="en-US" smtClean="0"/>
               <a:t>5/17/2016</a:t>
             </a:fld>
@@ -1936,7 +2157,8 @@
           <a:lstStyle/>
           <a:p>
             <a:fld id="{4FAB73BC-B049-4115-A692-8D63A059BFB8}" type="slidenum">
-              <a:rPr lang="en-US" dirty="0"/>
+              <a:rPr lang="en-US" smtClean="0"/>
+              <a:pPr/>
               <a:t>‹#›</a:t>
             </a:fld>
             <a:endParaRPr lang="en-US" dirty="0"/>
@@ -1944,16 +2166,22 @@
         </p:txBody>
       </p:sp>
     </p:spTree>
+    <p:extLst>
+      <p:ext uri="{BB962C8B-B14F-4D97-AF65-F5344CB8AC3E}">
+        <p14:creationId xmlns:p14="http://schemas.microsoft.com/office/powerpoint/2010/main" val="1138300940"/>
+      </p:ext>
+    </p:extLst>
   </p:cSld>
   <p:clrMapOvr>
     <a:masterClrMapping/>
   </p:clrMapOvr>
+  <p:hf hdr="0" ftr="0" dt="0"/>
 </p:sldLayout>
 </file>
 
 <file path=ppt/slideLayouts/slideLayout5.xml><?xml version="1.0" encoding="utf-8"?>
 <p:sldLayout xmlns:a="http://schemas.openxmlformats.org/drawingml/2006/main" xmlns:r="http://schemas.openxmlformats.org/officeDocument/2006/relationships" xmlns:p="http://schemas.openxmlformats.org/presentationml/2006/main" type="twoTxTwoObj" preserve="1">
-  <p:cSld name="Comparaison">
+  <p:cSld name="Comparison">
     <p:spTree>
       <p:nvGrpSpPr>
         <p:cNvPr id="1" name=""/>
@@ -1984,8 +2212,8 @@
           <a:lstStyle/>
           <a:p>
             <a:r>
-              <a:rPr lang="fr-FR" smtClean="0"/>
-              <a:t>Modifiez le style du titre</a:t>
+              <a:rPr lang="en-US" smtClean="0"/>
+              <a:t>Click to edit Master title style</a:t>
             </a:r>
             <a:endParaRPr lang="en-US" dirty="0"/>
           </a:p>
@@ -2003,8 +2231,8 @@
         </p:nvSpPr>
         <p:spPr>
           <a:xfrm>
-            <a:off x="1207008" y="1913470"/>
-            <a:ext cx="4754880" cy="743094"/>
+            <a:off x="685800" y="1913470"/>
+            <a:ext cx="3657600" cy="743094"/>
           </a:xfrm>
         </p:spPr>
         <p:txBody>
@@ -2014,7 +2242,7 @@
           <a:lstStyle>
             <a:lvl1pPr marL="0" indent="0">
               <a:buNone/>
-              <a:defRPr sz="2100" b="1"/>
+              <a:defRPr sz="2000" b="1"/>
             </a:lvl1pPr>
             <a:lvl2pPr marL="457200" indent="0">
               <a:buNone/>
@@ -2052,8 +2280,8 @@
           <a:p>
             <a:pPr lvl="0"/>
             <a:r>
-              <a:rPr lang="fr-FR" smtClean="0"/>
-              <a:t>Modifiez les styles du texte du masque</a:t>
+              <a:rPr lang="en-US" smtClean="0"/>
+              <a:t>Click to edit Master text styles</a:t>
             </a:r>
           </a:p>
         </p:txBody>
@@ -2070,8 +2298,8 @@
         </p:nvSpPr>
         <p:spPr>
           <a:xfrm>
-            <a:off x="1207008" y="2656566"/>
-            <a:ext cx="4754880" cy="3566160"/>
+            <a:off x="685800" y="2656566"/>
+            <a:ext cx="3657600" cy="3566160"/>
           </a:xfrm>
         </p:spPr>
         <p:txBody>
@@ -2108,36 +2336,36 @@
           <a:p>
             <a:pPr lvl="0"/>
             <a:r>
-              <a:rPr lang="fr-FR" smtClean="0"/>
-              <a:t>Modifiez les styles du texte du masque</a:t>
+              <a:rPr lang="en-US" smtClean="0"/>
+              <a:t>Click to edit Master text styles</a:t>
             </a:r>
           </a:p>
           <a:p>
             <a:pPr lvl="1"/>
             <a:r>
-              <a:rPr lang="fr-FR" smtClean="0"/>
-              <a:t>Deuxième niveau</a:t>
+              <a:rPr lang="en-US" smtClean="0"/>
+              <a:t>Second level</a:t>
             </a:r>
           </a:p>
           <a:p>
             <a:pPr lvl="2"/>
             <a:r>
-              <a:rPr lang="fr-FR" smtClean="0"/>
-              <a:t>Troisième niveau</a:t>
+              <a:rPr lang="en-US" smtClean="0"/>
+              <a:t>Third level</a:t>
             </a:r>
           </a:p>
           <a:p>
             <a:pPr lvl="3"/>
             <a:r>
-              <a:rPr lang="fr-FR" smtClean="0"/>
-              <a:t>Quatrième niveau</a:t>
+              <a:rPr lang="en-US" smtClean="0"/>
+              <a:t>Fourth level</a:t>
             </a:r>
           </a:p>
           <a:p>
             <a:pPr lvl="4"/>
             <a:r>
-              <a:rPr lang="fr-FR" smtClean="0"/>
-              <a:t>Cinquième niveau</a:t>
+              <a:rPr lang="en-US" smtClean="0"/>
+              <a:t>Fifth level</a:t>
             </a:r>
             <a:endParaRPr lang="en-US" dirty="0"/>
           </a:p>
@@ -2155,8 +2383,8 @@
         </p:nvSpPr>
         <p:spPr>
           <a:xfrm>
-            <a:off x="6231230" y="1913470"/>
-            <a:ext cx="4754880" cy="743094"/>
+            <a:off x="4800428" y="1913470"/>
+            <a:ext cx="3657600" cy="743094"/>
           </a:xfrm>
         </p:spPr>
         <p:txBody>
@@ -2166,7 +2394,7 @@
           <a:lstStyle>
             <a:lvl1pPr marL="0" indent="0">
               <a:buNone/>
-              <a:defRPr sz="2100" b="1"/>
+              <a:defRPr sz="2000" b="1"/>
             </a:lvl1pPr>
             <a:lvl2pPr marL="457200" indent="0">
               <a:buNone/>
@@ -2204,8 +2432,8 @@
           <a:p>
             <a:pPr lvl="0"/>
             <a:r>
-              <a:rPr lang="fr-FR" smtClean="0"/>
-              <a:t>Modifiez les styles du texte du masque</a:t>
+              <a:rPr lang="en-US" smtClean="0"/>
+              <a:t>Click to edit Master text styles</a:t>
             </a:r>
           </a:p>
         </p:txBody>
@@ -2222,8 +2450,8 @@
         </p:nvSpPr>
         <p:spPr>
           <a:xfrm>
-            <a:off x="6231230" y="2656564"/>
-            <a:ext cx="4754880" cy="3566160"/>
+            <a:off x="4800428" y="2656564"/>
+            <a:ext cx="3657600" cy="3566160"/>
           </a:xfrm>
         </p:spPr>
         <p:txBody>
@@ -2260,36 +2488,36 @@
           <a:p>
             <a:pPr lvl="0"/>
             <a:r>
-              <a:rPr lang="fr-FR" smtClean="0"/>
-              <a:t>Modifiez les styles du texte du masque</a:t>
+              <a:rPr lang="en-US" smtClean="0"/>
+              <a:t>Click to edit Master text styles</a:t>
             </a:r>
           </a:p>
           <a:p>
             <a:pPr lvl="1"/>
             <a:r>
-              <a:rPr lang="fr-FR" smtClean="0"/>
-              <a:t>Deuxième niveau</a:t>
+              <a:rPr lang="en-US" smtClean="0"/>
+              <a:t>Second level</a:t>
             </a:r>
           </a:p>
           <a:p>
             <a:pPr lvl="2"/>
             <a:r>
-              <a:rPr lang="fr-FR" smtClean="0"/>
-              <a:t>Troisième niveau</a:t>
+              <a:rPr lang="en-US" smtClean="0"/>
+              <a:t>Third level</a:t>
             </a:r>
           </a:p>
           <a:p>
             <a:pPr lvl="3"/>
             <a:r>
-              <a:rPr lang="fr-FR" smtClean="0"/>
-              <a:t>Quatrième niveau</a:t>
+              <a:rPr lang="en-US" smtClean="0"/>
+              <a:t>Fourth level</a:t>
             </a:r>
           </a:p>
           <a:p>
             <a:pPr lvl="4"/>
             <a:r>
-              <a:rPr lang="fr-FR" smtClean="0"/>
-              <a:t>Cinquième niveau</a:t>
+              <a:rPr lang="en-US" smtClean="0"/>
+              <a:t>Fifth level</a:t>
             </a:r>
             <a:endParaRPr lang="en-US" dirty="0"/>
           </a:p>
@@ -2310,7 +2538,7 @@
           <a:bodyPr/>
           <a:lstStyle/>
           <a:p>
-            <a:fld id="{171949A6-A7F4-480B-B01D-E04C81BC74C6}" type="datetime1">
+            <a:fld id="{39072F28-69E3-4472-A1E0-78EC7FE8DDF2}" type="datetime1">
               <a:rPr lang="en-US" smtClean="0"/>
               <a:t>5/17/2016</a:t>
             </a:fld>
@@ -2353,7 +2581,8 @@
           <a:lstStyle/>
           <a:p>
             <a:fld id="{4FAB73BC-B049-4115-A692-8D63A059BFB8}" type="slidenum">
-              <a:rPr lang="en-US" dirty="0"/>
+              <a:rPr lang="en-US" smtClean="0"/>
+              <a:pPr/>
               <a:t>‹#›</a:t>
             </a:fld>
             <a:endParaRPr lang="en-US" dirty="0"/>
@@ -2361,16 +2590,22 @@
         </p:txBody>
       </p:sp>
     </p:spTree>
+    <p:extLst>
+      <p:ext uri="{BB962C8B-B14F-4D97-AF65-F5344CB8AC3E}">
+        <p14:creationId xmlns:p14="http://schemas.microsoft.com/office/powerpoint/2010/main" val="529127244"/>
+      </p:ext>
+    </p:extLst>
   </p:cSld>
   <p:clrMapOvr>
     <a:masterClrMapping/>
   </p:clrMapOvr>
+  <p:hf hdr="0" ftr="0" dt="0"/>
 </p:sldLayout>
 </file>
 
 <file path=ppt/slideLayouts/slideLayout6.xml><?xml version="1.0" encoding="utf-8"?>
 <p:sldLayout xmlns:a="http://schemas.openxmlformats.org/drawingml/2006/main" xmlns:r="http://schemas.openxmlformats.org/officeDocument/2006/relationships" xmlns:p="http://schemas.openxmlformats.org/presentationml/2006/main" type="titleOnly" preserve="1">
-  <p:cSld name="Titre seul">
+  <p:cSld name="Title Only">
     <p:spTree>
       <p:nvGrpSpPr>
         <p:cNvPr id="1" name=""/>
@@ -2401,8 +2636,8 @@
           <a:lstStyle/>
           <a:p>
             <a:r>
-              <a:rPr lang="fr-FR" smtClean="0"/>
-              <a:t>Modifiez le style du titre</a:t>
+              <a:rPr lang="en-US" smtClean="0"/>
+              <a:t>Click to edit Master title style</a:t>
             </a:r>
             <a:endParaRPr lang="en-US" dirty="0"/>
           </a:p>
@@ -2423,7 +2658,7 @@
           <a:bodyPr/>
           <a:lstStyle/>
           <a:p>
-            <a:fld id="{9933DC3B-C7BC-4FAA-88AD-D7FDF3E5AB96}" type="datetime1">
+            <a:fld id="{39072F28-69E3-4472-A1E0-78EC7FE8DDF2}" type="datetime1">
               <a:rPr lang="en-US" smtClean="0"/>
               <a:t>5/17/2016</a:t>
             </a:fld>
@@ -2466,7 +2701,8 @@
           <a:lstStyle/>
           <a:p>
             <a:fld id="{4FAB73BC-B049-4115-A692-8D63A059BFB8}" type="slidenum">
-              <a:rPr lang="en-US" dirty="0"/>
+              <a:rPr lang="en-US" smtClean="0"/>
+              <a:pPr/>
               <a:t>‹#›</a:t>
             </a:fld>
             <a:endParaRPr lang="en-US" dirty="0"/>
@@ -2474,16 +2710,22 @@
         </p:txBody>
       </p:sp>
     </p:spTree>
+    <p:extLst>
+      <p:ext uri="{BB962C8B-B14F-4D97-AF65-F5344CB8AC3E}">
+        <p14:creationId xmlns:p14="http://schemas.microsoft.com/office/powerpoint/2010/main" val="1145469213"/>
+      </p:ext>
+    </p:extLst>
   </p:cSld>
   <p:clrMapOvr>
     <a:masterClrMapping/>
   </p:clrMapOvr>
+  <p:hf hdr="0" ftr="0" dt="0"/>
 </p:sldLayout>
 </file>
 
 <file path=ppt/slideLayouts/slideLayout7.xml><?xml version="1.0" encoding="utf-8"?>
 <p:sldLayout xmlns:a="http://schemas.openxmlformats.org/drawingml/2006/main" xmlns:r="http://schemas.openxmlformats.org/officeDocument/2006/relationships" xmlns:p="http://schemas.openxmlformats.org/presentationml/2006/main" showMasterSp="0" type="blank" preserve="1">
-  <p:cSld name="Vide">
+  <p:cSld name="Blank">
     <p:spTree>
       <p:nvGrpSpPr>
         <p:cNvPr id="1" name=""/>
@@ -2513,7 +2755,7 @@
           <a:bodyPr/>
           <a:lstStyle/>
           <a:p>
-            <a:fld id="{BAD1E911-8EA3-4BE4-8F83-97E49710B943}" type="datetime1">
+            <a:fld id="{39072F28-69E3-4472-A1E0-78EC7FE8DDF2}" type="datetime1">
               <a:rPr lang="en-US" smtClean="0"/>
               <a:t>5/17/2016</a:t>
             </a:fld>
@@ -2556,7 +2798,8 @@
           <a:lstStyle/>
           <a:p>
             <a:fld id="{4FAB73BC-B049-4115-A692-8D63A059BFB8}" type="slidenum">
-              <a:rPr lang="en-US" dirty="0"/>
+              <a:rPr lang="en-US" smtClean="0"/>
+              <a:pPr/>
               <a:t>‹#›</a:t>
             </a:fld>
             <a:endParaRPr lang="en-US" dirty="0"/>
@@ -2564,16 +2807,22 @@
         </p:txBody>
       </p:sp>
     </p:spTree>
+    <p:extLst>
+      <p:ext uri="{BB962C8B-B14F-4D97-AF65-F5344CB8AC3E}">
+        <p14:creationId xmlns:p14="http://schemas.microsoft.com/office/powerpoint/2010/main" val="3323947473"/>
+      </p:ext>
+    </p:extLst>
   </p:cSld>
   <p:clrMapOvr>
     <a:masterClrMapping/>
   </p:clrMapOvr>
+  <p:hf hdr="0" ftr="0" dt="0"/>
 </p:sldLayout>
 </file>
 
 <file path=ppt/slideLayouts/slideLayout8.xml><?xml version="1.0" encoding="utf-8"?>
 <p:sldLayout xmlns:a="http://schemas.openxmlformats.org/drawingml/2006/main" xmlns:r="http://schemas.openxmlformats.org/officeDocument/2006/relationships" xmlns:p="http://schemas.openxmlformats.org/presentationml/2006/main" type="objTx" preserve="1">
-  <p:cSld name="Contenu avec légende">
+  <p:cSld name="Content with Caption">
     <p:spTree>
       <p:nvGrpSpPr>
         <p:cNvPr id="1" name=""/>
@@ -2604,8 +2853,8 @@
           <a:lstStyle/>
           <a:p>
             <a:r>
-              <a:rPr lang="fr-FR" smtClean="0"/>
-              <a:t>Modifiez le style du titre</a:t>
+              <a:rPr lang="en-US" smtClean="0"/>
+              <a:t>Click to edit Master title style</a:t>
             </a:r>
             <a:endParaRPr lang="en-US" dirty="0"/>
           </a:p>
@@ -2623,74 +2872,74 @@
         </p:nvSpPr>
         <p:spPr>
           <a:xfrm>
-            <a:off x="1207008" y="2120054"/>
-            <a:ext cx="6126480" cy="4114800"/>
+            <a:off x="685800" y="2148840"/>
+            <a:ext cx="4572000" cy="3840480"/>
           </a:xfrm>
         </p:spPr>
         <p:txBody>
           <a:bodyPr/>
           <a:lstStyle>
             <a:lvl1pPr>
-              <a:defRPr sz="3200"/>
+              <a:defRPr sz="2200"/>
             </a:lvl1pPr>
             <a:lvl2pPr>
-              <a:defRPr sz="2800"/>
+              <a:defRPr sz="2000"/>
             </a:lvl2pPr>
             <a:lvl3pPr>
-              <a:defRPr sz="2400"/>
+              <a:defRPr sz="1800"/>
             </a:lvl3pPr>
             <a:lvl4pPr>
-              <a:defRPr sz="2000"/>
+              <a:defRPr sz="1600"/>
             </a:lvl4pPr>
             <a:lvl5pPr>
-              <a:defRPr sz="2000"/>
+              <a:defRPr sz="1600"/>
             </a:lvl5pPr>
             <a:lvl6pPr>
-              <a:defRPr sz="2000"/>
+              <a:defRPr sz="1600"/>
             </a:lvl6pPr>
             <a:lvl7pPr>
-              <a:defRPr sz="2000"/>
+              <a:defRPr sz="1600"/>
             </a:lvl7pPr>
             <a:lvl8pPr>
-              <a:defRPr sz="2000"/>
+              <a:defRPr sz="1600"/>
             </a:lvl8pPr>
             <a:lvl9pPr>
-              <a:defRPr sz="2000"/>
+              <a:defRPr sz="1600"/>
             </a:lvl9pPr>
           </a:lstStyle>
           <a:p>
             <a:pPr lvl="0"/>
             <a:r>
-              <a:rPr lang="fr-FR" smtClean="0"/>
-              <a:t>Modifiez les styles du texte du masque</a:t>
+              <a:rPr lang="en-US" smtClean="0"/>
+              <a:t>Click to edit Master text styles</a:t>
             </a:r>
           </a:p>
           <a:p>
             <a:pPr lvl="1"/>
             <a:r>
-              <a:rPr lang="fr-FR" smtClean="0"/>
-              <a:t>Deuxième niveau</a:t>
+              <a:rPr lang="en-US" smtClean="0"/>
+              <a:t>Second level</a:t>
             </a:r>
           </a:p>
           <a:p>
             <a:pPr lvl="2"/>
             <a:r>
-              <a:rPr lang="fr-FR" smtClean="0"/>
-              <a:t>Troisième niveau</a:t>
+              <a:rPr lang="en-US" smtClean="0"/>
+              <a:t>Third level</a:t>
             </a:r>
           </a:p>
           <a:p>
             <a:pPr lvl="3"/>
             <a:r>
-              <a:rPr lang="fr-FR" smtClean="0"/>
-              <a:t>Quatrième niveau</a:t>
+              <a:rPr lang="en-US" smtClean="0"/>
+              <a:t>Fourth level</a:t>
             </a:r>
           </a:p>
           <a:p>
             <a:pPr lvl="4"/>
             <a:r>
-              <a:rPr lang="fr-FR" smtClean="0"/>
-              <a:t>Cinquième niveau</a:t>
+              <a:rPr lang="en-US" smtClean="0"/>
+              <a:t>Fifth level</a:t>
             </a:r>
             <a:endParaRPr lang="en-US" dirty="0"/>
           </a:p>
@@ -2708,8 +2957,8 @@
         </p:nvSpPr>
         <p:spPr>
           <a:xfrm>
-            <a:off x="7789023" y="2147486"/>
-            <a:ext cx="3200400" cy="3432319"/>
+            <a:off x="5892568" y="2147487"/>
+            <a:ext cx="2560320" cy="3432319"/>
           </a:xfrm>
         </p:spPr>
         <p:txBody>
@@ -2722,7 +2971,7 @@
                 <a:spcPct val="95000"/>
               </a:lnSpc>
               <a:buNone/>
-              <a:defRPr sz="1800"/>
+              <a:defRPr sz="1700"/>
             </a:lvl1pPr>
             <a:lvl2pPr marL="457200" indent="0">
               <a:buNone/>
@@ -2760,8 +3009,8 @@
           <a:p>
             <a:pPr lvl="0"/>
             <a:r>
-              <a:rPr lang="fr-FR" smtClean="0"/>
-              <a:t>Modifiez les styles du texte du masque</a:t>
+              <a:rPr lang="en-US" smtClean="0"/>
+              <a:t>Click to edit Master text styles</a:t>
             </a:r>
           </a:p>
         </p:txBody>
@@ -2781,7 +3030,7 @@
           <a:bodyPr/>
           <a:lstStyle/>
           <a:p>
-            <a:fld id="{DCB41303-3E44-4B4D-B09A-59D8F7C295B9}" type="datetime1">
+            <a:fld id="{39072F28-69E3-4472-A1E0-78EC7FE8DDF2}" type="datetime1">
               <a:rPr lang="en-US" smtClean="0"/>
               <a:t>5/17/2016</a:t>
             </a:fld>
@@ -2824,7 +3073,8 @@
           <a:lstStyle/>
           <a:p>
             <a:fld id="{4FAB73BC-B049-4115-A692-8D63A059BFB8}" type="slidenum">
-              <a:rPr lang="en-US" dirty="0"/>
+              <a:rPr lang="en-US" smtClean="0"/>
+              <a:pPr/>
               <a:t>‹#›</a:t>
             </a:fld>
             <a:endParaRPr lang="en-US" dirty="0"/>
@@ -2832,16 +3082,22 @@
         </p:txBody>
       </p:sp>
     </p:spTree>
+    <p:extLst>
+      <p:ext uri="{BB962C8B-B14F-4D97-AF65-F5344CB8AC3E}">
+        <p14:creationId xmlns:p14="http://schemas.microsoft.com/office/powerpoint/2010/main" val="3508798992"/>
+      </p:ext>
+    </p:extLst>
   </p:cSld>
   <p:clrMapOvr>
     <a:masterClrMapping/>
   </p:clrMapOvr>
+  <p:hf hdr="0" ftr="0" dt="0"/>
 </p:sldLayout>
 </file>
 
 <file path=ppt/slideLayouts/slideLayout9.xml><?xml version="1.0" encoding="utf-8"?>
 <p:sldLayout xmlns:a="http://schemas.openxmlformats.org/drawingml/2006/main" xmlns:r="http://schemas.openxmlformats.org/officeDocument/2006/relationships" xmlns:p="http://schemas.openxmlformats.org/presentationml/2006/main" type="picTx" preserve="1">
-  <p:cSld name="Image avec légende">
+  <p:cSld name="Picture with Caption">
     <p:spTree>
       <p:nvGrpSpPr>
         <p:cNvPr id="1" name=""/>
@@ -2872,8 +3128,8 @@
           <a:lstStyle/>
           <a:p>
             <a:r>
-              <a:rPr lang="fr-FR" smtClean="0"/>
-              <a:t>Modifiez le style du titre</a:t>
+              <a:rPr lang="en-US" smtClean="0"/>
+              <a:t>Click to edit Master title style</a:t>
             </a:r>
             <a:endParaRPr lang="en-US" dirty="0"/>
           </a:p>
@@ -2891,8 +3147,8 @@
         </p:nvSpPr>
         <p:spPr>
           <a:xfrm>
-            <a:off x="1280160" y="2211494"/>
-            <a:ext cx="6126480" cy="3931920"/>
+            <a:off x="685800" y="2211494"/>
+            <a:ext cx="4754880" cy="3840480"/>
           </a:xfrm>
           <a:solidFill>
             <a:schemeClr val="tx2">
@@ -2949,8 +3205,8 @@
           </a:lstStyle>
           <a:p>
             <a:r>
-              <a:rPr lang="fr-FR" smtClean="0"/>
-              <a:t>Cliquez sur l'icône pour ajouter une image</a:t>
+              <a:rPr lang="en-US" smtClean="0"/>
+              <a:t>Click icon to add picture</a:t>
             </a:r>
             <a:endParaRPr lang="en-US" dirty="0"/>
           </a:p>
@@ -2968,8 +3224,8 @@
         </p:nvSpPr>
         <p:spPr>
           <a:xfrm>
-            <a:off x="7790688" y="2150621"/>
-            <a:ext cx="3200400" cy="3429000"/>
+            <a:off x="5885351" y="2150621"/>
+            <a:ext cx="2560320" cy="3429000"/>
           </a:xfrm>
         </p:spPr>
         <p:txBody>
@@ -2982,7 +3238,7 @@
                 <a:spcPct val="95000"/>
               </a:lnSpc>
               <a:buNone/>
-              <a:defRPr sz="1800"/>
+              <a:defRPr sz="1700"/>
             </a:lvl1pPr>
             <a:lvl2pPr marL="457200" indent="0">
               <a:buNone/>
@@ -3020,8 +3276,8 @@
           <a:p>
             <a:pPr lvl="0"/>
             <a:r>
-              <a:rPr lang="fr-FR" smtClean="0"/>
-              <a:t>Modifiez les styles du texte du masque</a:t>
+              <a:rPr lang="en-US" smtClean="0"/>
+              <a:t>Click to edit Master text styles</a:t>
             </a:r>
           </a:p>
         </p:txBody>
@@ -3041,7 +3297,7 @@
           <a:bodyPr/>
           <a:lstStyle/>
           <a:p>
-            <a:fld id="{2AFE4F53-73D4-4CD6-9C71-E2BCC4701EEB}" type="datetime1">
+            <a:fld id="{39072F28-69E3-4472-A1E0-78EC7FE8DDF2}" type="datetime1">
               <a:rPr lang="en-US" smtClean="0"/>
               <a:t>5/17/2016</a:t>
             </a:fld>
@@ -3084,7 +3340,8 @@
           <a:lstStyle/>
           <a:p>
             <a:fld id="{4FAB73BC-B049-4115-A692-8D63A059BFB8}" type="slidenum">
-              <a:rPr lang="en-US" dirty="0"/>
+              <a:rPr lang="en-US" smtClean="0"/>
+              <a:pPr/>
               <a:t>‹#›</a:t>
             </a:fld>
             <a:endParaRPr lang="en-US" dirty="0"/>
@@ -3092,10 +3349,16 @@
         </p:txBody>
       </p:sp>
     </p:spTree>
+    <p:extLst>
+      <p:ext uri="{BB962C8B-B14F-4D97-AF65-F5344CB8AC3E}">
+        <p14:creationId xmlns:p14="http://schemas.microsoft.com/office/powerpoint/2010/main" val="4292102149"/>
+      </p:ext>
+    </p:extLst>
   </p:cSld>
   <p:clrMapOvr>
     <a:masterClrMapping/>
   </p:clrMapOvr>
+  <p:hf hdr="0" ftr="0" dt="0"/>
 </p:sldLayout>
 </file>
 
@@ -3129,8 +3392,8 @@
         </p:nvSpPr>
         <p:spPr>
           <a:xfrm>
-            <a:off x="483" y="176109"/>
-            <a:ext cx="12188952" cy="1645919"/>
+            <a:off x="362" y="176109"/>
+            <a:ext cx="9141714" cy="1645919"/>
           </a:xfrm>
           <a:prstGeom prst="rect">
             <a:avLst/>
@@ -3171,8 +3434,8 @@
         </p:nvSpPr>
         <p:spPr>
           <a:xfrm>
-            <a:off x="1202919" y="284176"/>
-            <a:ext cx="9784080" cy="1508760"/>
+            <a:off x="685019" y="284176"/>
+            <a:ext cx="7772400" cy="1508760"/>
           </a:xfrm>
           <a:prstGeom prst="rect">
             <a:avLst/>
@@ -3185,8 +3448,8 @@
           <a:lstStyle/>
           <a:p>
             <a:r>
-              <a:rPr lang="fr-FR" smtClean="0"/>
-              <a:t>Modifiez le style du titre</a:t>
+              <a:rPr lang="en-US" smtClean="0"/>
+              <a:t>Click to edit Master title style</a:t>
             </a:r>
             <a:endParaRPr lang="en-US" dirty="0"/>
           </a:p>
@@ -3204,8 +3467,8 @@
         </p:nvSpPr>
         <p:spPr>
           <a:xfrm>
-            <a:off x="1202919" y="2011680"/>
-            <a:ext cx="9784080" cy="4206240"/>
+            <a:off x="685019" y="2011680"/>
+            <a:ext cx="7772400" cy="4206240"/>
           </a:xfrm>
           <a:prstGeom prst="rect">
             <a:avLst/>
@@ -3219,36 +3482,36 @@
           <a:p>
             <a:pPr lvl="0"/>
             <a:r>
-              <a:rPr lang="fr-FR" smtClean="0"/>
-              <a:t>Modifiez les styles du texte du masque</a:t>
+              <a:rPr lang="en-US" smtClean="0"/>
+              <a:t>Click to edit Master text styles</a:t>
             </a:r>
           </a:p>
           <a:p>
             <a:pPr lvl="1"/>
             <a:r>
-              <a:rPr lang="fr-FR" smtClean="0"/>
-              <a:t>Deuxième niveau</a:t>
+              <a:rPr lang="en-US" smtClean="0"/>
+              <a:t>Second level</a:t>
             </a:r>
           </a:p>
           <a:p>
             <a:pPr lvl="2"/>
             <a:r>
-              <a:rPr lang="fr-FR" smtClean="0"/>
-              <a:t>Troisième niveau</a:t>
+              <a:rPr lang="en-US" smtClean="0"/>
+              <a:t>Third level</a:t>
             </a:r>
           </a:p>
           <a:p>
             <a:pPr lvl="3"/>
             <a:r>
-              <a:rPr lang="fr-FR" smtClean="0"/>
-              <a:t>Quatrième niveau</a:t>
+              <a:rPr lang="en-US" smtClean="0"/>
+              <a:t>Fourth level</a:t>
             </a:r>
           </a:p>
           <a:p>
             <a:pPr lvl="4"/>
             <a:r>
-              <a:rPr lang="fr-FR" smtClean="0"/>
-              <a:t>Cinquième niveau</a:t>
+              <a:rPr lang="en-US" smtClean="0"/>
+              <a:t>Fifth level</a:t>
             </a:r>
             <a:endParaRPr lang="en-US" dirty="0"/>
           </a:p>
@@ -3266,8 +3529,8 @@
         </p:nvSpPr>
         <p:spPr>
           <a:xfrm>
-            <a:off x="1202266" y="6422854"/>
-            <a:ext cx="3000894" cy="365125"/>
+            <a:off x="681557" y="6422855"/>
+            <a:ext cx="2595043" cy="365125"/>
           </a:xfrm>
           <a:prstGeom prst="rect">
             <a:avLst/>
@@ -3305,8 +3568,8 @@
         </p:nvSpPr>
         <p:spPr>
           <a:xfrm>
-            <a:off x="5596471" y="6422854"/>
-            <a:ext cx="5044440" cy="365125"/>
+            <a:off x="4191000" y="6422855"/>
+            <a:ext cx="4060627" cy="365125"/>
           </a:xfrm>
           <a:prstGeom prst="rect">
             <a:avLst/>
@@ -3340,8 +3603,8 @@
         </p:nvSpPr>
         <p:spPr>
           <a:xfrm>
-            <a:off x="10658927" y="6422854"/>
-            <a:ext cx="946264" cy="365125"/>
+            <a:off x="8265139" y="6422855"/>
+            <a:ext cx="709698" cy="365125"/>
           </a:xfrm>
           <a:prstGeom prst="rect">
             <a:avLst/>
@@ -3360,7 +3623,7 @@
           </a:lstStyle>
           <a:p>
             <a:fld id="{4FAB73BC-B049-4115-A692-8D63A059BFB8}" type="slidenum">
-              <a:rPr lang="en-US" dirty="0"/>
+              <a:rPr lang="en-US" smtClean="0"/>
               <a:pPr/>
               <a:t>‹#›</a:t>
             </a:fld>
@@ -3369,20 +3632,25 @@
         </p:txBody>
       </p:sp>
     </p:spTree>
+    <p:extLst>
+      <p:ext uri="{BB962C8B-B14F-4D97-AF65-F5344CB8AC3E}">
+        <p14:creationId xmlns:p14="http://schemas.microsoft.com/office/powerpoint/2010/main" val="1729946833"/>
+      </p:ext>
+    </p:extLst>
   </p:cSld>
   <p:clrMap bg1="dk1" tx1="lt1" bg2="dk2" tx2="lt2" accent1="accent1" accent2="accent2" accent3="accent3" accent4="accent4" accent5="accent5" accent6="accent6" hlink="hlink" folHlink="folHlink"/>
   <p:sldLayoutIdLst>
-    <p:sldLayoutId id="2147483649" r:id="rId1"/>
-    <p:sldLayoutId id="2147483650" r:id="rId2"/>
-    <p:sldLayoutId id="2147483651" r:id="rId3"/>
-    <p:sldLayoutId id="2147483652" r:id="rId4"/>
-    <p:sldLayoutId id="2147483653" r:id="rId5"/>
-    <p:sldLayoutId id="2147483654" r:id="rId6"/>
-    <p:sldLayoutId id="2147483655" r:id="rId7"/>
-    <p:sldLayoutId id="2147483656" r:id="rId8"/>
-    <p:sldLayoutId id="2147483657" r:id="rId9"/>
-    <p:sldLayoutId id="2147483658" r:id="rId10"/>
-    <p:sldLayoutId id="2147483659" r:id="rId11"/>
+    <p:sldLayoutId id="2147483661" r:id="rId1"/>
+    <p:sldLayoutId id="2147483662" r:id="rId2"/>
+    <p:sldLayoutId id="2147483663" r:id="rId3"/>
+    <p:sldLayoutId id="2147483664" r:id="rId4"/>
+    <p:sldLayoutId id="2147483665" r:id="rId5"/>
+    <p:sldLayoutId id="2147483666" r:id="rId6"/>
+    <p:sldLayoutId id="2147483667" r:id="rId7"/>
+    <p:sldLayoutId id="2147483668" r:id="rId8"/>
+    <p:sldLayoutId id="2147483669" r:id="rId9"/>
+    <p:sldLayoutId id="2147483670" r:id="rId10"/>
+    <p:sldLayoutId id="2147483671" r:id="rId11"/>
   </p:sldLayoutIdLst>
   <p:hf hdr="0" ftr="0" dt="0"/>
   <p:txStyles>
@@ -3793,8 +4061,8 @@
         </p:nvSpPr>
         <p:spPr>
           <a:xfrm>
-            <a:off x="690113" y="5805577"/>
-            <a:ext cx="3603422" cy="646331"/>
+            <a:off x="517585" y="5211433"/>
+            <a:ext cx="2747227" cy="507831"/>
           </a:xfrm>
           <a:prstGeom prst="rect">
             <a:avLst/>
@@ -3808,21 +4076,21 @@
           <a:lstStyle/>
           <a:p>
             <a:r>
-              <a:rPr lang="fr-FR" dirty="0" smtClean="0"/>
+              <a:rPr lang="fr-FR" sz="1350" dirty="0"/>
               <a:t>Prof. P. </a:t>
             </a:r>
             <a:r>
-              <a:rPr lang="fr-FR" dirty="0" err="1" smtClean="0"/>
+              <a:rPr lang="fr-FR" sz="1350" dirty="0" err="1"/>
               <a:t>Donini</a:t>
             </a:r>
-            <a:endParaRPr lang="fr-FR" dirty="0" smtClean="0"/>
-          </a:p>
-          <a:p>
-            <a:r>
-              <a:rPr lang="fr-FR" dirty="0" smtClean="0"/>
+            <a:endParaRPr lang="fr-FR" sz="1350" dirty="0"/>
+          </a:p>
+          <a:p>
+            <a:r>
+              <a:rPr lang="fr-FR" sz="1350" dirty="0"/>
               <a:t>Browne, Champion, Clément, Hardy</a:t>
             </a:r>
-            <a:endParaRPr lang="fr-FR" dirty="0"/>
+            <a:endParaRPr lang="fr-FR" sz="1350" dirty="0"/>
           </a:p>
         </p:txBody>
       </p:sp>
@@ -3865,7 +4133,7 @@
       </p:grpSpPr>
       <p:pic>
         <p:nvPicPr>
-          <p:cNvPr id="5" name="Picture 4"/>
+          <p:cNvPr id="2" name="Picture 1"/>
           <p:cNvPicPr>
             <a:picLocks noChangeAspect="1"/>
           </p:cNvPicPr>
@@ -3885,8 +4153,8 @@
         </p:blipFill>
         <p:spPr>
           <a:xfrm>
-            <a:off x="2832100" y="609600"/>
-            <a:ext cx="6515100" cy="5638800"/>
+            <a:off x="1228725" y="1590675"/>
+            <a:ext cx="6686550" cy="3667125"/>
           </a:xfrm>
           <a:prstGeom prst="rect">
             <a:avLst/>
@@ -3905,7 +4173,7 @@
       </p:pic>
       <p:sp>
         <p:nvSpPr>
-          <p:cNvPr id="2" name="Slide Number Placeholder 1"/>
+          <p:cNvPr id="3" name="Slide Number Placeholder 2"/>
           <p:cNvSpPr>
             <a:spLocks noGrp="1"/>
           </p:cNvSpPr>
@@ -3929,7 +4197,7 @@
     </p:spTree>
     <p:extLst>
       <p:ext uri="{BB962C8B-B14F-4D97-AF65-F5344CB8AC3E}">
-        <p14:creationId xmlns:p14="http://schemas.microsoft.com/office/powerpoint/2010/main" val="768892976"/>
+        <p14:creationId xmlns:p14="http://schemas.microsoft.com/office/powerpoint/2010/main" val="1884231200"/>
       </p:ext>
     </p:extLst>
   </p:cSld>
@@ -3963,42 +4231,13 @@
           <a:chExt cx="0" cy="0"/>
         </a:xfrm>
       </p:grpSpPr>
-      <p:sp>
-        <p:nvSpPr>
-          <p:cNvPr id="2" name="Titre 1"/>
-          <p:cNvSpPr>
-            <a:spLocks noGrp="1"/>
-          </p:cNvSpPr>
-          <p:nvPr>
-            <p:ph type="title"/>
-          </p:nvPr>
-        </p:nvSpPr>
-        <p:spPr/>
-        <p:txBody>
-          <a:bodyPr/>
-          <a:lstStyle/>
-          <a:p>
-            <a:r>
-              <a:rPr lang="fr-CH" dirty="0" smtClean="0"/>
-              <a:t>C++ &amp; </a:t>
-            </a:r>
-            <a:r>
-              <a:rPr lang="fr-CH" dirty="0" err="1" smtClean="0"/>
-              <a:t>template</a:t>
-            </a:r>
-            <a:endParaRPr lang="fr-CH" dirty="0"/>
-          </a:p>
-        </p:txBody>
-      </p:sp>
       <p:pic>
         <p:nvPicPr>
-          <p:cNvPr id="4" name="Espace réservé du contenu 3"/>
+          <p:cNvPr id="5" name="Picture 4"/>
           <p:cNvPicPr>
-            <a:picLocks noGrp="1" noChangeAspect="1"/>
+            <a:picLocks noChangeAspect="1"/>
           </p:cNvPicPr>
-          <p:nvPr>
-            <p:ph idx="1"/>
-          </p:nvPr>
+          <p:nvPr/>
         </p:nvPicPr>
         <p:blipFill>
           <a:blip r:embed="rId2">
@@ -4014,8 +4253,8 @@
         </p:blipFill>
         <p:spPr>
           <a:xfrm>
-            <a:off x="1202919" y="2252908"/>
-            <a:ext cx="6517420" cy="4206875"/>
+            <a:off x="2124075" y="1314450"/>
+            <a:ext cx="4886325" cy="4229100"/>
           </a:xfrm>
           <a:prstGeom prst="rect">
             <a:avLst/>
@@ -4034,45 +4273,7 @@
       </p:pic>
       <p:sp>
         <p:nvSpPr>
-          <p:cNvPr id="5" name="ZoneTexte 4"/>
-          <p:cNvSpPr txBox="1"/>
-          <p:nvPr/>
-        </p:nvSpPr>
-        <p:spPr>
-          <a:xfrm>
-            <a:off x="8379120" y="3496911"/>
-            <a:ext cx="2838095" cy="1477328"/>
-          </a:xfrm>
-          <a:prstGeom prst="rect">
-            <a:avLst/>
-          </a:prstGeom>
-          <a:noFill/>
-        </p:spPr>
-        <p:txBody>
-          <a:bodyPr wrap="square" rtlCol="0">
-            <a:spAutoFit/>
-          </a:bodyPr>
-          <a:lstStyle/>
-          <a:p>
-            <a:r>
-              <a:rPr lang="fr-CH" dirty="0" smtClean="0"/>
-              <a:t>Les </a:t>
-            </a:r>
-            <a:r>
-              <a:rPr lang="fr-CH" dirty="0" err="1" smtClean="0"/>
-              <a:t>templates</a:t>
-            </a:r>
-            <a:r>
-              <a:rPr lang="fr-CH" dirty="0" smtClean="0"/>
-              <a:t> du C++ permettent de facilement créer des commandes simples sans devoir créer une nouvelle classe</a:t>
-            </a:r>
-            <a:endParaRPr lang="fr-CH" dirty="0"/>
-          </a:p>
-        </p:txBody>
-      </p:sp>
-      <p:sp>
-        <p:nvSpPr>
-          <p:cNvPr id="3" name="Slide Number Placeholder 2"/>
+          <p:cNvPr id="2" name="Slide Number Placeholder 1"/>
           <p:cNvSpPr>
             <a:spLocks noGrp="1"/>
           </p:cNvSpPr>
@@ -4096,7 +4297,7 @@
     </p:spTree>
     <p:extLst>
       <p:ext uri="{BB962C8B-B14F-4D97-AF65-F5344CB8AC3E}">
-        <p14:creationId xmlns:p14="http://schemas.microsoft.com/office/powerpoint/2010/main" val="2623962394"/>
+        <p14:creationId xmlns:p14="http://schemas.microsoft.com/office/powerpoint/2010/main" val="768892976"/>
       </p:ext>
     </p:extLst>
   </p:cSld>
@@ -4147,6 +4348,173 @@
           <a:p>
             <a:r>
               <a:rPr lang="fr-CH" dirty="0" smtClean="0"/>
+              <a:t>C++ &amp; </a:t>
+            </a:r>
+            <a:r>
+              <a:rPr lang="fr-CH" dirty="0" err="1" smtClean="0"/>
+              <a:t>template</a:t>
+            </a:r>
+            <a:endParaRPr lang="fr-CH" dirty="0"/>
+          </a:p>
+        </p:txBody>
+      </p:sp>
+      <p:pic>
+        <p:nvPicPr>
+          <p:cNvPr id="4" name="Espace réservé du contenu 3"/>
+          <p:cNvPicPr>
+            <a:picLocks noGrp="1" noChangeAspect="1"/>
+          </p:cNvPicPr>
+          <p:nvPr>
+            <p:ph idx="1"/>
+          </p:nvPr>
+        </p:nvPicPr>
+        <p:blipFill>
+          <a:blip r:embed="rId2">
+            <a:extLst>
+              <a:ext uri="{28A0092B-C50C-407E-A947-70E740481C1C}">
+                <a14:useLocalDpi xmlns:a14="http://schemas.microsoft.com/office/drawing/2010/main" val="0"/>
+              </a:ext>
+            </a:extLst>
+          </a:blip>
+          <a:stretch>
+            <a:fillRect/>
+          </a:stretch>
+        </p:blipFill>
+        <p:spPr>
+          <a:xfrm>
+            <a:off x="902189" y="2546932"/>
+            <a:ext cx="4888065" cy="3155156"/>
+          </a:xfrm>
+          <a:prstGeom prst="rect">
+            <a:avLst/>
+          </a:prstGeom>
+          <a:ln>
+            <a:noFill/>
+          </a:ln>
+          <a:effectLst>
+            <a:outerShdw blurRad="292100" dist="139700" dir="2700000" algn="tl" rotWithShape="0">
+              <a:srgbClr val="333333">
+                <a:alpha val="65000"/>
+              </a:srgbClr>
+            </a:outerShdw>
+          </a:effectLst>
+        </p:spPr>
+      </p:pic>
+      <p:sp>
+        <p:nvSpPr>
+          <p:cNvPr id="3" name="Slide Number Placeholder 2"/>
+          <p:cNvSpPr>
+            <a:spLocks noGrp="1"/>
+          </p:cNvSpPr>
+          <p:nvPr>
+            <p:ph type="sldNum" sz="quarter" idx="12"/>
+          </p:nvPr>
+        </p:nvSpPr>
+        <p:spPr/>
+        <p:txBody>
+          <a:bodyPr/>
+          <a:lstStyle/>
+          <a:p>
+            <a:fld id="{4FAB73BC-B049-4115-A692-8D63A059BFB8}" type="slidenum">
+              <a:rPr lang="en-US" smtClean="0"/>
+              <a:t>12</a:t>
+            </a:fld>
+            <a:endParaRPr lang="en-US" dirty="0"/>
+          </a:p>
+        </p:txBody>
+      </p:sp>
+      <p:sp>
+        <p:nvSpPr>
+          <p:cNvPr id="5" name="ZoneTexte 4"/>
+          <p:cNvSpPr txBox="1"/>
+          <p:nvPr/>
+        </p:nvSpPr>
+        <p:spPr>
+          <a:xfrm>
+            <a:off x="6284341" y="3479933"/>
+            <a:ext cx="2128571" cy="1131079"/>
+          </a:xfrm>
+          <a:prstGeom prst="rect">
+            <a:avLst/>
+          </a:prstGeom>
+          <a:noFill/>
+        </p:spPr>
+        <p:txBody>
+          <a:bodyPr wrap="square" rtlCol="0">
+            <a:spAutoFit/>
+          </a:bodyPr>
+          <a:lstStyle/>
+          <a:p>
+            <a:r>
+              <a:rPr lang="fr-CH" sz="1350" dirty="0"/>
+              <a:t>Les </a:t>
+            </a:r>
+            <a:r>
+              <a:rPr lang="fr-CH" sz="1350" dirty="0" err="1"/>
+              <a:t>templates</a:t>
+            </a:r>
+            <a:r>
+              <a:rPr lang="fr-CH" sz="1350" dirty="0"/>
+              <a:t> du C++ permettent de facilement créer des commandes simples sans devoir créer une nouvelle classe</a:t>
+            </a:r>
+            <a:endParaRPr lang="fr-CH" sz="1350" dirty="0"/>
+          </a:p>
+        </p:txBody>
+      </p:sp>
+    </p:spTree>
+    <p:extLst>
+      <p:ext uri="{BB962C8B-B14F-4D97-AF65-F5344CB8AC3E}">
+        <p14:creationId xmlns:p14="http://schemas.microsoft.com/office/powerpoint/2010/main" val="2623962394"/>
+      </p:ext>
+    </p:extLst>
+  </p:cSld>
+  <p:clrMapOvr>
+    <a:masterClrMapping/>
+  </p:clrMapOvr>
+  <p:timing>
+    <p:tnLst>
+      <p:par>
+        <p:cTn id="1" dur="indefinite" restart="never" nodeType="tmRoot"/>
+      </p:par>
+    </p:tnLst>
+  </p:timing>
+</p:sld>
+</file>
+
+<file path=ppt/slides/slide13.xml><?xml version="1.0" encoding="utf-8"?>
+<p:sld xmlns:a="http://schemas.openxmlformats.org/drawingml/2006/main" xmlns:r="http://schemas.openxmlformats.org/officeDocument/2006/relationships" xmlns:p="http://schemas.openxmlformats.org/presentationml/2006/main">
+  <p:cSld>
+    <p:spTree>
+      <p:nvGrpSpPr>
+        <p:cNvPr id="1" name=""/>
+        <p:cNvGrpSpPr/>
+        <p:nvPr/>
+      </p:nvGrpSpPr>
+      <p:grpSpPr>
+        <a:xfrm>
+          <a:off x="0" y="0"/>
+          <a:ext cx="0" cy="0"/>
+          <a:chOff x="0" y="0"/>
+          <a:chExt cx="0" cy="0"/>
+        </a:xfrm>
+      </p:grpSpPr>
+      <p:sp>
+        <p:nvSpPr>
+          <p:cNvPr id="2" name="Titre 1"/>
+          <p:cNvSpPr>
+            <a:spLocks noGrp="1"/>
+          </p:cNvSpPr>
+          <p:nvPr>
+            <p:ph type="title"/>
+          </p:nvPr>
+        </p:nvSpPr>
+        <p:spPr/>
+        <p:txBody>
+          <a:bodyPr/>
+          <a:lstStyle/>
+          <a:p>
+            <a:r>
+              <a:rPr lang="fr-CH" dirty="0" smtClean="0"/>
               <a:t>Commande</a:t>
             </a:r>
             <a:endParaRPr lang="fr-CH" dirty="0"/>
@@ -4186,7 +4554,6 @@
               <a:rPr lang="fr-CH" dirty="0" smtClean="0"/>
               <a:t>Restauration d’un état après un crash</a:t>
             </a:r>
-            <a:endParaRPr lang="fr-CH" dirty="0" smtClean="0"/>
           </a:p>
           <a:p>
             <a:r>
@@ -4254,7 +4621,7 @@
           <a:p>
             <a:fld id="{4FAB73BC-B049-4115-A692-8D63A059BFB8}" type="slidenum">
               <a:rPr lang="en-US" smtClean="0"/>
-              <a:t>12</a:t>
+              <a:t>13</a:t>
             </a:fld>
             <a:endParaRPr lang="en-US" dirty="0"/>
           </a:p>
@@ -4280,6 +4647,102 @@
 </p:sld>
 </file>
 
+<file path=ppt/slides/slide14.xml><?xml version="1.0" encoding="utf-8"?>
+<p:sld xmlns:a="http://schemas.openxmlformats.org/drawingml/2006/main" xmlns:r="http://schemas.openxmlformats.org/officeDocument/2006/relationships" xmlns:p="http://schemas.openxmlformats.org/presentationml/2006/main">
+  <p:cSld>
+    <p:spTree>
+      <p:nvGrpSpPr>
+        <p:cNvPr id="1" name=""/>
+        <p:cNvGrpSpPr/>
+        <p:nvPr/>
+      </p:nvGrpSpPr>
+      <p:grpSpPr>
+        <a:xfrm>
+          <a:off x="0" y="0"/>
+          <a:ext cx="0" cy="0"/>
+          <a:chOff x="0" y="0"/>
+          <a:chExt cx="0" cy="0"/>
+        </a:xfrm>
+      </p:grpSpPr>
+      <p:sp>
+        <p:nvSpPr>
+          <p:cNvPr id="2" name="Title 1"/>
+          <p:cNvSpPr>
+            <a:spLocks noGrp="1"/>
+          </p:cNvSpPr>
+          <p:nvPr>
+            <p:ph type="title"/>
+          </p:nvPr>
+        </p:nvSpPr>
+        <p:spPr/>
+        <p:txBody>
+          <a:bodyPr/>
+          <a:lstStyle/>
+          <a:p>
+            <a:r>
+              <a:rPr lang="fr-FR" dirty="0" smtClean="0"/>
+              <a:t>Questions?</a:t>
+            </a:r>
+            <a:endParaRPr lang="fr-FR" dirty="0"/>
+          </a:p>
+        </p:txBody>
+      </p:sp>
+      <p:sp>
+        <p:nvSpPr>
+          <p:cNvPr id="3" name="Content Placeholder 2"/>
+          <p:cNvSpPr>
+            <a:spLocks noGrp="1"/>
+          </p:cNvSpPr>
+          <p:nvPr>
+            <p:ph idx="1"/>
+          </p:nvPr>
+        </p:nvSpPr>
+        <p:spPr/>
+        <p:txBody>
+          <a:bodyPr/>
+          <a:lstStyle/>
+          <a:p>
+            <a:endParaRPr lang="fr-FR"/>
+          </a:p>
+        </p:txBody>
+      </p:sp>
+      <p:sp>
+        <p:nvSpPr>
+          <p:cNvPr id="4" name="Slide Number Placeholder 3"/>
+          <p:cNvSpPr>
+            <a:spLocks noGrp="1"/>
+          </p:cNvSpPr>
+          <p:nvPr>
+            <p:ph type="sldNum" sz="quarter" idx="12"/>
+          </p:nvPr>
+        </p:nvSpPr>
+        <p:spPr/>
+        <p:txBody>
+          <a:bodyPr/>
+          <a:lstStyle/>
+          <a:p>
+            <a:fld id="{4FAB73BC-B049-4115-A692-8D63A059BFB8}" type="slidenum">
+              <a:rPr lang="en-US" smtClean="0"/>
+              <a:pPr/>
+              <a:t>14</a:t>
+            </a:fld>
+            <a:endParaRPr lang="en-US" dirty="0"/>
+          </a:p>
+        </p:txBody>
+      </p:sp>
+    </p:spTree>
+    <p:extLst>
+      <p:ext uri="{BB962C8B-B14F-4D97-AF65-F5344CB8AC3E}">
+        <p14:creationId xmlns:p14="http://schemas.microsoft.com/office/powerpoint/2010/main" val="1968644687"/>
+      </p:ext>
+    </p:extLst>
+  </p:cSld>
+  <p:clrMapOvr>
+    <a:masterClrMapping/>
+  </p:clrMapOvr>
+</p:sld>
+</file>
+
 <file path=ppt/slides/slide2.xml><?xml version="1.0" encoding="utf-8"?>
 <p:sld xmlns:a="http://schemas.openxmlformats.org/drawingml/2006/main" xmlns:r="http://schemas.openxmlformats.org/officeDocument/2006/relationships" xmlns:p="http://schemas.openxmlformats.org/presentationml/2006/main">
   <p:cSld>
@@ -4299,7 +4762,7 @@
       </p:grpSpPr>
       <p:sp>
         <p:nvSpPr>
-          <p:cNvPr id="2" name="Titre 1"/>
+          <p:cNvPr id="2" name="Title 1"/>
           <p:cNvSpPr>
             <a:spLocks noGrp="1"/>
           </p:cNvSpPr>
@@ -4313,16 +4776,16 @@
           <a:lstStyle/>
           <a:p>
             <a:r>
-              <a:rPr lang="fr-CH" dirty="0" smtClean="0"/>
-              <a:t>Commande</a:t>
-            </a:r>
-            <a:endParaRPr lang="fr-CH" dirty="0"/>
-          </a:p>
-        </p:txBody>
-      </p:sp>
-      <p:sp>
-        <p:nvSpPr>
-          <p:cNvPr id="3" name="Espace réservé du contenu 2"/>
+              <a:rPr lang="fr-FR" dirty="0" smtClean="0"/>
+              <a:t>Sommaire</a:t>
+            </a:r>
+            <a:endParaRPr lang="fr-FR" dirty="0"/>
+          </a:p>
+        </p:txBody>
+      </p:sp>
+      <p:sp>
+        <p:nvSpPr>
+          <p:cNvPr id="3" name="Content Placeholder 2"/>
           <p:cNvSpPr>
             <a:spLocks noGrp="1"/>
           </p:cNvSpPr>
@@ -4336,78 +4799,51 @@
           <a:lstStyle/>
           <a:p>
             <a:r>
-              <a:rPr lang="fr-CH" dirty="0" smtClean="0"/>
-              <a:t>Intention</a:t>
-            </a:r>
-          </a:p>
-          <a:p>
-            <a:pPr lvl="1"/>
-            <a:r>
-              <a:rPr lang="fr-CH" dirty="0" smtClean="0"/>
-              <a:t>Encapsuler une requête dans un objet</a:t>
-            </a:r>
-          </a:p>
-          <a:p>
-            <a:r>
-              <a:rPr lang="fr-CH" dirty="0" smtClean="0"/>
-              <a:t>Alias</a:t>
-            </a:r>
-          </a:p>
-          <a:p>
-            <a:pPr lvl="1"/>
-            <a:r>
-              <a:rPr lang="fr-CH" dirty="0" smtClean="0"/>
-              <a:t>Action, Transaction</a:t>
-            </a:r>
-          </a:p>
-          <a:p>
-            <a:r>
-              <a:rPr lang="fr-CH" dirty="0" smtClean="0"/>
-              <a:t>Motivation</a:t>
-            </a:r>
-          </a:p>
-          <a:p>
-            <a:pPr lvl="1"/>
-            <a:r>
-              <a:rPr lang="fr-CH" dirty="0" smtClean="0"/>
-              <a:t>Lancer une requête sur un objet sans savoir quelle est la requête ni l’objet</a:t>
-            </a:r>
-          </a:p>
-          <a:p>
-            <a:pPr lvl="1"/>
-            <a:r>
-              <a:rPr lang="fr-CH" dirty="0" smtClean="0"/>
-              <a:t>Paramétrer un objet avec une action à réaliser, sans utiliser de </a:t>
-            </a:r>
-            <a:r>
-              <a:rPr lang="fr-CH" i="1" dirty="0" smtClean="0"/>
-              <a:t>callback</a:t>
-            </a:r>
-          </a:p>
-          <a:p>
-            <a:pPr lvl="1"/>
-            <a:r>
-              <a:rPr lang="fr-CH" dirty="0" smtClean="0"/>
-              <a:t>Créer des requêtes, les empiler et les exécuter plus tard</a:t>
-            </a:r>
-          </a:p>
-          <a:p>
-            <a:pPr lvl="1"/>
-            <a:r>
-              <a:rPr lang="fr-CH" dirty="0" smtClean="0"/>
-              <a:t>(+) Permettre le retour en arrière (undo) d’une requête</a:t>
-            </a:r>
-          </a:p>
-          <a:p>
-            <a:pPr lvl="1"/>
-            <a:r>
-              <a:rPr lang="fr-CH" dirty="0" smtClean="0"/>
-              <a:t>(+) Lancer une séquence de requête (macro)</a:t>
-            </a:r>
-          </a:p>
-          <a:p>
-            <a:pPr lvl="1"/>
-            <a:endParaRPr lang="fr-CH" dirty="0"/>
+              <a:rPr lang="fr-FR" dirty="0" smtClean="0"/>
+              <a:t>Description du modèle</a:t>
+            </a:r>
+          </a:p>
+          <a:p>
+            <a:r>
+              <a:rPr lang="fr-FR" dirty="0" smtClean="0"/>
+              <a:t>Participants</a:t>
+            </a:r>
+          </a:p>
+          <a:p>
+            <a:r>
+              <a:rPr lang="fr-FR" dirty="0" smtClean="0"/>
+              <a:t>Collaborations</a:t>
+            </a:r>
+          </a:p>
+          <a:p>
+            <a:r>
+              <a:rPr lang="fr-FR" dirty="0" smtClean="0"/>
+              <a:t>Considérations d’implémentation et conséquences</a:t>
+            </a:r>
+          </a:p>
+          <a:p>
+            <a:r>
+              <a:rPr lang="fr-FR" dirty="0" smtClean="0"/>
+              <a:t>Exemple</a:t>
+            </a:r>
+          </a:p>
+          <a:p>
+            <a:r>
+              <a:rPr lang="fr-FR" dirty="0" smtClean="0"/>
+              <a:t>C++ &amp; </a:t>
+            </a:r>
+            <a:r>
+              <a:rPr lang="fr-FR" dirty="0" err="1" smtClean="0"/>
+              <a:t>template</a:t>
+            </a:r>
+            <a:endParaRPr lang="fr-FR" dirty="0" smtClean="0"/>
+          </a:p>
+          <a:p>
+            <a:r>
+              <a:rPr lang="fr-FR" dirty="0" smtClean="0"/>
+              <a:t>Utilisations courantes et modèles associés </a:t>
+            </a:r>
+            <a:endParaRPr lang="fr-FR" dirty="0"/>
           </a:p>
         </p:txBody>
       </p:sp>
@@ -4437,20 +4873,13 @@
     </p:spTree>
     <p:extLst>
       <p:ext uri="{BB962C8B-B14F-4D97-AF65-F5344CB8AC3E}">
-        <p14:creationId xmlns:p14="http://schemas.microsoft.com/office/powerpoint/2010/main" val="847721979"/>
+        <p14:creationId xmlns:p14="http://schemas.microsoft.com/office/powerpoint/2010/main" val="4246976313"/>
       </p:ext>
     </p:extLst>
   </p:cSld>
   <p:clrMapOvr>
     <a:masterClrMapping/>
   </p:clrMapOvr>
-  <p:timing>
-    <p:tnLst>
-      <p:par>
-        <p:cTn id="1" dur="indefinite" restart="never" nodeType="tmRoot"/>
-      </p:par>
-    </p:tnLst>
-  </p:timing>
 </p:sld>
 </file>
 
@@ -4488,180 +4917,108 @@
           <a:p>
             <a:r>
               <a:rPr lang="fr-CH" dirty="0" smtClean="0"/>
-              <a:t>Participants</a:t>
+              <a:t>Commande</a:t>
             </a:r>
             <a:endParaRPr lang="fr-CH" dirty="0"/>
           </a:p>
         </p:txBody>
       </p:sp>
-      <p:pic>
-        <p:nvPicPr>
-          <p:cNvPr id="7" name="Espace réservé du contenu 6"/>
-          <p:cNvPicPr>
-            <a:picLocks noGrp="1" noChangeAspect="1"/>
-          </p:cNvPicPr>
-          <p:nvPr>
-            <p:ph sz="half" idx="1"/>
-          </p:nvPr>
-        </p:nvPicPr>
-        <p:blipFill>
-          <a:blip r:embed="rId2">
-            <a:extLst>
-              <a:ext uri="{28A0092B-C50C-407E-A947-70E740481C1C}">
-                <a14:useLocalDpi xmlns:a14="http://schemas.microsoft.com/office/drawing/2010/main" val="0"/>
-              </a:ext>
-            </a:extLst>
-          </a:blip>
-          <a:stretch>
-            <a:fillRect/>
-          </a:stretch>
-        </p:blipFill>
-        <p:spPr>
-          <a:xfrm>
-            <a:off x="1300956" y="2313944"/>
-            <a:ext cx="3648075" cy="3705225"/>
-          </a:xfrm>
-          <a:prstGeom prst="rect">
-            <a:avLst/>
-          </a:prstGeom>
-          <a:ln>
-            <a:noFill/>
-          </a:ln>
-          <a:effectLst>
-            <a:outerShdw blurRad="292100" dist="139700" dir="2700000" algn="tl" rotWithShape="0">
-              <a:srgbClr val="333333">
-                <a:alpha val="65000"/>
-              </a:srgbClr>
-            </a:outerShdw>
-          </a:effectLst>
-        </p:spPr>
-      </p:pic>
-      <p:sp>
-        <p:nvSpPr>
-          <p:cNvPr id="5" name="Espace réservé du contenu 4"/>
-          <p:cNvSpPr>
-            <a:spLocks noGrp="1"/>
-          </p:cNvSpPr>
-          <p:nvPr>
-            <p:ph sz="half" idx="2"/>
-          </p:nvPr>
-        </p:nvSpPr>
-        <p:spPr>
-          <a:xfrm>
-            <a:off x="5736566" y="2011680"/>
-            <a:ext cx="5248705" cy="4206240"/>
-          </a:xfrm>
-        </p:spPr>
+      <p:sp>
+        <p:nvSpPr>
+          <p:cNvPr id="3" name="Espace réservé du contenu 2"/>
+          <p:cNvSpPr>
+            <a:spLocks noGrp="1"/>
+          </p:cNvSpPr>
+          <p:nvPr>
+            <p:ph idx="1"/>
+          </p:nvPr>
+        </p:nvSpPr>
+        <p:spPr/>
         <p:txBody>
           <a:bodyPr>
-            <a:normAutofit fontScale="92500"/>
+            <a:normAutofit lnSpcReduction="10000"/>
           </a:bodyPr>
           <a:lstStyle/>
           <a:p>
             <a:r>
+              <a:rPr lang="fr-CH" dirty="0" smtClean="0"/>
+              <a:t>Intention</a:t>
+            </a:r>
+          </a:p>
+          <a:p>
+            <a:pPr lvl="1"/>
+            <a:r>
+              <a:rPr lang="fr-CH" dirty="0" smtClean="0"/>
+              <a:t>Encapsuler une requête dans un objet</a:t>
+            </a:r>
+          </a:p>
+          <a:p>
+            <a:r>
+              <a:rPr lang="fr-CH" dirty="0" smtClean="0"/>
+              <a:t>Alias</a:t>
+            </a:r>
+          </a:p>
+          <a:p>
+            <a:pPr lvl="1"/>
+            <a:r>
+              <a:rPr lang="fr-CH" dirty="0" smtClean="0"/>
+              <a:t>Action, Transaction</a:t>
+            </a:r>
+          </a:p>
+          <a:p>
+            <a:r>
+              <a:rPr lang="fr-CH" dirty="0" smtClean="0"/>
+              <a:t>Motivation</a:t>
+            </a:r>
+          </a:p>
+          <a:p>
+            <a:pPr lvl="1"/>
+            <a:r>
+              <a:rPr lang="fr-CH" dirty="0" smtClean="0"/>
+              <a:t>Lancer une requête sur un objet sans savoir quelle est la requête ni l’objet</a:t>
+            </a:r>
+          </a:p>
+          <a:p>
+            <a:pPr lvl="1"/>
+            <a:r>
+              <a:rPr lang="fr-CH" dirty="0" smtClean="0"/>
+              <a:t>Paramétrer un objet avec une action à réaliser, sans utiliser de </a:t>
+            </a:r>
+            <a:r>
               <a:rPr lang="fr-CH" i="1" dirty="0" smtClean="0"/>
-              <a:t>Command</a:t>
+              <a:t>callback</a:t>
             </a:r>
           </a:p>
           <a:p>
             <a:pPr lvl="1"/>
             <a:r>
               <a:rPr lang="fr-CH" dirty="0" smtClean="0"/>
-              <a:t>Déclare une interface pour exécuter une action</a:t>
-            </a:r>
-          </a:p>
-          <a:p>
-            <a:r>
-              <a:rPr lang="fr-CH" i="1" dirty="0" err="1" smtClean="0"/>
-              <a:t>ConcreteCommand</a:t>
-            </a:r>
-            <a:endParaRPr lang="fr-CH" i="1" dirty="0" smtClean="0"/>
+              <a:t>Créer des requêtes, les empiler et les exécuter plus tard</a:t>
+            </a:r>
           </a:p>
           <a:p>
             <a:pPr lvl="1"/>
             <a:r>
               <a:rPr lang="fr-CH" dirty="0" smtClean="0"/>
-              <a:t>Définit un lien entre un objet et une action</a:t>
+              <a:t>(+) Permettre le retour en arrière (undo) d’une requête</a:t>
             </a:r>
           </a:p>
           <a:p>
             <a:pPr lvl="1"/>
             <a:r>
               <a:rPr lang="fr-CH" dirty="0" smtClean="0"/>
-              <a:t>Implémente </a:t>
-            </a:r>
-            <a:r>
-              <a:rPr lang="fr-CH" i="1" dirty="0" err="1" smtClean="0"/>
-              <a:t>execute</a:t>
-            </a:r>
-            <a:r>
-              <a:rPr lang="fr-CH" i="1" dirty="0" smtClean="0"/>
-              <a:t>()</a:t>
-            </a:r>
-          </a:p>
-          <a:p>
-            <a:r>
-              <a:rPr lang="fr-CH" i="1" dirty="0" smtClean="0"/>
-              <a:t>Client </a:t>
+              <a:t>(+) Lancer une séquence de requête (macro)</a:t>
             </a:r>
           </a:p>
           <a:p>
             <a:pPr lvl="1"/>
-            <a:r>
-              <a:rPr lang="fr-CH" dirty="0" smtClean="0"/>
-              <a:t>Crée une </a:t>
-            </a:r>
-            <a:r>
-              <a:rPr lang="fr-CH" i="1" dirty="0" err="1" smtClean="0"/>
-              <a:t>ConcreteCommand</a:t>
-            </a:r>
-            <a:r>
-              <a:rPr lang="fr-CH" dirty="0" smtClean="0"/>
-              <a:t> (une action)</a:t>
-            </a:r>
-          </a:p>
-          <a:p>
-            <a:r>
-              <a:rPr lang="fr-CH" i="1" dirty="0" err="1" smtClean="0"/>
-              <a:t>Invoker</a:t>
-            </a:r>
-            <a:endParaRPr lang="fr-CH" i="1" dirty="0" smtClean="0"/>
-          </a:p>
-          <a:p>
-            <a:pPr lvl="1"/>
-            <a:r>
-              <a:rPr lang="fr-CH" dirty="0" smtClean="0"/>
-              <a:t>Demande à la </a:t>
-            </a:r>
-            <a:r>
-              <a:rPr lang="fr-CH" i="1" dirty="0" smtClean="0"/>
-              <a:t>Command</a:t>
-            </a:r>
-            <a:r>
-              <a:rPr lang="fr-CH" dirty="0" smtClean="0"/>
-              <a:t> de s’exécuter</a:t>
-            </a:r>
-          </a:p>
-          <a:p>
-            <a:r>
-              <a:rPr lang="fr-CH" i="1" dirty="0" err="1" smtClean="0"/>
-              <a:t>Receiver</a:t>
-            </a:r>
-            <a:endParaRPr lang="fr-CH" i="1" dirty="0" smtClean="0"/>
-          </a:p>
-          <a:p>
-            <a:pPr lvl="1"/>
-            <a:r>
-              <a:rPr lang="fr-CH" dirty="0" smtClean="0"/>
-              <a:t>Effectue l’action demandée</a:t>
-            </a:r>
             <a:endParaRPr lang="fr-CH" dirty="0"/>
           </a:p>
         </p:txBody>
       </p:sp>
       <p:sp>
         <p:nvSpPr>
-          <p:cNvPr id="3" name="Slide Number Placeholder 2"/>
+          <p:cNvPr id="4" name="Slide Number Placeholder 3"/>
           <p:cNvSpPr>
             <a:spLocks noGrp="1"/>
           </p:cNvSpPr>
@@ -4685,7 +5042,7 @@
     </p:spTree>
     <p:extLst>
       <p:ext uri="{BB962C8B-B14F-4D97-AF65-F5344CB8AC3E}">
-        <p14:creationId xmlns:p14="http://schemas.microsoft.com/office/powerpoint/2010/main" val="4278437931"/>
+        <p14:creationId xmlns:p14="http://schemas.microsoft.com/office/powerpoint/2010/main" val="847721979"/>
       </p:ext>
     </p:extLst>
   </p:cSld>
@@ -4736,7 +5093,7 @@
           <a:p>
             <a:r>
               <a:rPr lang="fr-CH" dirty="0" smtClean="0"/>
-              <a:t>Collaborations</a:t>
+              <a:t>Participants</a:t>
             </a:r>
             <a:endParaRPr lang="fr-CH" dirty="0"/>
           </a:p>
@@ -4744,7 +5101,7 @@
       </p:sp>
       <p:pic>
         <p:nvPicPr>
-          <p:cNvPr id="5" name="Espace réservé du contenu 4"/>
+          <p:cNvPr id="7" name="Espace réservé du contenu 6"/>
           <p:cNvPicPr>
             <a:picLocks noGrp="1" noChangeAspect="1"/>
           </p:cNvPicPr>
@@ -4753,7 +5110,7 @@
           </p:nvPr>
         </p:nvPicPr>
         <p:blipFill>
-          <a:blip r:embed="rId2">
+          <a:blip r:embed="rId3">
             <a:extLst>
               <a:ext uri="{28A0092B-C50C-407E-A947-70E740481C1C}">
                 <a14:useLocalDpi xmlns:a14="http://schemas.microsoft.com/office/drawing/2010/main" val="0"/>
@@ -4766,8 +5123,8 @@
         </p:blipFill>
         <p:spPr>
           <a:xfrm>
-            <a:off x="1283872" y="2025929"/>
-            <a:ext cx="5470758" cy="1884711"/>
+            <a:off x="975718" y="2592708"/>
+            <a:ext cx="2736056" cy="2778919"/>
           </a:xfrm>
           <a:prstGeom prst="rect">
             <a:avLst/>
@@ -4786,7 +5143,7 @@
       </p:pic>
       <p:sp>
         <p:nvSpPr>
-          <p:cNvPr id="4" name="Espace réservé du contenu 3"/>
+          <p:cNvPr id="5" name="Espace réservé du contenu 4"/>
           <p:cNvSpPr>
             <a:spLocks noGrp="1"/>
           </p:cNvSpPr>
@@ -4796,34 +5153,101 @@
         </p:nvSpPr>
         <p:spPr>
           <a:xfrm>
-            <a:off x="1002392" y="4143633"/>
-            <a:ext cx="9984607" cy="2353286"/>
+            <a:off x="4302425" y="2366010"/>
+            <a:ext cx="3936529" cy="3154680"/>
           </a:xfrm>
         </p:spPr>
         <p:txBody>
-          <a:bodyPr/>
-          <a:lstStyle/>
-          <a:p>
+          <a:bodyPr>
+            <a:normAutofit fontScale="70000" lnSpcReduction="20000"/>
+          </a:bodyPr>
+          <a:lstStyle/>
+          <a:p>
+            <a:r>
+              <a:rPr lang="fr-CH" i="1" dirty="0" smtClean="0"/>
+              <a:t>Command</a:t>
+            </a:r>
+          </a:p>
+          <a:p>
+            <a:pPr lvl="1"/>
             <a:r>
               <a:rPr lang="fr-CH" dirty="0" smtClean="0"/>
-              <a:t>Le </a:t>
-            </a:r>
-            <a:r>
-              <a:rPr lang="fr-CH" i="1" dirty="0" smtClean="0"/>
-              <a:t>Client</a:t>
-            </a:r>
-            <a:r>
-              <a:rPr lang="fr-CH" dirty="0" smtClean="0"/>
-              <a:t> crée une </a:t>
-            </a:r>
+              <a:t>Déclare une interface pour exécuter une action</a:t>
+            </a:r>
+          </a:p>
+          <a:p>
             <a:r>
               <a:rPr lang="fr-CH" i="1" dirty="0" err="1" smtClean="0"/>
               <a:t>ConcreteCommand</a:t>
             </a:r>
+            <a:endParaRPr lang="fr-CH" i="1" dirty="0" smtClean="0"/>
+          </a:p>
+          <a:p>
+            <a:pPr lvl="1"/>
             <a:r>
               <a:rPr lang="fr-CH" dirty="0" smtClean="0"/>
-              <a:t> et spécifie son </a:t>
-            </a:r>
+              <a:t>Définit un lien entre un objet et une action</a:t>
+            </a:r>
+          </a:p>
+          <a:p>
+            <a:pPr lvl="1"/>
+            <a:r>
+              <a:rPr lang="fr-CH" dirty="0" smtClean="0"/>
+              <a:t>Implémente </a:t>
+            </a:r>
+            <a:r>
+              <a:rPr lang="fr-CH" i="1" dirty="0" err="1" smtClean="0"/>
+              <a:t>execute</a:t>
+            </a:r>
+            <a:r>
+              <a:rPr lang="fr-CH" i="1" dirty="0" smtClean="0"/>
+              <a:t>()</a:t>
+            </a:r>
+          </a:p>
+          <a:p>
+            <a:r>
+              <a:rPr lang="fr-CH" i="1" dirty="0" smtClean="0"/>
+              <a:t>Client </a:t>
+            </a:r>
+          </a:p>
+          <a:p>
+            <a:pPr lvl="1"/>
+            <a:r>
+              <a:rPr lang="fr-CH" dirty="0" smtClean="0"/>
+              <a:t>Crée une </a:t>
+            </a:r>
+            <a:r>
+              <a:rPr lang="fr-CH" i="1" dirty="0" err="1" smtClean="0"/>
+              <a:t>ConcreteCommand</a:t>
+            </a:r>
+            <a:r>
+              <a:rPr lang="fr-CH" dirty="0" smtClean="0"/>
+              <a:t> (une action)</a:t>
+            </a:r>
+          </a:p>
+          <a:p>
+            <a:r>
+              <a:rPr lang="fr-CH" i="1" dirty="0" err="1" smtClean="0"/>
+              <a:t>Invoker</a:t>
+            </a:r>
+            <a:endParaRPr lang="fr-CH" i="1" dirty="0" smtClean="0"/>
+          </a:p>
+          <a:p>
+            <a:pPr lvl="1"/>
+            <a:r>
+              <a:rPr lang="fr-CH" dirty="0" smtClean="0"/>
+              <a:t>Demande à la </a:t>
+            </a:r>
+            <a:r>
+              <a:rPr lang="fr-CH" i="1" dirty="0" smtClean="0"/>
+              <a:t>Command</a:t>
+            </a:r>
+            <a:r>
+              <a:rPr lang="fr-CH" dirty="0" smtClean="0"/>
+              <a:t> de s’exécuter</a:t>
+            </a:r>
+          </a:p>
+          <a:p>
             <a:r>
               <a:rPr lang="fr-CH" i="1" dirty="0" err="1" smtClean="0"/>
               <a:t>Receiver</a:t>
@@ -4831,102 +5255,12 @@
             <a:endParaRPr lang="fr-CH" i="1" dirty="0" smtClean="0"/>
           </a:p>
           <a:p>
+            <a:pPr lvl="1"/>
             <a:r>
               <a:rPr lang="fr-CH" dirty="0" smtClean="0"/>
-              <a:t>Un </a:t>
-            </a:r>
-            <a:r>
-              <a:rPr lang="fr-CH" i="1" dirty="0" err="1" smtClean="0"/>
-              <a:t>Invoker</a:t>
-            </a:r>
-            <a:r>
-              <a:rPr lang="fr-CH" dirty="0" smtClean="0"/>
-              <a:t> stocke la </a:t>
-            </a:r>
-            <a:r>
-              <a:rPr lang="fr-CH" i="1" dirty="0" err="1" smtClean="0"/>
-              <a:t>ConcreteCommand</a:t>
-            </a:r>
-            <a:r>
-              <a:rPr lang="fr-CH" dirty="0" smtClean="0"/>
-              <a:t> créée</a:t>
-            </a:r>
-          </a:p>
-          <a:p>
-            <a:r>
-              <a:rPr lang="fr-CH" dirty="0" smtClean="0"/>
-              <a:t>L’</a:t>
-            </a:r>
-            <a:r>
-              <a:rPr lang="fr-CH" i="1" dirty="0" err="1" smtClean="0"/>
-              <a:t>Invoker</a:t>
-            </a:r>
-            <a:r>
-              <a:rPr lang="fr-CH" dirty="0" smtClean="0"/>
-              <a:t> lance la </a:t>
-            </a:r>
-            <a:r>
-              <a:rPr lang="fr-CH" i="1" dirty="0" err="1" smtClean="0"/>
-              <a:t>ConcreteCommand</a:t>
-            </a:r>
-            <a:r>
-              <a:rPr lang="fr-CH" dirty="0" smtClean="0"/>
-              <a:t> au travers de sa méthode </a:t>
-            </a:r>
-            <a:r>
-              <a:rPr lang="fr-CH" i="1" dirty="0" err="1" smtClean="0"/>
-              <a:t>execute</a:t>
-            </a:r>
-            <a:r>
-              <a:rPr lang="fr-CH" i="1" dirty="0" smtClean="0"/>
-              <a:t>()</a:t>
-            </a:r>
-          </a:p>
-          <a:p>
-            <a:r>
-              <a:rPr lang="fr-CH" dirty="0" smtClean="0"/>
-              <a:t>La </a:t>
-            </a:r>
-            <a:r>
-              <a:rPr lang="fr-CH" i="1" dirty="0" err="1" smtClean="0"/>
-              <a:t>ConcreteCommand</a:t>
-            </a:r>
-            <a:r>
-              <a:rPr lang="fr-CH" dirty="0" smtClean="0"/>
-              <a:t> appelle </a:t>
-            </a:r>
-            <a:r>
-              <a:rPr lang="fr-CH" i="1" dirty="0" smtClean="0"/>
-              <a:t>action() </a:t>
-            </a:r>
-            <a:r>
-              <a:rPr lang="fr-CH" dirty="0" smtClean="0"/>
-              <a:t>sur le </a:t>
-            </a:r>
-            <a:r>
-              <a:rPr lang="fr-CH" i="1" dirty="0" err="1" smtClean="0"/>
-              <a:t>Receiver</a:t>
-            </a:r>
-            <a:endParaRPr lang="fr-CH" i="1" dirty="0" smtClean="0"/>
-          </a:p>
-          <a:p>
-            <a:r>
-              <a:rPr lang="fr-CH" dirty="0" smtClean="0"/>
-              <a:t>Le </a:t>
-            </a:r>
-            <a:r>
-              <a:rPr lang="fr-CH" i="1" dirty="0" err="1" smtClean="0"/>
-              <a:t>Receiver</a:t>
-            </a:r>
-            <a:r>
-              <a:rPr lang="fr-CH" dirty="0" smtClean="0"/>
-              <a:t> effectue l’action initialement demandée par le </a:t>
-            </a:r>
-            <a:r>
-              <a:rPr lang="fr-CH" i="1" dirty="0" smtClean="0"/>
-              <a:t>Client</a:t>
-            </a:r>
-            <a:endParaRPr lang="fr-CH" i="1" dirty="0"/>
+              <a:t>Effectue l’action demandée</a:t>
+            </a:r>
+            <a:endParaRPr lang="fr-CH" dirty="0"/>
           </a:p>
         </p:txBody>
       </p:sp>
@@ -4956,7 +5290,7 @@
     </p:spTree>
     <p:extLst>
       <p:ext uri="{BB962C8B-B14F-4D97-AF65-F5344CB8AC3E}">
-        <p14:creationId xmlns:p14="http://schemas.microsoft.com/office/powerpoint/2010/main" val="2264083583"/>
+        <p14:creationId xmlns:p14="http://schemas.microsoft.com/office/powerpoint/2010/main" val="4278437931"/>
       </p:ext>
     </p:extLst>
   </p:cSld>
@@ -4992,7 +5326,7 @@
       </p:grpSpPr>
       <p:sp>
         <p:nvSpPr>
-          <p:cNvPr id="5" name="Titre 4"/>
+          <p:cNvPr id="2" name="Titre 1"/>
           <p:cNvSpPr>
             <a:spLocks noGrp="1"/>
           </p:cNvSpPr>
@@ -5007,152 +5341,205 @@
           <a:p>
             <a:r>
               <a:rPr lang="fr-CH" dirty="0" smtClean="0"/>
-              <a:t>Commande</a:t>
+              <a:t>Collaborations</a:t>
             </a:r>
             <a:endParaRPr lang="fr-CH" dirty="0"/>
           </a:p>
         </p:txBody>
       </p:sp>
-      <p:sp>
-        <p:nvSpPr>
-          <p:cNvPr id="6" name="Espace réservé du contenu 5"/>
-          <p:cNvSpPr>
-            <a:spLocks noGrp="1"/>
-          </p:cNvSpPr>
-          <p:nvPr>
-            <p:ph idx="1"/>
-          </p:nvPr>
-        </p:nvSpPr>
-        <p:spPr/>
+      <p:pic>
+        <p:nvPicPr>
+          <p:cNvPr id="5" name="Espace réservé du contenu 4"/>
+          <p:cNvPicPr>
+            <a:picLocks noGrp="1" noChangeAspect="1"/>
+          </p:cNvPicPr>
+          <p:nvPr>
+            <p:ph sz="half" idx="1"/>
+          </p:nvPr>
+        </p:nvPicPr>
+        <p:blipFill>
+          <a:blip r:embed="rId2">
+            <a:extLst>
+              <a:ext uri="{28A0092B-C50C-407E-A947-70E740481C1C}">
+                <a14:useLocalDpi xmlns:a14="http://schemas.microsoft.com/office/drawing/2010/main" val="0"/>
+              </a:ext>
+            </a:extLst>
+          </a:blip>
+          <a:stretch>
+            <a:fillRect/>
+          </a:stretch>
+        </p:blipFill>
+        <p:spPr>
+          <a:xfrm>
+            <a:off x="962904" y="2376697"/>
+            <a:ext cx="4103069" cy="1413533"/>
+          </a:xfrm>
+          <a:prstGeom prst="rect">
+            <a:avLst/>
+          </a:prstGeom>
+          <a:ln>
+            <a:noFill/>
+          </a:ln>
+          <a:effectLst>
+            <a:outerShdw blurRad="292100" dist="139700" dir="2700000" algn="tl" rotWithShape="0">
+              <a:srgbClr val="333333">
+                <a:alpha val="65000"/>
+              </a:srgbClr>
+            </a:outerShdw>
+          </a:effectLst>
+        </p:spPr>
+      </p:pic>
+      <p:sp>
+        <p:nvSpPr>
+          <p:cNvPr id="4" name="Espace réservé du contenu 3"/>
+          <p:cNvSpPr>
+            <a:spLocks noGrp="1"/>
+          </p:cNvSpPr>
+          <p:nvPr>
+            <p:ph sz="half" idx="2"/>
+          </p:nvPr>
+        </p:nvSpPr>
+        <p:spPr>
+          <a:xfrm>
+            <a:off x="751795" y="3964975"/>
+            <a:ext cx="7488455" cy="1764965"/>
+          </a:xfrm>
+        </p:spPr>
         <p:txBody>
           <a:bodyPr>
-            <a:normAutofit lnSpcReduction="10000"/>
+            <a:normAutofit fontScale="77500" lnSpcReduction="20000"/>
           </a:bodyPr>
           <a:lstStyle/>
           <a:p>
             <a:r>
               <a:rPr lang="fr-CH" dirty="0" smtClean="0"/>
-              <a:t>Conséquences</a:t>
-            </a:r>
-          </a:p>
-          <a:p>
-            <a:pPr lvl="1"/>
+              <a:t>Le </a:t>
+            </a:r>
+            <a:r>
+              <a:rPr lang="fr-CH" i="1" dirty="0" smtClean="0"/>
+              <a:t>Client</a:t>
+            </a:r>
             <a:r>
               <a:rPr lang="fr-CH" dirty="0" smtClean="0"/>
-              <a:t>Sépare l’objet qui invoque l’action de celui qui sait comment la réaliser</a:t>
-            </a:r>
-          </a:p>
-          <a:p>
-            <a:pPr lvl="1"/>
+              <a:t> crée une </a:t>
+            </a:r>
+            <a:r>
+              <a:rPr lang="fr-CH" i="1" dirty="0" err="1" smtClean="0"/>
+              <a:t>ConcreteCommand</a:t>
+            </a:r>
             <a:r>
               <a:rPr lang="fr-CH" dirty="0" smtClean="0"/>
-              <a:t>Les actions sont des objets, manipulables et extensibles comme ces derniers</a:t>
-            </a:r>
-          </a:p>
-          <a:p>
-            <a:pPr lvl="1"/>
+              <a:t> et spécifie son </a:t>
+            </a:r>
+            <a:r>
+              <a:rPr lang="fr-CH" i="1" dirty="0" err="1" smtClean="0"/>
+              <a:t>Receiver</a:t>
+            </a:r>
+            <a:endParaRPr lang="fr-CH" i="1" dirty="0" smtClean="0"/>
+          </a:p>
+          <a:p>
             <a:r>
               <a:rPr lang="fr-CH" dirty="0" smtClean="0"/>
-              <a:t>La création de nouvelles actions ne viole pas l’OCP</a:t>
-            </a:r>
-          </a:p>
-          <a:p>
-            <a:pPr lvl="1"/>
+              <a:t>Un </a:t>
+            </a:r>
+            <a:r>
+              <a:rPr lang="fr-CH" i="1" dirty="0" err="1" smtClean="0"/>
+              <a:t>Invoker</a:t>
+            </a:r>
             <a:r>
               <a:rPr lang="fr-CH" dirty="0" smtClean="0"/>
-              <a:t>Il est facile d’étendre le modèle pour supporter les </a:t>
+              <a:t> stocke la </a:t>
+            </a:r>
+            <a:r>
+              <a:rPr lang="fr-CH" i="1" dirty="0" err="1" smtClean="0"/>
+              <a:t>ConcreteCommand</a:t>
+            </a:r>
+            <a:r>
+              <a:rPr lang="fr-CH" dirty="0" smtClean="0"/>
+              <a:t> créée</a:t>
+            </a:r>
+          </a:p>
+          <a:p>
+            <a:r>
+              <a:rPr lang="fr-CH" dirty="0" smtClean="0"/>
+              <a:t>L’</a:t>
+            </a:r>
+            <a:r>
+              <a:rPr lang="fr-CH" i="1" dirty="0" err="1" smtClean="0"/>
+              <a:t>Invoker</a:t>
+            </a:r>
+            <a:r>
+              <a:rPr lang="fr-CH" dirty="0" smtClean="0"/>
+              <a:t> lance la </a:t>
+            </a:r>
+            <a:r>
+              <a:rPr lang="fr-CH" i="1" dirty="0" err="1" smtClean="0"/>
+              <a:t>ConcreteCommand</a:t>
+            </a:r>
+            <a:r>
+              <a:rPr lang="fr-CH" dirty="0" smtClean="0"/>
+              <a:t> au travers de sa méthode </a:t>
+            </a:r>
+            <a:r>
+              <a:rPr lang="fr-CH" i="1" dirty="0" err="1" smtClean="0"/>
+              <a:t>execute</a:t>
             </a:r>
             <a:r>
               <a:rPr lang="fr-CH" i="1" dirty="0" smtClean="0"/>
-              <a:t>undo </a:t>
-            </a:r>
+              <a:t>()</a:t>
+            </a:r>
+          </a:p>
+          <a:p>
             <a:r>
               <a:rPr lang="fr-CH" dirty="0" smtClean="0"/>
-              <a:t>et les </a:t>
+              <a:t>La </a:t>
+            </a:r>
+            <a:r>
+              <a:rPr lang="fr-CH" i="1" dirty="0" err="1" smtClean="0"/>
+              <a:t>ConcreteCommand</a:t>
+            </a:r>
+            <a:r>
+              <a:rPr lang="fr-CH" dirty="0" smtClean="0"/>
+              <a:t> appelle </a:t>
             </a:r>
             <a:r>
               <a:rPr lang="fr-CH" i="1" dirty="0" smtClean="0"/>
-              <a:t>macros</a:t>
-            </a:r>
-            <a:endParaRPr lang="fr-CH" dirty="0" smtClean="0"/>
-          </a:p>
-          <a:p>
+              <a:t>action() </a:t>
+            </a:r>
             <a:r>
               <a:rPr lang="fr-CH" dirty="0" smtClean="0"/>
-              <a:t>Considérations d’implémentation</a:t>
-            </a:r>
-          </a:p>
-          <a:p>
-            <a:pPr lvl="1"/>
+              <a:t>sur le </a:t>
+            </a:r>
+            <a:r>
+              <a:rPr lang="fr-CH" i="1" dirty="0" err="1" smtClean="0"/>
+              <a:t>Receiver</a:t>
+            </a:r>
+            <a:endParaRPr lang="fr-CH" i="1" dirty="0" smtClean="0"/>
+          </a:p>
+          <a:p>
             <a:r>
               <a:rPr lang="fr-CH" dirty="0" smtClean="0"/>
-              <a:t>A quelle point une commande </a:t>
-            </a:r>
-            <a:r>
-              <a:rPr lang="fr-CH" dirty="0" err="1" smtClean="0"/>
-              <a:t>doit-elle</a:t>
+              <a:t>Le </a:t>
+            </a:r>
+            <a:r>
+              <a:rPr lang="fr-CH" i="1" dirty="0" err="1" smtClean="0"/>
+              <a:t>Receiver</a:t>
             </a:r>
             <a:r>
               <a:rPr lang="fr-CH" dirty="0" smtClean="0"/>
-              <a:t> être intelligente ?</a:t>
-            </a:r>
-          </a:p>
-          <a:p>
-            <a:pPr lvl="2"/>
-            <a:r>
-              <a:rPr lang="fr-CH" dirty="0" smtClean="0"/>
-              <a:t>Simple lien entre un objet et une action ?</a:t>
-            </a:r>
-          </a:p>
-          <a:p>
-            <a:pPr lvl="2"/>
-            <a:r>
-              <a:rPr lang="fr-CH" dirty="0" smtClean="0"/>
-              <a:t>Une commande indépendante et/ou intelligente ?</a:t>
-            </a:r>
-          </a:p>
-          <a:p>
-            <a:pPr lvl="1"/>
-            <a:r>
-              <a:rPr lang="fr-CH" dirty="0" smtClean="0"/>
-              <a:t>Support des </a:t>
+              <a:t> effectue l’action initialement demandée par le </a:t>
             </a:r>
             <a:r>
               <a:rPr lang="fr-CH" i="1" dirty="0" smtClean="0"/>
-              <a:t>undo</a:t>
-            </a:r>
-            <a:r>
-              <a:rPr lang="fr-CH" dirty="0" smtClean="0"/>
-              <a:t> et des </a:t>
-            </a:r>
-            <a:r>
-              <a:rPr lang="fr-CH" i="1" dirty="0" err="1" smtClean="0"/>
-              <a:t>redo</a:t>
-            </a:r>
-            <a:r>
-              <a:rPr lang="fr-CH" dirty="0" smtClean="0"/>
-              <a:t> ?</a:t>
-            </a:r>
-          </a:p>
-          <a:p>
-            <a:pPr lvl="2"/>
-            <a:r>
-              <a:rPr lang="fr-CH" dirty="0" smtClean="0"/>
-              <a:t>Jusqu’à quelle limite ?</a:t>
-            </a:r>
-          </a:p>
-          <a:p>
-            <a:pPr lvl="2"/>
-            <a:r>
-              <a:rPr lang="fr-CH" dirty="0" smtClean="0"/>
-              <a:t>Comment éviter l’accumulation des erreurs ?</a:t>
-            </a:r>
-          </a:p>
-        </p:txBody>
-      </p:sp>
-      <p:sp>
-        <p:nvSpPr>
-          <p:cNvPr id="2" name="Slide Number Placeholder 1"/>
+              <a:t>Client</a:t>
+            </a:r>
+            <a:endParaRPr lang="fr-CH" i="1" dirty="0"/>
+          </a:p>
+        </p:txBody>
+      </p:sp>
+      <p:sp>
+        <p:nvSpPr>
+          <p:cNvPr id="3" name="Slide Number Placeholder 2"/>
           <p:cNvSpPr>
             <a:spLocks noGrp="1"/>
           </p:cNvSpPr>
@@ -5176,7 +5563,7 @@
     </p:spTree>
     <p:extLst>
       <p:ext uri="{BB962C8B-B14F-4D97-AF65-F5344CB8AC3E}">
-        <p14:creationId xmlns:p14="http://schemas.microsoft.com/office/powerpoint/2010/main" val="1164374621"/>
+        <p14:creationId xmlns:p14="http://schemas.microsoft.com/office/powerpoint/2010/main" val="2264083583"/>
       </p:ext>
     </p:extLst>
   </p:cSld>
@@ -5212,15 +5599,263 @@
       </p:grpSpPr>
       <p:sp>
         <p:nvSpPr>
+          <p:cNvPr id="5" name="Titre 4"/>
+          <p:cNvSpPr>
+            <a:spLocks noGrp="1"/>
+          </p:cNvSpPr>
+          <p:nvPr>
+            <p:ph type="title"/>
+          </p:nvPr>
+        </p:nvSpPr>
+        <p:spPr/>
+        <p:txBody>
+          <a:bodyPr/>
+          <a:lstStyle/>
+          <a:p>
+            <a:r>
+              <a:rPr lang="fr-CH" dirty="0" smtClean="0"/>
+              <a:t>Commande</a:t>
+            </a:r>
+            <a:endParaRPr lang="fr-CH" dirty="0"/>
+          </a:p>
+        </p:txBody>
+      </p:sp>
+      <p:sp>
+        <p:nvSpPr>
+          <p:cNvPr id="6" name="Espace réservé du contenu 5"/>
+          <p:cNvSpPr>
+            <a:spLocks noGrp="1"/>
+          </p:cNvSpPr>
+          <p:nvPr>
+            <p:ph idx="1"/>
+          </p:nvPr>
+        </p:nvSpPr>
+        <p:spPr/>
+        <p:txBody>
+          <a:bodyPr>
+            <a:normAutofit fontScale="92500" lnSpcReduction="10000"/>
+          </a:bodyPr>
+          <a:lstStyle/>
+          <a:p>
+            <a:r>
+              <a:rPr lang="fr-CH" dirty="0" smtClean="0"/>
+              <a:t>Conséquences</a:t>
+            </a:r>
+          </a:p>
+          <a:p>
+            <a:pPr lvl="1"/>
+            <a:r>
+              <a:rPr lang="fr-CH" dirty="0" smtClean="0"/>
+              <a:t>Sépare l’objet qui invoque l’action de celui qui sait comment la réaliser</a:t>
+            </a:r>
+          </a:p>
+          <a:p>
+            <a:pPr lvl="1"/>
+            <a:r>
+              <a:rPr lang="fr-CH" dirty="0" smtClean="0"/>
+              <a:t>Les actions sont des objets, manipulables et extensibles comme ces derniers</a:t>
+            </a:r>
+          </a:p>
+          <a:p>
+            <a:pPr lvl="1"/>
+            <a:r>
+              <a:rPr lang="fr-CH" dirty="0" smtClean="0"/>
+              <a:t>La création de nouvelles actions ne viole pas l’OCP</a:t>
+            </a:r>
+          </a:p>
+          <a:p>
+            <a:pPr lvl="1"/>
+            <a:r>
+              <a:rPr lang="fr-CH" dirty="0" smtClean="0"/>
+              <a:t>Il est facile d’étendre le modèle pour supporter les </a:t>
+            </a:r>
+            <a:r>
+              <a:rPr lang="fr-CH" i="1" dirty="0" smtClean="0"/>
+              <a:t>undo </a:t>
+            </a:r>
+            <a:r>
+              <a:rPr lang="fr-CH" dirty="0" smtClean="0"/>
+              <a:t>et les </a:t>
+            </a:r>
+            <a:r>
+              <a:rPr lang="fr-CH" i="1" dirty="0" smtClean="0"/>
+              <a:t>macros</a:t>
+            </a:r>
+            <a:endParaRPr lang="fr-CH" dirty="0" smtClean="0"/>
+          </a:p>
+          <a:p>
+            <a:r>
+              <a:rPr lang="fr-CH" dirty="0" smtClean="0"/>
+              <a:t>Considérations d’implémentation</a:t>
+            </a:r>
+          </a:p>
+          <a:p>
+            <a:pPr lvl="1"/>
+            <a:r>
+              <a:rPr lang="fr-CH" dirty="0" smtClean="0"/>
+              <a:t>A quelle point une commande </a:t>
+            </a:r>
+            <a:r>
+              <a:rPr lang="fr-CH" dirty="0" err="1" smtClean="0"/>
+              <a:t>doit-elle</a:t>
+            </a:r>
+            <a:r>
+              <a:rPr lang="fr-CH" dirty="0" smtClean="0"/>
+              <a:t> être intelligente ?</a:t>
+            </a:r>
+          </a:p>
+          <a:p>
+            <a:pPr lvl="2"/>
+            <a:r>
+              <a:rPr lang="fr-CH" dirty="0" smtClean="0"/>
+              <a:t>Simple lien entre un objet et une action ?</a:t>
+            </a:r>
+          </a:p>
+          <a:p>
+            <a:pPr lvl="2"/>
+            <a:r>
+              <a:rPr lang="fr-CH" dirty="0" smtClean="0"/>
+              <a:t>Une commande indépendante et/ou intelligente ?</a:t>
+            </a:r>
+          </a:p>
+          <a:p>
+            <a:pPr lvl="1"/>
+            <a:r>
+              <a:rPr lang="fr-CH" dirty="0" smtClean="0"/>
+              <a:t>Support des </a:t>
+            </a:r>
+            <a:r>
+              <a:rPr lang="fr-CH" i="1" dirty="0" smtClean="0"/>
+              <a:t>undo</a:t>
+            </a:r>
+            <a:r>
+              <a:rPr lang="fr-CH" dirty="0" smtClean="0"/>
+              <a:t> et des </a:t>
+            </a:r>
+            <a:r>
+              <a:rPr lang="fr-CH" i="1" dirty="0" err="1" smtClean="0"/>
+              <a:t>redo</a:t>
+            </a:r>
+            <a:r>
+              <a:rPr lang="fr-CH" dirty="0" smtClean="0"/>
+              <a:t> ?</a:t>
+            </a:r>
+          </a:p>
+          <a:p>
+            <a:pPr lvl="2"/>
+            <a:r>
+              <a:rPr lang="fr-CH" dirty="0" smtClean="0"/>
+              <a:t>Jusqu’à quelle limite ?</a:t>
+            </a:r>
+          </a:p>
+          <a:p>
+            <a:pPr lvl="2"/>
+            <a:r>
+              <a:rPr lang="fr-CH" dirty="0" smtClean="0"/>
+              <a:t>Comment éviter l’accumulation des erreurs ?</a:t>
+            </a:r>
+          </a:p>
+        </p:txBody>
+      </p:sp>
+      <p:sp>
+        <p:nvSpPr>
+          <p:cNvPr id="2" name="Slide Number Placeholder 1"/>
+          <p:cNvSpPr>
+            <a:spLocks noGrp="1"/>
+          </p:cNvSpPr>
+          <p:nvPr>
+            <p:ph type="sldNum" sz="quarter" idx="12"/>
+          </p:nvPr>
+        </p:nvSpPr>
+        <p:spPr/>
+        <p:txBody>
+          <a:bodyPr/>
+          <a:lstStyle/>
+          <a:p>
+            <a:fld id="{4FAB73BC-B049-4115-A692-8D63A059BFB8}" type="slidenum">
+              <a:rPr lang="en-US" smtClean="0"/>
+              <a:t>6</a:t>
+            </a:fld>
+            <a:endParaRPr lang="en-US" dirty="0"/>
+          </a:p>
+        </p:txBody>
+      </p:sp>
+    </p:spTree>
+    <p:extLst>
+      <p:ext uri="{BB962C8B-B14F-4D97-AF65-F5344CB8AC3E}">
+        <p14:creationId xmlns:p14="http://schemas.microsoft.com/office/powerpoint/2010/main" val="1164374621"/>
+      </p:ext>
+    </p:extLst>
+  </p:cSld>
+  <p:clrMapOvr>
+    <a:masterClrMapping/>
+  </p:clrMapOvr>
+  <p:timing>
+    <p:tnLst>
+      <p:par>
+        <p:cTn id="1" dur="indefinite" restart="never" nodeType="tmRoot"/>
+      </p:par>
+    </p:tnLst>
+  </p:timing>
+</p:sld>
+</file>
+
+<file path=ppt/slides/slide7.xml><?xml version="1.0" encoding="utf-8"?>
+<p:sld xmlns:a="http://schemas.openxmlformats.org/drawingml/2006/main" xmlns:r="http://schemas.openxmlformats.org/officeDocument/2006/relationships" xmlns:p="http://schemas.openxmlformats.org/presentationml/2006/main">
+  <p:cSld>
+    <p:spTree>
+      <p:nvGrpSpPr>
+        <p:cNvPr id="1" name=""/>
+        <p:cNvGrpSpPr/>
+        <p:nvPr/>
+      </p:nvGrpSpPr>
+      <p:grpSpPr>
+        <a:xfrm>
+          <a:off x="0" y="0"/>
+          <a:ext cx="0" cy="0"/>
+          <a:chOff x="0" y="0"/>
+          <a:chExt cx="0" cy="0"/>
+        </a:xfrm>
+      </p:grpSpPr>
+      <p:sp>
+        <p:nvSpPr>
+          <p:cNvPr id="3" name="Slide Number Placeholder 2"/>
+          <p:cNvSpPr>
+            <a:spLocks noGrp="1"/>
+          </p:cNvSpPr>
+          <p:nvPr>
+            <p:ph type="sldNum" sz="quarter" idx="12"/>
+          </p:nvPr>
+        </p:nvSpPr>
+        <p:spPr/>
+        <p:txBody>
+          <a:bodyPr/>
+          <a:lstStyle/>
+          <a:p>
+            <a:fld id="{4FAB73BC-B049-4115-A692-8D63A059BFB8}" type="slidenum">
+              <a:rPr lang="en-US" smtClean="0"/>
+              <a:t>7</a:t>
+            </a:fld>
+            <a:endParaRPr lang="en-US" dirty="0"/>
+          </a:p>
+        </p:txBody>
+      </p:sp>
+      <p:sp>
+        <p:nvSpPr>
           <p:cNvPr id="2" name="Titre 1"/>
           <p:cNvSpPr>
             <a:spLocks noGrp="1"/>
           </p:cNvSpPr>
           <p:nvPr>
-            <p:ph type="title"/>
-          </p:nvPr>
-        </p:nvSpPr>
-        <p:spPr/>
+            <p:ph type="title" idx="4294967295"/>
+          </p:nvPr>
+        </p:nvSpPr>
+        <p:spPr>
+          <a:xfrm>
+            <a:off x="0" y="1069975"/>
+            <a:ext cx="7337425" cy="1131888"/>
+          </a:xfrm>
+        </p:spPr>
         <p:txBody>
           <a:bodyPr/>
           <a:lstStyle/>
@@ -5255,8 +5890,8 @@
         </p:blipFill>
         <p:spPr>
           <a:xfrm>
-            <a:off x="393700" y="2163156"/>
-            <a:ext cx="6870700" cy="3903288"/>
+            <a:off x="1144168" y="307856"/>
+            <a:ext cx="5912240" cy="3358781"/>
           </a:xfrm>
           <a:prstGeom prst="rect">
             <a:avLst/>
@@ -5273,29 +5908,6 @@
           </a:effectLst>
         </p:spPr>
       </p:pic>
-      <p:sp>
-        <p:nvSpPr>
-          <p:cNvPr id="3" name="Slide Number Placeholder 2"/>
-          <p:cNvSpPr>
-            <a:spLocks noGrp="1"/>
-          </p:cNvSpPr>
-          <p:nvPr>
-            <p:ph type="sldNum" sz="quarter" idx="12"/>
-          </p:nvPr>
-        </p:nvSpPr>
-        <p:spPr/>
-        <p:txBody>
-          <a:bodyPr/>
-          <a:lstStyle/>
-          <a:p>
-            <a:fld id="{4FAB73BC-B049-4115-A692-8D63A059BFB8}" type="slidenum">
-              <a:rPr lang="en-US" smtClean="0"/>
-              <a:t>6</a:t>
-            </a:fld>
-            <a:endParaRPr lang="en-US" dirty="0"/>
-          </a:p>
-        </p:txBody>
-      </p:sp>
       <p:pic>
         <p:nvPicPr>
           <p:cNvPr id="4" name="Picture 3"/>
@@ -5318,8 +5930,48 @@
         </p:blipFill>
         <p:spPr>
           <a:xfrm>
-            <a:off x="7417278" y="2584817"/>
-            <a:ext cx="4357599" cy="2887438"/>
+            <a:off x="557482" y="4031464"/>
+            <a:ext cx="3608987" cy="2391392"/>
+          </a:xfrm>
+          <a:prstGeom prst="rect">
+            <a:avLst/>
+          </a:prstGeom>
+          <a:ln>
+            <a:noFill/>
+          </a:ln>
+          <a:effectLst>
+            <a:outerShdw blurRad="292100" dist="139700" dir="2700000" algn="tl" rotWithShape="0">
+              <a:srgbClr val="333333">
+                <a:alpha val="65000"/>
+              </a:srgbClr>
+            </a:outerShdw>
+          </a:effectLst>
+        </p:spPr>
+      </p:pic>
+      <p:pic>
+        <p:nvPicPr>
+          <p:cNvPr id="5" name="Picture 4"/>
+          <p:cNvPicPr>
+            <a:picLocks noChangeAspect="1"/>
+          </p:cNvPicPr>
+          <p:nvPr/>
+        </p:nvPicPr>
+        <p:blipFill>
+          <a:blip r:embed="rId4">
+            <a:extLst>
+              <a:ext uri="{28A0092B-C50C-407E-A947-70E740481C1C}">
+                <a14:useLocalDpi xmlns:a14="http://schemas.microsoft.com/office/drawing/2010/main" val="0"/>
+              </a:ext>
+            </a:extLst>
+          </a:blip>
+          <a:stretch>
+            <a:fillRect/>
+          </a:stretch>
+        </p:blipFill>
+        <p:spPr>
+          <a:xfrm>
+            <a:off x="4655029" y="4031464"/>
+            <a:ext cx="3584218" cy="2391391"/>
           </a:xfrm>
           <a:prstGeom prst="rect">
             <a:avLst/>
@@ -5356,108 +6008,6 @@
 </p:sld>
 </file>
 
-<file path=ppt/slides/slide7.xml><?xml version="1.0" encoding="utf-8"?>
-<p:sld xmlns:a="http://schemas.openxmlformats.org/drawingml/2006/main" xmlns:r="http://schemas.openxmlformats.org/officeDocument/2006/relationships" xmlns:p="http://schemas.openxmlformats.org/presentationml/2006/main">
-  <p:cSld>
-    <p:spTree>
-      <p:nvGrpSpPr>
-        <p:cNvPr id="1" name=""/>
-        <p:cNvGrpSpPr/>
-        <p:nvPr/>
-      </p:nvGrpSpPr>
-      <p:grpSpPr>
-        <a:xfrm>
-          <a:off x="0" y="0"/>
-          <a:ext cx="0" cy="0"/>
-          <a:chOff x="0" y="0"/>
-          <a:chExt cx="0" cy="0"/>
-        </a:xfrm>
-      </p:grpSpPr>
-      <p:pic>
-        <p:nvPicPr>
-          <p:cNvPr id="4" name="Content Placeholder 3"/>
-          <p:cNvPicPr>
-            <a:picLocks noGrp="1" noChangeAspect="1"/>
-          </p:cNvPicPr>
-          <p:nvPr>
-            <p:ph idx="4294967295"/>
-          </p:nvPr>
-        </p:nvPicPr>
-        <p:blipFill>
-          <a:blip r:embed="rId2">
-            <a:extLst>
-              <a:ext uri="{28A0092B-C50C-407E-A947-70E740481C1C}">
-                <a14:useLocalDpi xmlns:a14="http://schemas.microsoft.com/office/drawing/2010/main" val="0"/>
-              </a:ext>
-            </a:extLst>
-          </a:blip>
-          <a:stretch>
-            <a:fillRect/>
-          </a:stretch>
-        </p:blipFill>
-        <p:spPr>
-          <a:xfrm>
-            <a:off x="2533650" y="2006600"/>
-            <a:ext cx="7124700" cy="2844800"/>
-          </a:xfrm>
-          <a:prstGeom prst="rect">
-            <a:avLst/>
-          </a:prstGeom>
-          <a:ln>
-            <a:noFill/>
-          </a:ln>
-          <a:effectLst>
-            <a:outerShdw blurRad="292100" dist="139700" dir="2700000" algn="tl" rotWithShape="0">
-              <a:srgbClr val="333333">
-                <a:alpha val="65000"/>
-              </a:srgbClr>
-            </a:outerShdw>
-          </a:effectLst>
-        </p:spPr>
-      </p:pic>
-      <p:sp>
-        <p:nvSpPr>
-          <p:cNvPr id="2" name="Slide Number Placeholder 1"/>
-          <p:cNvSpPr>
-            <a:spLocks noGrp="1"/>
-          </p:cNvSpPr>
-          <p:nvPr>
-            <p:ph type="sldNum" sz="quarter" idx="12"/>
-          </p:nvPr>
-        </p:nvSpPr>
-        <p:spPr/>
-        <p:txBody>
-          <a:bodyPr/>
-          <a:lstStyle/>
-          <a:p>
-            <a:fld id="{4FAB73BC-B049-4115-A692-8D63A059BFB8}" type="slidenum">
-              <a:rPr lang="en-US" smtClean="0"/>
-              <a:t>7</a:t>
-            </a:fld>
-            <a:endParaRPr lang="en-US" dirty="0"/>
-          </a:p>
-        </p:txBody>
-      </p:sp>
-    </p:spTree>
-    <p:extLst>
-      <p:ext uri="{BB962C8B-B14F-4D97-AF65-F5344CB8AC3E}">
-        <p14:creationId xmlns:p14="http://schemas.microsoft.com/office/powerpoint/2010/main" val="1842980125"/>
-      </p:ext>
-    </p:extLst>
-  </p:cSld>
-  <p:clrMapOvr>
-    <a:masterClrMapping/>
-  </p:clrMapOvr>
-  <p:timing>
-    <p:tnLst>
-      <p:par>
-        <p:cTn id="1" dur="indefinite" restart="never" nodeType="tmRoot"/>
-      </p:par>
-    </p:tnLst>
-  </p:timing>
-</p:sld>
-</file>
-
 <file path=ppt/slides/slide8.xml><?xml version="1.0" encoding="utf-8"?>
 <p:sld xmlns:a="http://schemas.openxmlformats.org/drawingml/2006/main" xmlns:r="http://schemas.openxmlformats.org/officeDocument/2006/relationships" xmlns:p="http://schemas.openxmlformats.org/presentationml/2006/main">
   <p:cSld>
@@ -5475,6 +6025,29 @@
           <a:chExt cx="0" cy="0"/>
         </a:xfrm>
       </p:grpSpPr>
+      <p:sp>
+        <p:nvSpPr>
+          <p:cNvPr id="2" name="Slide Number Placeholder 1"/>
+          <p:cNvSpPr>
+            <a:spLocks noGrp="1"/>
+          </p:cNvSpPr>
+          <p:nvPr>
+            <p:ph type="sldNum" sz="quarter" idx="12"/>
+          </p:nvPr>
+        </p:nvSpPr>
+        <p:spPr/>
+        <p:txBody>
+          <a:bodyPr/>
+          <a:lstStyle/>
+          <a:p>
+            <a:fld id="{4FAB73BC-B049-4115-A692-8D63A059BFB8}" type="slidenum">
+              <a:rPr lang="en-US" smtClean="0"/>
+              <a:t>8</a:t>
+            </a:fld>
+            <a:endParaRPr lang="en-US" dirty="0"/>
+          </a:p>
+        </p:txBody>
+      </p:sp>
       <p:pic>
         <p:nvPicPr>
           <p:cNvPr id="4" name="Content Placeholder 3"/>
@@ -5499,8 +6072,8 @@
         </p:blipFill>
         <p:spPr>
           <a:xfrm>
-            <a:off x="2603500" y="1746250"/>
-            <a:ext cx="6985000" cy="3365500"/>
+            <a:off x="1276710" y="2355011"/>
+            <a:ext cx="6636199" cy="2649748"/>
           </a:xfrm>
           <a:prstGeom prst="rect">
             <a:avLst/>
@@ -5517,33 +6090,10 @@
           </a:effectLst>
         </p:spPr>
       </p:pic>
-      <p:sp>
-        <p:nvSpPr>
-          <p:cNvPr id="2" name="Slide Number Placeholder 1"/>
-          <p:cNvSpPr>
-            <a:spLocks noGrp="1"/>
-          </p:cNvSpPr>
-          <p:nvPr>
-            <p:ph type="sldNum" sz="quarter" idx="12"/>
-          </p:nvPr>
-        </p:nvSpPr>
-        <p:spPr/>
-        <p:txBody>
-          <a:bodyPr/>
-          <a:lstStyle/>
-          <a:p>
-            <a:fld id="{4FAB73BC-B049-4115-A692-8D63A059BFB8}" type="slidenum">
-              <a:rPr lang="en-US" smtClean="0"/>
-              <a:t>8</a:t>
-            </a:fld>
-            <a:endParaRPr lang="en-US" dirty="0"/>
-          </a:p>
-        </p:txBody>
-      </p:sp>
     </p:spTree>
     <p:extLst>
       <p:ext uri="{BB962C8B-B14F-4D97-AF65-F5344CB8AC3E}">
-        <p14:creationId xmlns:p14="http://schemas.microsoft.com/office/powerpoint/2010/main" val="321408748"/>
+        <p14:creationId xmlns:p14="http://schemas.microsoft.com/office/powerpoint/2010/main" val="1842980125"/>
       </p:ext>
     </p:extLst>
   </p:cSld>
@@ -5577,13 +6127,38 @@
           <a:chExt cx="0" cy="0"/>
         </a:xfrm>
       </p:grpSpPr>
+      <p:sp>
+        <p:nvSpPr>
+          <p:cNvPr id="2" name="Slide Number Placeholder 1"/>
+          <p:cNvSpPr>
+            <a:spLocks noGrp="1"/>
+          </p:cNvSpPr>
+          <p:nvPr>
+            <p:ph type="sldNum" sz="quarter" idx="12"/>
+          </p:nvPr>
+        </p:nvSpPr>
+        <p:spPr/>
+        <p:txBody>
+          <a:bodyPr/>
+          <a:lstStyle/>
+          <a:p>
+            <a:fld id="{4FAB73BC-B049-4115-A692-8D63A059BFB8}" type="slidenum">
+              <a:rPr lang="en-US" smtClean="0"/>
+              <a:t>9</a:t>
+            </a:fld>
+            <a:endParaRPr lang="en-US" dirty="0"/>
+          </a:p>
+        </p:txBody>
+      </p:sp>
       <p:pic>
         <p:nvPicPr>
-          <p:cNvPr id="2" name="Picture 1"/>
+          <p:cNvPr id="4" name="Content Placeholder 3"/>
           <p:cNvPicPr>
-            <a:picLocks noChangeAspect="1"/>
+            <a:picLocks noGrp="1" noChangeAspect="1"/>
           </p:cNvPicPr>
-          <p:nvPr/>
+          <p:nvPr>
+            <p:ph idx="4294967295"/>
+          </p:nvPr>
         </p:nvPicPr>
         <p:blipFill>
           <a:blip r:embed="rId2">
@@ -5599,8 +6174,8 @@
         </p:blipFill>
         <p:spPr>
           <a:xfrm>
-            <a:off x="1638300" y="977900"/>
-            <a:ext cx="8915400" cy="4889500"/>
+            <a:off x="1544127" y="1992702"/>
+            <a:ext cx="6191201" cy="2983033"/>
           </a:xfrm>
           <a:prstGeom prst="rect">
             <a:avLst/>
@@ -5617,33 +6192,10 @@
           </a:effectLst>
         </p:spPr>
       </p:pic>
-      <p:sp>
-        <p:nvSpPr>
-          <p:cNvPr id="3" name="Slide Number Placeholder 2"/>
-          <p:cNvSpPr>
-            <a:spLocks noGrp="1"/>
-          </p:cNvSpPr>
-          <p:nvPr>
-            <p:ph type="sldNum" sz="quarter" idx="12"/>
-          </p:nvPr>
-        </p:nvSpPr>
-        <p:spPr/>
-        <p:txBody>
-          <a:bodyPr/>
-          <a:lstStyle/>
-          <a:p>
-            <a:fld id="{4FAB73BC-B049-4115-A692-8D63A059BFB8}" type="slidenum">
-              <a:rPr lang="en-US" smtClean="0"/>
-              <a:t>9</a:t>
-            </a:fld>
-            <a:endParaRPr lang="en-US" dirty="0"/>
-          </a:p>
-        </p:txBody>
-      </p:sp>
     </p:spTree>
     <p:extLst>
       <p:ext uri="{BB962C8B-B14F-4D97-AF65-F5344CB8AC3E}">
-        <p14:creationId xmlns:p14="http://schemas.microsoft.com/office/powerpoint/2010/main" val="1884231200"/>
+        <p14:creationId xmlns:p14="http://schemas.microsoft.com/office/powerpoint/2010/main" val="321408748"/>
       </p:ext>
     </p:extLst>
   </p:cSld>
@@ -5661,7 +6213,7 @@
 </file>
 
 <file path=ppt/theme/theme1.xml><?xml version="1.0" encoding="utf-8"?>
-<a:theme xmlns:a="http://schemas.openxmlformats.org/drawingml/2006/main" name="À bandes">
+<a:theme xmlns:a="http://schemas.openxmlformats.org/drawingml/2006/main" name="Banded">
   <a:themeElements>
     <a:clrScheme name="Banded">
       <a:dk1>

--- a/Commande.pptx
+++ b/Commande.pptx
@@ -4090,7 +4090,6 @@
               <a:rPr lang="fr-FR" sz="1350" dirty="0"/>
               <a:t>Browne, Champion, Clément, Hardy</a:t>
             </a:r>
-            <a:endParaRPr lang="fr-FR" sz="1350" dirty="0"/>
           </a:p>
         </p:txBody>
       </p:sp>
@@ -4457,7 +4456,6 @@
               <a:rPr lang="fr-CH" sz="1350" dirty="0"/>
               <a:t> du C++ permettent de facilement créer des commandes simples sans devoir créer une nouvelle classe</a:t>
             </a:r>
-            <a:endParaRPr lang="fr-CH" sz="1350" dirty="0"/>
           </a:p>
         </p:txBody>
       </p:sp>
@@ -4671,7 +4669,7 @@
             <a:spLocks noGrp="1"/>
           </p:cNvSpPr>
           <p:nvPr>
-            <p:ph type="title"/>
+            <p:ph type="ctrTitle"/>
           </p:nvPr>
         </p:nvSpPr>
         <p:spPr/>
@@ -4689,12 +4687,12 @@
       </p:sp>
       <p:sp>
         <p:nvSpPr>
-          <p:cNvPr id="3" name="Content Placeholder 2"/>
-          <p:cNvSpPr>
-            <a:spLocks noGrp="1"/>
-          </p:cNvSpPr>
-          <p:nvPr>
-            <p:ph idx="1"/>
+          <p:cNvPr id="5" name="Subtitle 4"/>
+          <p:cNvSpPr>
+            <a:spLocks noGrp="1"/>
+          </p:cNvSpPr>
+          <p:nvPr>
+            <p:ph type="subTitle" idx="1"/>
           </p:nvPr>
         </p:nvSpPr>
         <p:spPr/>

--- a/Commande.pptx
+++ b/Commande.pptx
@@ -527,6 +527,16 @@
           <a:bodyPr/>
           <a:lstStyle/>
           <a:p>
+            <a:r>
+              <a:rPr lang="fr-FR" dirty="0" smtClean="0"/>
+              <a:t>GUI, Disco</a:t>
+            </a:r>
+          </a:p>
+          <a:p>
+            <a:r>
+              <a:rPr lang="fr-FR" smtClean="0"/>
+              <a:t>Bibliothèque</a:t>
+            </a:r>
             <a:endParaRPr lang="fr-FR"/>
           </a:p>
         </p:txBody>
@@ -4061,7 +4071,7 @@
         </p:nvSpPr>
         <p:spPr>
           <a:xfrm>
-            <a:off x="517585" y="5211433"/>
+            <a:off x="274319" y="6025249"/>
             <a:ext cx="2747227" cy="507831"/>
           </a:xfrm>
           <a:prstGeom prst="rect">
@@ -4106,9 +4116,168 @@
   <p:timing>
     <p:tnLst>
       <p:par>
-        <p:cTn id="1" dur="indefinite" restart="never" nodeType="tmRoot"/>
+        <p:cTn id="1" dur="indefinite" restart="never" nodeType="tmRoot">
+          <p:childTnLst>
+            <p:seq concurrent="1" nextAc="seek">
+              <p:cTn id="2" dur="indefinite" nodeType="mainSeq">
+                <p:childTnLst>
+                  <p:par>
+                    <p:cTn id="3" fill="hold">
+                      <p:stCondLst>
+                        <p:cond delay="indefinite"/>
+                      </p:stCondLst>
+                      <p:childTnLst>
+                        <p:par>
+                          <p:cTn id="4" fill="hold">
+                            <p:stCondLst>
+                              <p:cond delay="0"/>
+                            </p:stCondLst>
+                            <p:childTnLst>
+                              <p:par>
+                                <p:cTn id="5" presetID="10" presetClass="entr" presetSubtype="0" fill="hold" grpId="0" nodeType="clickEffect">
+                                  <p:stCondLst>
+                                    <p:cond delay="0"/>
+                                  </p:stCondLst>
+                                  <p:childTnLst>
+                                    <p:set>
+                                      <p:cBhvr>
+                                        <p:cTn id="6" dur="1" fill="hold">
+                                          <p:stCondLst>
+                                            <p:cond delay="0"/>
+                                          </p:stCondLst>
+                                        </p:cTn>
+                                        <p:tgtEl>
+                                          <p:spTgt spid="2"/>
+                                        </p:tgtEl>
+                                        <p:attrNameLst>
+                                          <p:attrName>style.visibility</p:attrName>
+                                        </p:attrNameLst>
+                                      </p:cBhvr>
+                                      <p:to>
+                                        <p:strVal val="visible"/>
+                                      </p:to>
+                                    </p:set>
+                                    <p:animEffect transition="in" filter="fade">
+                                      <p:cBhvr>
+                                        <p:cTn id="7" dur="500"/>
+                                        <p:tgtEl>
+                                          <p:spTgt spid="2"/>
+                                        </p:tgtEl>
+                                      </p:cBhvr>
+                                    </p:animEffect>
+                                  </p:childTnLst>
+                                </p:cTn>
+                              </p:par>
+                              <p:par>
+                                <p:cTn id="8" presetID="10" presetClass="entr" presetSubtype="0" fill="hold" grpId="0" nodeType="withEffect">
+                                  <p:stCondLst>
+                                    <p:cond delay="0"/>
+                                  </p:stCondLst>
+                                  <p:childTnLst>
+                                    <p:set>
+                                      <p:cBhvr>
+                                        <p:cTn id="9" dur="1" fill="hold">
+                                          <p:stCondLst>
+                                            <p:cond delay="0"/>
+                                          </p:stCondLst>
+                                        </p:cTn>
+                                        <p:tgtEl>
+                                          <p:spTgt spid="3">
+                                            <p:txEl>
+                                              <p:pRg st="0" end="0"/>
+                                            </p:txEl>
+                                          </p:spTgt>
+                                        </p:tgtEl>
+                                        <p:attrNameLst>
+                                          <p:attrName>style.visibility</p:attrName>
+                                        </p:attrNameLst>
+                                      </p:cBhvr>
+                                      <p:to>
+                                        <p:strVal val="visible"/>
+                                      </p:to>
+                                    </p:set>
+                                    <p:animEffect transition="in" filter="fade">
+                                      <p:cBhvr>
+                                        <p:cTn id="10" dur="500"/>
+                                        <p:tgtEl>
+                                          <p:spTgt spid="3">
+                                            <p:txEl>
+                                              <p:pRg st="0" end="0"/>
+                                            </p:txEl>
+                                          </p:spTgt>
+                                        </p:tgtEl>
+                                      </p:cBhvr>
+                                    </p:animEffect>
+                                  </p:childTnLst>
+                                </p:cTn>
+                              </p:par>
+                              <p:par>
+                                <p:cTn id="11" presetID="10" presetClass="entr" presetSubtype="0" fill="hold" grpId="0" nodeType="withEffect">
+                                  <p:stCondLst>
+                                    <p:cond delay="0"/>
+                                  </p:stCondLst>
+                                  <p:childTnLst>
+                                    <p:set>
+                                      <p:cBhvr>
+                                        <p:cTn id="12" dur="1" fill="hold">
+                                          <p:stCondLst>
+                                            <p:cond delay="0"/>
+                                          </p:stCondLst>
+                                        </p:cTn>
+                                        <p:tgtEl>
+                                          <p:spTgt spid="5"/>
+                                        </p:tgtEl>
+                                        <p:attrNameLst>
+                                          <p:attrName>style.visibility</p:attrName>
+                                        </p:attrNameLst>
+                                      </p:cBhvr>
+                                      <p:to>
+                                        <p:strVal val="visible"/>
+                                      </p:to>
+                                    </p:set>
+                                    <p:animEffect transition="in" filter="fade">
+                                      <p:cBhvr>
+                                        <p:cTn id="13" dur="500"/>
+                                        <p:tgtEl>
+                                          <p:spTgt spid="5"/>
+                                        </p:tgtEl>
+                                      </p:cBhvr>
+                                    </p:animEffect>
+                                  </p:childTnLst>
+                                </p:cTn>
+                              </p:par>
+                            </p:childTnLst>
+                          </p:cTn>
+                        </p:par>
+                      </p:childTnLst>
+                    </p:cTn>
+                  </p:par>
+                </p:childTnLst>
+              </p:cTn>
+              <p:prevCondLst>
+                <p:cond evt="onPrev" delay="0">
+                  <p:tgtEl>
+                    <p:sldTgt/>
+                  </p:tgtEl>
+                </p:cond>
+              </p:prevCondLst>
+              <p:nextCondLst>
+                <p:cond evt="onNext" delay="0">
+                  <p:tgtEl>
+                    <p:sldTgt/>
+                  </p:tgtEl>
+                </p:cond>
+              </p:nextCondLst>
+            </p:seq>
+          </p:childTnLst>
+        </p:cTn>
       </p:par>
     </p:tnLst>
+    <p:bldLst>
+      <p:bldP spid="2" grpId="0"/>
+      <p:bldP spid="3" grpId="0" build="p"/>
+      <p:bldP spid="5" grpId="0"/>
+    </p:bldLst>
   </p:timing>
 </p:sld>
 </file>
@@ -4878,6 +5047,13 @@
   <p:clrMapOvr>
     <a:masterClrMapping/>
   </p:clrMapOvr>
+  <p:timing>
+    <p:tnLst>
+      <p:par>
+        <p:cTn id="1" dur="indefinite" restart="never" nodeType="tmRoot"/>
+      </p:par>
+    </p:tnLst>
+  </p:timing>
 </p:sld>
 </file>
 

--- a/Commande.pptx
+++ b/Commande.pptx
@@ -5,7 +5,7 @@
     <p:sldMasterId id="2147483660" r:id="rId1"/>
   </p:sldMasterIdLst>
   <p:notesMasterIdLst>
-    <p:notesMasterId r:id="rId16"/>
+    <p:notesMasterId r:id="rId17"/>
   </p:notesMasterIdLst>
   <p:sldIdLst>
     <p:sldId id="256" r:id="rId2"/>
@@ -17,11 +17,12 @@
     <p:sldId id="261" r:id="rId8"/>
     <p:sldId id="264" r:id="rId9"/>
     <p:sldId id="265" r:id="rId10"/>
-    <p:sldId id="267" r:id="rId11"/>
-    <p:sldId id="266" r:id="rId12"/>
-    <p:sldId id="263" r:id="rId13"/>
-    <p:sldId id="262" r:id="rId14"/>
-    <p:sldId id="269" r:id="rId15"/>
+    <p:sldId id="270" r:id="rId11"/>
+    <p:sldId id="267" r:id="rId12"/>
+    <p:sldId id="266" r:id="rId13"/>
+    <p:sldId id="263" r:id="rId14"/>
+    <p:sldId id="262" r:id="rId15"/>
+    <p:sldId id="269" r:id="rId16"/>
   </p:sldIdLst>
   <p:sldSz cx="9144000" cy="6858000" type="screen4x3"/>
   <p:notesSz cx="6858000" cy="9144000"/>
@@ -528,16 +529,36 @@
           <a:lstStyle/>
           <a:p>
             <a:r>
+              <a:rPr lang="fr-FR" dirty="0" err="1" smtClean="0"/>
+              <a:t>Toolkit</a:t>
+            </a:r>
+            <a:r>
               <a:rPr lang="fr-FR" dirty="0" smtClean="0"/>
-              <a:t>GUI, Disco</a:t>
-            </a:r>
-          </a:p>
-          <a:p>
-            <a:r>
-              <a:rPr lang="fr-FR" smtClean="0"/>
-              <a:t>Bibliothèque</a:t>
-            </a:r>
-            <a:endParaRPr lang="fr-FR"/>
+              <a:t> GUI</a:t>
+            </a:r>
+            <a:endParaRPr lang="fr-FR" dirty="0" smtClean="0"/>
+          </a:p>
+          <a:p>
+            <a:r>
+              <a:rPr lang="fr-FR" dirty="0" smtClean="0"/>
+              <a:t>Bibliothèque </a:t>
+            </a:r>
+            <a:r>
+              <a:rPr lang="fr-FR" dirty="0" err="1" smtClean="0"/>
+              <a:t>Dorigny</a:t>
+            </a:r>
+            <a:endParaRPr lang="fr-FR" dirty="0" smtClean="0"/>
+          </a:p>
+          <a:p>
+            <a:r>
+              <a:rPr lang="fr-FR" dirty="0" smtClean="0"/>
+              <a:t>Domaine objet, rôle</a:t>
+            </a:r>
+            <a:r>
+              <a:rPr lang="fr-FR" baseline="0" dirty="0" smtClean="0"/>
+              <a:t> comportemental</a:t>
+            </a:r>
+            <a:endParaRPr lang="fr-FR" dirty="0"/>
           </a:p>
         </p:txBody>
       </p:sp>
@@ -4050,7 +4071,12 @@
             <p:ph type="subTitle" idx="1"/>
           </p:nvPr>
         </p:nvSpPr>
-        <p:spPr/>
+        <p:spPr>
+          <a:xfrm>
+            <a:off x="960120" y="3833155"/>
+            <a:ext cx="6858000" cy="1309255"/>
+          </a:xfrm>
+        </p:spPr>
         <p:txBody>
           <a:bodyPr/>
           <a:lstStyle/>
@@ -4299,6 +4325,150 @@
           <a:chExt cx="0" cy="0"/>
         </a:xfrm>
       </p:grpSpPr>
+      <p:sp>
+        <p:nvSpPr>
+          <p:cNvPr id="4" name="Rectangle 3"/>
+          <p:cNvSpPr/>
+          <p:nvPr/>
+        </p:nvSpPr>
+        <p:spPr>
+          <a:xfrm>
+            <a:off x="1090611" y="1862136"/>
+            <a:ext cx="6962775" cy="3133725"/>
+          </a:xfrm>
+          <a:prstGeom prst="rect">
+            <a:avLst/>
+          </a:prstGeom>
+          <a:solidFill>
+            <a:schemeClr val="tx1"/>
+          </a:solidFill>
+          <a:ln>
+            <a:noFill/>
+          </a:ln>
+          <a:effectLst>
+            <a:outerShdw blurRad="50800" dist="38100" dir="2700000" algn="tl" rotWithShape="0">
+              <a:prstClr val="black">
+                <a:alpha val="40000"/>
+              </a:prstClr>
+            </a:outerShdw>
+          </a:effectLst>
+        </p:spPr>
+        <p:style>
+          <a:lnRef idx="2">
+            <a:schemeClr val="accent1">
+              <a:shade val="50000"/>
+            </a:schemeClr>
+          </a:lnRef>
+          <a:fillRef idx="1">
+            <a:schemeClr val="accent1"/>
+          </a:fillRef>
+          <a:effectRef idx="0">
+            <a:schemeClr val="accent1"/>
+          </a:effectRef>
+          <a:fontRef idx="minor">
+            <a:schemeClr val="lt1"/>
+          </a:fontRef>
+        </p:style>
+        <p:txBody>
+          <a:bodyPr rtlCol="0" anchor="ctr"/>
+          <a:lstStyle/>
+          <a:p>
+            <a:pPr algn="ctr"/>
+            <a:endParaRPr lang="fr-FR"/>
+          </a:p>
+        </p:txBody>
+      </p:sp>
+      <p:pic>
+        <p:nvPicPr>
+          <p:cNvPr id="3" name="Picture 2"/>
+          <p:cNvPicPr>
+            <a:picLocks noChangeAspect="1"/>
+          </p:cNvPicPr>
+          <p:nvPr/>
+        </p:nvPicPr>
+        <p:blipFill>
+          <a:blip r:embed="rId2">
+            <a:extLst>
+              <a:ext uri="{28A0092B-C50C-407E-A947-70E740481C1C}">
+                <a14:useLocalDpi xmlns:a14="http://schemas.microsoft.com/office/drawing/2010/main" val="0"/>
+              </a:ext>
+            </a:extLst>
+          </a:blip>
+          <a:stretch>
+            <a:fillRect/>
+          </a:stretch>
+        </p:blipFill>
+        <p:spPr>
+          <a:xfrm>
+            <a:off x="1222587" y="1946980"/>
+            <a:ext cx="6962775" cy="3133725"/>
+          </a:xfrm>
+          <a:prstGeom prst="rect">
+            <a:avLst/>
+          </a:prstGeom>
+        </p:spPr>
+      </p:pic>
+      <p:sp>
+        <p:nvSpPr>
+          <p:cNvPr id="2" name="Slide Number Placeholder 1"/>
+          <p:cNvSpPr>
+            <a:spLocks noGrp="1"/>
+          </p:cNvSpPr>
+          <p:nvPr>
+            <p:ph type="sldNum" sz="quarter" idx="12"/>
+          </p:nvPr>
+        </p:nvSpPr>
+        <p:spPr/>
+        <p:txBody>
+          <a:bodyPr/>
+          <a:lstStyle/>
+          <a:p>
+            <a:fld id="{4FAB73BC-B049-4115-A692-8D63A059BFB8}" type="slidenum">
+              <a:rPr lang="en-US" smtClean="0"/>
+              <a:pPr/>
+              <a:t>10</a:t>
+            </a:fld>
+            <a:endParaRPr lang="en-US" dirty="0"/>
+          </a:p>
+        </p:txBody>
+      </p:sp>
+    </p:spTree>
+    <p:extLst>
+      <p:ext uri="{BB962C8B-B14F-4D97-AF65-F5344CB8AC3E}">
+        <p14:creationId xmlns:p14="http://schemas.microsoft.com/office/powerpoint/2010/main" val="1941149202"/>
+      </p:ext>
+    </p:extLst>
+  </p:cSld>
+  <p:clrMapOvr>
+    <a:masterClrMapping/>
+  </p:clrMapOvr>
+  <p:timing>
+    <p:tnLst>
+      <p:par>
+        <p:cTn id="1" dur="indefinite" restart="never" nodeType="tmRoot"/>
+      </p:par>
+    </p:tnLst>
+  </p:timing>
+</p:sld>
+</file>
+
+<file path=ppt/slides/slide11.xml><?xml version="1.0" encoding="utf-8"?>
+<p:sld xmlns:a="http://schemas.openxmlformats.org/drawingml/2006/main" xmlns:r="http://schemas.openxmlformats.org/officeDocument/2006/relationships" xmlns:p="http://schemas.openxmlformats.org/presentationml/2006/main">
+  <p:cSld>
+    <p:spTree>
+      <p:nvGrpSpPr>
+        <p:cNvPr id="1" name=""/>
+        <p:cNvGrpSpPr/>
+        <p:nvPr/>
+      </p:nvGrpSpPr>
+      <p:grpSpPr>
+        <a:xfrm>
+          <a:off x="0" y="0"/>
+          <a:ext cx="0" cy="0"/>
+          <a:chOff x="0" y="0"/>
+          <a:chExt cx="0" cy="0"/>
+        </a:xfrm>
+      </p:grpSpPr>
       <p:pic>
         <p:nvPicPr>
           <p:cNvPr id="2" name="Picture 1"/>
@@ -4356,7 +4526,7 @@
           <a:p>
             <a:fld id="{4FAB73BC-B049-4115-A692-8D63A059BFB8}" type="slidenum">
               <a:rPr lang="en-US" smtClean="0"/>
-              <a:t>10</a:t>
+              <a:t>11</a:t>
             </a:fld>
             <a:endParaRPr lang="en-US" dirty="0"/>
           </a:p>
@@ -4382,7 +4552,7 @@
 </p:sld>
 </file>
 
-<file path=ppt/slides/slide11.xml><?xml version="1.0" encoding="utf-8"?>
+<file path=ppt/slides/slide12.xml><?xml version="1.0" encoding="utf-8"?>
 <p:sld xmlns:a="http://schemas.openxmlformats.org/drawingml/2006/main" xmlns:r="http://schemas.openxmlformats.org/officeDocument/2006/relationships" xmlns:p="http://schemas.openxmlformats.org/presentationml/2006/main">
   <p:cSld>
     <p:spTree>
@@ -4456,7 +4626,7 @@
           <a:p>
             <a:fld id="{4FAB73BC-B049-4115-A692-8D63A059BFB8}" type="slidenum">
               <a:rPr lang="en-US" smtClean="0"/>
-              <a:t>11</a:t>
+              <a:t>12</a:t>
             </a:fld>
             <a:endParaRPr lang="en-US" dirty="0"/>
           </a:p>
@@ -4482,7 +4652,7 @@
 </p:sld>
 </file>
 
-<file path=ppt/slides/slide12.xml><?xml version="1.0" encoding="utf-8"?>
+<file path=ppt/slides/slide13.xml><?xml version="1.0" encoding="utf-8"?>
 <p:sld xmlns:a="http://schemas.openxmlformats.org/drawingml/2006/main" xmlns:r="http://schemas.openxmlformats.org/officeDocument/2006/relationships" xmlns:p="http://schemas.openxmlformats.org/presentationml/2006/main">
   <p:cSld>
     <p:spTree>
@@ -4585,7 +4755,7 @@
           <a:p>
             <a:fld id="{4FAB73BC-B049-4115-A692-8D63A059BFB8}" type="slidenum">
               <a:rPr lang="en-US" smtClean="0"/>
-              <a:t>12</a:t>
+              <a:t>13</a:t>
             </a:fld>
             <a:endParaRPr lang="en-US" dirty="0"/>
           </a:p>
@@ -4632,172 +4802,6 @@
     <p:extLst>
       <p:ext uri="{BB962C8B-B14F-4D97-AF65-F5344CB8AC3E}">
         <p14:creationId xmlns:p14="http://schemas.microsoft.com/office/powerpoint/2010/main" val="2623962394"/>
-      </p:ext>
-    </p:extLst>
-  </p:cSld>
-  <p:clrMapOvr>
-    <a:masterClrMapping/>
-  </p:clrMapOvr>
-  <p:timing>
-    <p:tnLst>
-      <p:par>
-        <p:cTn id="1" dur="indefinite" restart="never" nodeType="tmRoot"/>
-      </p:par>
-    </p:tnLst>
-  </p:timing>
-</p:sld>
-</file>
-
-<file path=ppt/slides/slide13.xml><?xml version="1.0" encoding="utf-8"?>
-<p:sld xmlns:a="http://schemas.openxmlformats.org/drawingml/2006/main" xmlns:r="http://schemas.openxmlformats.org/officeDocument/2006/relationships" xmlns:p="http://schemas.openxmlformats.org/presentationml/2006/main">
-  <p:cSld>
-    <p:spTree>
-      <p:nvGrpSpPr>
-        <p:cNvPr id="1" name=""/>
-        <p:cNvGrpSpPr/>
-        <p:nvPr/>
-      </p:nvGrpSpPr>
-      <p:grpSpPr>
-        <a:xfrm>
-          <a:off x="0" y="0"/>
-          <a:ext cx="0" cy="0"/>
-          <a:chOff x="0" y="0"/>
-          <a:chExt cx="0" cy="0"/>
-        </a:xfrm>
-      </p:grpSpPr>
-      <p:sp>
-        <p:nvSpPr>
-          <p:cNvPr id="2" name="Titre 1"/>
-          <p:cNvSpPr>
-            <a:spLocks noGrp="1"/>
-          </p:cNvSpPr>
-          <p:nvPr>
-            <p:ph type="title"/>
-          </p:nvPr>
-        </p:nvSpPr>
-        <p:spPr/>
-        <p:txBody>
-          <a:bodyPr/>
-          <a:lstStyle/>
-          <a:p>
-            <a:r>
-              <a:rPr lang="fr-CH" dirty="0" smtClean="0"/>
-              <a:t>Commande</a:t>
-            </a:r>
-            <a:endParaRPr lang="fr-CH" dirty="0"/>
-          </a:p>
-        </p:txBody>
-      </p:sp>
-      <p:sp>
-        <p:nvSpPr>
-          <p:cNvPr id="3" name="Espace réservé du contenu 2"/>
-          <p:cNvSpPr>
-            <a:spLocks noGrp="1"/>
-          </p:cNvSpPr>
-          <p:nvPr>
-            <p:ph idx="1"/>
-          </p:nvPr>
-        </p:nvSpPr>
-        <p:spPr/>
-        <p:txBody>
-          <a:bodyPr/>
-          <a:lstStyle/>
-          <a:p>
-            <a:r>
-              <a:rPr lang="fr-CH" dirty="0" smtClean="0"/>
-              <a:t>Utilisations populaires</a:t>
-            </a:r>
-          </a:p>
-          <a:p>
-            <a:pPr lvl="1"/>
-            <a:r>
-              <a:rPr lang="fr-CH" dirty="0" smtClean="0"/>
-              <a:t>Gestion des menus d’une application </a:t>
-            </a:r>
-          </a:p>
-          <a:p>
-            <a:pPr lvl="1"/>
-            <a:r>
-              <a:rPr lang="fr-CH" dirty="0" smtClean="0"/>
-              <a:t>Restauration d’un état après un crash</a:t>
-            </a:r>
-          </a:p>
-          <a:p>
-            <a:r>
-              <a:rPr lang="fr-CH" dirty="0" smtClean="0"/>
-              <a:t>Modèles associés</a:t>
-            </a:r>
-          </a:p>
-          <a:p>
-            <a:pPr lvl="1"/>
-            <a:r>
-              <a:rPr lang="fr-CH" dirty="0" smtClean="0"/>
-              <a:t>Composite </a:t>
-            </a:r>
-            <a:r>
-              <a:rPr lang="fr-CH" dirty="0" smtClean="0">
-                <a:sym typeface="Wingdings" panose="05000000000000000000" pitchFamily="2" charset="2"/>
-              </a:rPr>
-              <a:t> Création de macro-commande</a:t>
-            </a:r>
-          </a:p>
-          <a:p>
-            <a:pPr lvl="1"/>
-            <a:r>
-              <a:rPr lang="fr-CH" dirty="0" smtClean="0">
-                <a:sym typeface="Wingdings" panose="05000000000000000000" pitchFamily="2" charset="2"/>
-              </a:rPr>
-              <a:t>Memento  Garde l’état qu’une commande a besoin pour faire son </a:t>
-            </a:r>
-            <a:r>
-              <a:rPr lang="fr-CH" i="1" dirty="0" smtClean="0">
-                <a:sym typeface="Wingdings" panose="05000000000000000000" pitchFamily="2" charset="2"/>
-              </a:rPr>
-              <a:t>undo</a:t>
-            </a:r>
-            <a:endParaRPr lang="fr-CH" dirty="0" smtClean="0">
-              <a:sym typeface="Wingdings" panose="05000000000000000000" pitchFamily="2" charset="2"/>
-            </a:endParaRPr>
-          </a:p>
-          <a:p>
-            <a:pPr lvl="1"/>
-            <a:r>
-              <a:rPr lang="fr-CH" dirty="0" smtClean="0">
-                <a:sym typeface="Wingdings" panose="05000000000000000000" pitchFamily="2" charset="2"/>
-              </a:rPr>
-              <a:t>Prototype  Copie de commande (constructeur virtuel)</a:t>
-            </a:r>
-            <a:endParaRPr lang="fr-CH" dirty="0"/>
-          </a:p>
-        </p:txBody>
-      </p:sp>
-      <p:sp>
-        <p:nvSpPr>
-          <p:cNvPr id="4" name="Slide Number Placeholder 3"/>
-          <p:cNvSpPr>
-            <a:spLocks noGrp="1"/>
-          </p:cNvSpPr>
-          <p:nvPr>
-            <p:ph type="sldNum" sz="quarter" idx="12"/>
-          </p:nvPr>
-        </p:nvSpPr>
-        <p:spPr/>
-        <p:txBody>
-          <a:bodyPr/>
-          <a:lstStyle/>
-          <a:p>
-            <a:fld id="{4FAB73BC-B049-4115-A692-8D63A059BFB8}" type="slidenum">
-              <a:rPr lang="en-US" smtClean="0"/>
-              <a:t>13</a:t>
-            </a:fld>
-            <a:endParaRPr lang="en-US" dirty="0"/>
-          </a:p>
-        </p:txBody>
-      </p:sp>
-    </p:spTree>
-    <p:extLst>
-      <p:ext uri="{BB962C8B-B14F-4D97-AF65-F5344CB8AC3E}">
-        <p14:creationId xmlns:p14="http://schemas.microsoft.com/office/powerpoint/2010/main" val="1989094414"/>
       </p:ext>
     </p:extLst>
   </p:cSld>
@@ -4833,6 +4837,172 @@
       </p:grpSpPr>
       <p:sp>
         <p:nvSpPr>
+          <p:cNvPr id="2" name="Titre 1"/>
+          <p:cNvSpPr>
+            <a:spLocks noGrp="1"/>
+          </p:cNvSpPr>
+          <p:nvPr>
+            <p:ph type="title"/>
+          </p:nvPr>
+        </p:nvSpPr>
+        <p:spPr/>
+        <p:txBody>
+          <a:bodyPr/>
+          <a:lstStyle/>
+          <a:p>
+            <a:r>
+              <a:rPr lang="fr-CH" dirty="0" smtClean="0"/>
+              <a:t>Commande</a:t>
+            </a:r>
+            <a:endParaRPr lang="fr-CH" dirty="0"/>
+          </a:p>
+        </p:txBody>
+      </p:sp>
+      <p:sp>
+        <p:nvSpPr>
+          <p:cNvPr id="3" name="Espace réservé du contenu 2"/>
+          <p:cNvSpPr>
+            <a:spLocks noGrp="1"/>
+          </p:cNvSpPr>
+          <p:nvPr>
+            <p:ph idx="1"/>
+          </p:nvPr>
+        </p:nvSpPr>
+        <p:spPr/>
+        <p:txBody>
+          <a:bodyPr/>
+          <a:lstStyle/>
+          <a:p>
+            <a:r>
+              <a:rPr lang="fr-CH" dirty="0" smtClean="0"/>
+              <a:t>Utilisations populaires</a:t>
+            </a:r>
+          </a:p>
+          <a:p>
+            <a:pPr lvl="1"/>
+            <a:r>
+              <a:rPr lang="fr-CH" dirty="0" smtClean="0"/>
+              <a:t>Gestion des menus d’une application </a:t>
+            </a:r>
+          </a:p>
+          <a:p>
+            <a:pPr lvl="1"/>
+            <a:r>
+              <a:rPr lang="fr-CH" dirty="0" smtClean="0"/>
+              <a:t>Restauration d’un état après un crash</a:t>
+            </a:r>
+          </a:p>
+          <a:p>
+            <a:r>
+              <a:rPr lang="fr-CH" dirty="0" smtClean="0"/>
+              <a:t>Modèles associés</a:t>
+            </a:r>
+          </a:p>
+          <a:p>
+            <a:pPr lvl="1"/>
+            <a:r>
+              <a:rPr lang="fr-CH" dirty="0" smtClean="0"/>
+              <a:t>Composite </a:t>
+            </a:r>
+            <a:r>
+              <a:rPr lang="fr-CH" dirty="0" smtClean="0">
+                <a:sym typeface="Wingdings" panose="05000000000000000000" pitchFamily="2" charset="2"/>
+              </a:rPr>
+              <a:t> Création de macro-commande</a:t>
+            </a:r>
+          </a:p>
+          <a:p>
+            <a:pPr lvl="1"/>
+            <a:r>
+              <a:rPr lang="fr-CH" dirty="0" smtClean="0">
+                <a:sym typeface="Wingdings" panose="05000000000000000000" pitchFamily="2" charset="2"/>
+              </a:rPr>
+              <a:t>Memento  Garde l’état qu’une commande a besoin pour faire son </a:t>
+            </a:r>
+            <a:r>
+              <a:rPr lang="fr-CH" i="1" dirty="0" smtClean="0">
+                <a:sym typeface="Wingdings" panose="05000000000000000000" pitchFamily="2" charset="2"/>
+              </a:rPr>
+              <a:t>undo</a:t>
+            </a:r>
+            <a:endParaRPr lang="fr-CH" dirty="0" smtClean="0">
+              <a:sym typeface="Wingdings" panose="05000000000000000000" pitchFamily="2" charset="2"/>
+            </a:endParaRPr>
+          </a:p>
+          <a:p>
+            <a:pPr lvl="1"/>
+            <a:r>
+              <a:rPr lang="fr-CH" dirty="0" smtClean="0">
+                <a:sym typeface="Wingdings" panose="05000000000000000000" pitchFamily="2" charset="2"/>
+              </a:rPr>
+              <a:t>Prototype  Copie de commande (constructeur virtuel)</a:t>
+            </a:r>
+            <a:endParaRPr lang="fr-CH" dirty="0"/>
+          </a:p>
+        </p:txBody>
+      </p:sp>
+      <p:sp>
+        <p:nvSpPr>
+          <p:cNvPr id="4" name="Slide Number Placeholder 3"/>
+          <p:cNvSpPr>
+            <a:spLocks noGrp="1"/>
+          </p:cNvSpPr>
+          <p:nvPr>
+            <p:ph type="sldNum" sz="quarter" idx="12"/>
+          </p:nvPr>
+        </p:nvSpPr>
+        <p:spPr/>
+        <p:txBody>
+          <a:bodyPr/>
+          <a:lstStyle/>
+          <a:p>
+            <a:fld id="{4FAB73BC-B049-4115-A692-8D63A059BFB8}" type="slidenum">
+              <a:rPr lang="en-US" smtClean="0"/>
+              <a:t>14</a:t>
+            </a:fld>
+            <a:endParaRPr lang="en-US" dirty="0"/>
+          </a:p>
+        </p:txBody>
+      </p:sp>
+    </p:spTree>
+    <p:extLst>
+      <p:ext uri="{BB962C8B-B14F-4D97-AF65-F5344CB8AC3E}">
+        <p14:creationId xmlns:p14="http://schemas.microsoft.com/office/powerpoint/2010/main" val="1989094414"/>
+      </p:ext>
+    </p:extLst>
+  </p:cSld>
+  <p:clrMapOvr>
+    <a:masterClrMapping/>
+  </p:clrMapOvr>
+  <p:timing>
+    <p:tnLst>
+      <p:par>
+        <p:cTn id="1" dur="indefinite" restart="never" nodeType="tmRoot"/>
+      </p:par>
+    </p:tnLst>
+  </p:timing>
+</p:sld>
+</file>
+
+<file path=ppt/slides/slide15.xml><?xml version="1.0" encoding="utf-8"?>
+<p:sld xmlns:a="http://schemas.openxmlformats.org/drawingml/2006/main" xmlns:r="http://schemas.openxmlformats.org/officeDocument/2006/relationships" xmlns:p="http://schemas.openxmlformats.org/presentationml/2006/main">
+  <p:cSld>
+    <p:spTree>
+      <p:nvGrpSpPr>
+        <p:cNvPr id="1" name=""/>
+        <p:cNvGrpSpPr/>
+        <p:nvPr/>
+      </p:nvGrpSpPr>
+      <p:grpSpPr>
+        <a:xfrm>
+          <a:off x="0" y="0"/>
+          <a:ext cx="0" cy="0"/>
+          <a:chOff x="0" y="0"/>
+          <a:chExt cx="0" cy="0"/>
+        </a:xfrm>
+      </p:grpSpPr>
+      <p:sp>
+        <p:nvSpPr>
           <p:cNvPr id="2" name="Title 1"/>
           <p:cNvSpPr>
             <a:spLocks noGrp="1"/>
@@ -4891,7 +5061,7 @@
             <a:fld id="{4FAB73BC-B049-4115-A692-8D63A059BFB8}" type="slidenum">
               <a:rPr lang="en-US" smtClean="0"/>
               <a:pPr/>
-              <a:t>14</a:t>
+              <a:t>15</a:t>
             </a:fld>
             <a:endParaRPr lang="en-US" dirty="0"/>
           </a:p>
@@ -4907,6 +5077,13 @@
   <p:clrMapOvr>
     <a:masterClrMapping/>
   </p:clrMapOvr>
+  <p:timing>
+    <p:tnLst>
+      <p:par>
+        <p:cTn id="1" dur="indefinite" restart="never" nodeType="tmRoot"/>
+      </p:par>
+    </p:tnLst>
+  </p:timing>
 </p:sld>
 </file>
 
@@ -6064,7 +6241,7 @@
         </p:blipFill>
         <p:spPr>
           <a:xfrm>
-            <a:off x="1144168" y="307856"/>
+            <a:off x="1210349" y="147601"/>
             <a:ext cx="5912240" cy="3358781"/>
           </a:xfrm>
           <a:prstGeom prst="rect">
@@ -6104,8 +6281,8 @@
         </p:blipFill>
         <p:spPr>
           <a:xfrm>
-            <a:off x="557482" y="4031464"/>
-            <a:ext cx="3608987" cy="2391392"/>
+            <a:off x="378373" y="3825213"/>
+            <a:ext cx="3920250" cy="2597642"/>
           </a:xfrm>
           <a:prstGeom prst="rect">
             <a:avLst/>
@@ -6144,8 +6321,8 @@
         </p:blipFill>
         <p:spPr>
           <a:xfrm>
-            <a:off x="4655029" y="4031464"/>
-            <a:ext cx="3584218" cy="2391391"/>
+            <a:off x="4655028" y="3825214"/>
+            <a:ext cx="3893347" cy="2597642"/>
           </a:xfrm>
           <a:prstGeom prst="rect">
             <a:avLst/>
